--- a/二維線段樹.pptx
+++ b/二維線段樹.pptx
@@ -6,6 +6,20 @@
   </p:sldMasterIdLst>
   <p:sldIdLst>
     <p:sldId id="256" r:id="rId2"/>
+    <p:sldId id="257" r:id="rId3"/>
+    <p:sldId id="269" r:id="rId4"/>
+    <p:sldId id="270" r:id="rId5"/>
+    <p:sldId id="258" r:id="rId6"/>
+    <p:sldId id="259" r:id="rId7"/>
+    <p:sldId id="260" r:id="rId8"/>
+    <p:sldId id="261" r:id="rId9"/>
+    <p:sldId id="267" r:id="rId10"/>
+    <p:sldId id="262" r:id="rId11"/>
+    <p:sldId id="263" r:id="rId12"/>
+    <p:sldId id="264" r:id="rId13"/>
+    <p:sldId id="265" r:id="rId14"/>
+    <p:sldId id="266" r:id="rId15"/>
+    <p:sldId id="268" r:id="rId16"/>
   </p:sldIdLst>
   <p:sldSz cx="12192000" cy="6858000"/>
   <p:notesSz cx="6858000" cy="9144000"/>
@@ -834,7 +848,7 @@
           <a:p>
             <a:fld id="{C1DB8A8A-8640-42D6-90BF-032295D5889D}" type="datetimeFigureOut">
               <a:rPr lang="zh-TW" altLang="en-US" smtClean="0"/>
-              <a:t>2017/4/28</a:t>
+              <a:t>2017/5/27</a:t>
             </a:fld>
             <a:endParaRPr lang="zh-TW" altLang="en-US"/>
           </a:p>
@@ -1085,7 +1099,7 @@
           <a:p>
             <a:fld id="{C1DB8A8A-8640-42D6-90BF-032295D5889D}" type="datetimeFigureOut">
               <a:rPr lang="zh-TW" altLang="en-US" smtClean="0"/>
-              <a:t>2017/4/28</a:t>
+              <a:t>2017/5/27</a:t>
             </a:fld>
             <a:endParaRPr lang="zh-TW" altLang="en-US"/>
           </a:p>
@@ -1399,7 +1413,7 @@
           <a:p>
             <a:fld id="{C1DB8A8A-8640-42D6-90BF-032295D5889D}" type="datetimeFigureOut">
               <a:rPr lang="zh-TW" altLang="en-US" smtClean="0"/>
-              <a:t>2017/4/28</a:t>
+              <a:t>2017/5/27</a:t>
             </a:fld>
             <a:endParaRPr lang="zh-TW" altLang="en-US"/>
           </a:p>
@@ -1740,7 +1754,7 @@
           <a:p>
             <a:fld id="{C1DB8A8A-8640-42D6-90BF-032295D5889D}" type="datetimeFigureOut">
               <a:rPr lang="zh-TW" altLang="en-US" smtClean="0"/>
-              <a:t>2017/4/28</a:t>
+              <a:t>2017/5/27</a:t>
             </a:fld>
             <a:endParaRPr lang="zh-TW" altLang="en-US"/>
           </a:p>
@@ -2054,7 +2068,7 @@
           <a:p>
             <a:fld id="{C1DB8A8A-8640-42D6-90BF-032295D5889D}" type="datetimeFigureOut">
               <a:rPr lang="zh-TW" altLang="en-US" smtClean="0"/>
-              <a:t>2017/4/28</a:t>
+              <a:t>2017/5/27</a:t>
             </a:fld>
             <a:endParaRPr lang="zh-TW" altLang="en-US"/>
           </a:p>
@@ -2447,7 +2461,7 @@
           <a:p>
             <a:fld id="{C1DB8A8A-8640-42D6-90BF-032295D5889D}" type="datetimeFigureOut">
               <a:rPr lang="zh-TW" altLang="en-US" smtClean="0"/>
-              <a:t>2017/4/28</a:t>
+              <a:t>2017/5/27</a:t>
             </a:fld>
             <a:endParaRPr lang="zh-TW" altLang="en-US"/>
           </a:p>
@@ -2617,7 +2631,7 @@
           <a:p>
             <a:fld id="{C1DB8A8A-8640-42D6-90BF-032295D5889D}" type="datetimeFigureOut">
               <a:rPr lang="zh-TW" altLang="en-US" smtClean="0"/>
-              <a:t>2017/4/28</a:t>
+              <a:t>2017/5/27</a:t>
             </a:fld>
             <a:endParaRPr lang="zh-TW" altLang="en-US"/>
           </a:p>
@@ -2797,7 +2811,7 @@
           <a:p>
             <a:fld id="{C1DB8A8A-8640-42D6-90BF-032295D5889D}" type="datetimeFigureOut">
               <a:rPr lang="zh-TW" altLang="en-US" smtClean="0"/>
-              <a:t>2017/4/28</a:t>
+              <a:t>2017/5/27</a:t>
             </a:fld>
             <a:endParaRPr lang="zh-TW" altLang="en-US"/>
           </a:p>
@@ -2973,7 +2987,7 @@
           <a:p>
             <a:fld id="{C1DB8A8A-8640-42D6-90BF-032295D5889D}" type="datetimeFigureOut">
               <a:rPr lang="zh-TW" altLang="en-US" smtClean="0"/>
-              <a:t>2017/4/28</a:t>
+              <a:t>2017/5/27</a:t>
             </a:fld>
             <a:endParaRPr lang="zh-TW" altLang="en-US"/>
           </a:p>
@@ -3220,7 +3234,7 @@
           <a:p>
             <a:fld id="{C1DB8A8A-8640-42D6-90BF-032295D5889D}" type="datetimeFigureOut">
               <a:rPr lang="zh-TW" altLang="en-US" smtClean="0"/>
-              <a:t>2017/4/28</a:t>
+              <a:t>2017/5/27</a:t>
             </a:fld>
             <a:endParaRPr lang="zh-TW" altLang="en-US"/>
           </a:p>
@@ -3452,7 +3466,7 @@
           <a:p>
             <a:fld id="{C1DB8A8A-8640-42D6-90BF-032295D5889D}" type="datetimeFigureOut">
               <a:rPr lang="zh-TW" altLang="en-US" smtClean="0"/>
-              <a:t>2017/4/28</a:t>
+              <a:t>2017/5/27</a:t>
             </a:fld>
             <a:endParaRPr lang="zh-TW" altLang="en-US"/>
           </a:p>
@@ -3826,7 +3840,7 @@
           <a:p>
             <a:fld id="{C1DB8A8A-8640-42D6-90BF-032295D5889D}" type="datetimeFigureOut">
               <a:rPr lang="zh-TW" altLang="en-US" smtClean="0"/>
-              <a:t>2017/4/28</a:t>
+              <a:t>2017/5/27</a:t>
             </a:fld>
             <a:endParaRPr lang="zh-TW" altLang="en-US"/>
           </a:p>
@@ -3949,7 +3963,7 @@
           <a:p>
             <a:fld id="{C1DB8A8A-8640-42D6-90BF-032295D5889D}" type="datetimeFigureOut">
               <a:rPr lang="zh-TW" altLang="en-US" smtClean="0"/>
-              <a:t>2017/4/28</a:t>
+              <a:t>2017/5/27</a:t>
             </a:fld>
             <a:endParaRPr lang="zh-TW" altLang="en-US"/>
           </a:p>
@@ -4044,7 +4058,7 @@
           <a:p>
             <a:fld id="{C1DB8A8A-8640-42D6-90BF-032295D5889D}" type="datetimeFigureOut">
               <a:rPr lang="zh-TW" altLang="en-US" smtClean="0"/>
-              <a:t>2017/4/28</a:t>
+              <a:t>2017/5/27</a:t>
             </a:fld>
             <a:endParaRPr lang="zh-TW" altLang="en-US"/>
           </a:p>
@@ -4299,7 +4313,7 @@
           <a:p>
             <a:fld id="{C1DB8A8A-8640-42D6-90BF-032295D5889D}" type="datetimeFigureOut">
               <a:rPr lang="zh-TW" altLang="en-US" smtClean="0"/>
-              <a:t>2017/4/28</a:t>
+              <a:t>2017/5/27</a:t>
             </a:fld>
             <a:endParaRPr lang="zh-TW" altLang="en-US"/>
           </a:p>
@@ -4562,7 +4576,7 @@
           <a:p>
             <a:fld id="{C1DB8A8A-8640-42D6-90BF-032295D5889D}" type="datetimeFigureOut">
               <a:rPr lang="zh-TW" altLang="en-US" smtClean="0"/>
-              <a:t>2017/4/28</a:t>
+              <a:t>2017/5/27</a:t>
             </a:fld>
             <a:endParaRPr lang="zh-TW" altLang="en-US"/>
           </a:p>
@@ -5305,7 +5319,7 @@
           <a:p>
             <a:fld id="{C1DB8A8A-8640-42D6-90BF-032295D5889D}" type="datetimeFigureOut">
               <a:rPr lang="zh-TW" altLang="en-US" smtClean="0"/>
-              <a:t>2017/4/28</a:t>
+              <a:t>2017/5/27</a:t>
             </a:fld>
             <a:endParaRPr lang="zh-TW" altLang="en-US"/>
           </a:p>
@@ -5887,8 +5901,12 @@
           <a:lstStyle/>
           <a:p>
             <a:r>
+              <a:rPr lang="zh-TW" altLang="en-US" dirty="0" smtClean="0"/>
+              <a:t> </a:t>
+            </a:r>
+            <a:r>
               <a:rPr lang="en-US" altLang="zh-TW" dirty="0" smtClean="0"/>
-              <a:t>googleak28282</a:t>
+              <a:t>by googleak28282</a:t>
             </a:r>
             <a:endParaRPr lang="zh-TW" altLang="en-US" dirty="0"/>
           </a:p>
@@ -5898,6 +5916,2701 @@
     <p:extLst>
       <p:ext uri="{BB962C8B-B14F-4D97-AF65-F5344CB8AC3E}">
         <p14:creationId xmlns:p14="http://schemas.microsoft.com/office/powerpoint/2010/main" val="3836824546"/>
+      </p:ext>
+    </p:extLst>
+  </p:cSld>
+  <p:clrMapOvr>
+    <a:masterClrMapping/>
+  </p:clrMapOvr>
+  <p:timing>
+    <p:tnLst>
+      <p:par>
+        <p:cTn id="1" dur="indefinite" restart="never" nodeType="tmRoot"/>
+      </p:par>
+    </p:tnLst>
+  </p:timing>
+</p:sld>
+</file>
+
+<file path=ppt/slides/slide10.xml><?xml version="1.0" encoding="utf-8"?>
+<p:sld xmlns:a="http://schemas.openxmlformats.org/drawingml/2006/main" xmlns:r="http://schemas.openxmlformats.org/officeDocument/2006/relationships" xmlns:p="http://schemas.openxmlformats.org/presentationml/2006/main">
+  <p:cSld>
+    <p:spTree>
+      <p:nvGrpSpPr>
+        <p:cNvPr id="1" name=""/>
+        <p:cNvGrpSpPr/>
+        <p:nvPr/>
+      </p:nvGrpSpPr>
+      <p:grpSpPr>
+        <a:xfrm>
+          <a:off x="0" y="0"/>
+          <a:ext cx="0" cy="0"/>
+          <a:chOff x="0" y="0"/>
+          <a:chExt cx="0" cy="0"/>
+        </a:xfrm>
+      </p:grpSpPr>
+      <p:sp>
+        <p:nvSpPr>
+          <p:cNvPr id="2" name="標題 1"/>
+          <p:cNvSpPr>
+            <a:spLocks noGrp="1"/>
+          </p:cNvSpPr>
+          <p:nvPr>
+            <p:ph type="title"/>
+          </p:nvPr>
+        </p:nvSpPr>
+        <p:spPr/>
+        <p:txBody>
+          <a:bodyPr>
+            <a:normAutofit/>
+          </a:bodyPr>
+          <a:lstStyle/>
+          <a:p>
+            <a:r>
+              <a:rPr lang="zh-HK" altLang="zh-TW" sz="4800" dirty="0" smtClean="0"/>
+              <a:t>演算法設計說明</a:t>
+            </a:r>
+            <a:r>
+              <a:rPr lang="en-US" altLang="zh-HK" sz="4800" dirty="0"/>
+              <a:t>3</a:t>
+            </a:r>
+            <a:r>
+              <a:rPr lang="en-US" altLang="zh-HK" sz="4800" dirty="0" smtClean="0"/>
+              <a:t>-</a:t>
+            </a:r>
+            <a:r>
+              <a:rPr lang="zh-TW" altLang="en-US" sz="4800" dirty="0" smtClean="0"/>
+              <a:t>快速</a:t>
+            </a:r>
+            <a:r>
+              <a:rPr lang="zh-TW" altLang="en-US" sz="4800" dirty="0"/>
+              <a:t>冪算法</a:t>
+            </a:r>
+          </a:p>
+        </p:txBody>
+      </p:sp>
+      <mc:AlternateContent xmlns:mc="http://schemas.openxmlformats.org/markup-compatibility/2006">
+        <mc:Choice xmlns:a14="http://schemas.microsoft.com/office/drawing/2010/main" Requires="a14">
+          <p:sp>
+            <p:nvSpPr>
+              <p:cNvPr id="3" name="內容版面配置區 2"/>
+              <p:cNvSpPr>
+                <a:spLocks noGrp="1"/>
+              </p:cNvSpPr>
+              <p:nvPr>
+                <p:ph idx="1"/>
+              </p:nvPr>
+            </p:nvSpPr>
+            <p:spPr>
+              <a:xfrm>
+                <a:off x="677334" y="2160589"/>
+                <a:ext cx="8765604" cy="3880773"/>
+              </a:xfrm>
+            </p:spPr>
+            <p:txBody>
+              <a:bodyPr>
+                <a:normAutofit/>
+              </a:bodyPr>
+              <a:lstStyle/>
+              <a:p>
+                <a:pPr marL="0" indent="0" algn="ctr">
+                  <a:buNone/>
+                </a:pPr>
+                <a14:m>
+                  <m:oMathPara xmlns:m="http://schemas.openxmlformats.org/officeDocument/2006/math">
+                    <m:oMathParaPr>
+                      <m:jc m:val="center"/>
+                    </m:oMathParaPr>
+                    <m:oMath xmlns:m="http://schemas.openxmlformats.org/officeDocument/2006/math">
+                      <m:sSup>
+                        <m:sSupPr>
+                          <m:ctrlPr>
+                            <a:rPr lang="en-US" altLang="zh-TW" sz="3200" b="0" i="1" smtClean="0">
+                              <a:latin typeface="Cambria Math"/>
+                              <a:ea typeface="Cambria Math"/>
+                            </a:rPr>
+                          </m:ctrlPr>
+                        </m:sSupPr>
+                        <m:e>
+                          <m:r>
+                            <a:rPr lang="en-US" altLang="zh-TW" sz="3200" b="0" i="1" smtClean="0">
+                              <a:latin typeface="Cambria Math"/>
+                              <a:ea typeface="Cambria Math"/>
+                            </a:rPr>
+                            <m:t>𝑥</m:t>
+                          </m:r>
+                        </m:e>
+                        <m:sup>
+                          <m:r>
+                            <a:rPr lang="en-US" altLang="zh-TW" sz="3200" b="0" i="1" smtClean="0">
+                              <a:latin typeface="Cambria Math"/>
+                              <a:ea typeface="Cambria Math"/>
+                            </a:rPr>
+                            <m:t>16</m:t>
+                          </m:r>
+                        </m:sup>
+                      </m:sSup>
+                      <m:r>
+                        <a:rPr lang="en-US" altLang="zh-TW" sz="3200" b="0" i="1" smtClean="0">
+                          <a:latin typeface="Cambria Math"/>
+                          <a:ea typeface="Cambria Math"/>
+                        </a:rPr>
+                        <m:t>=</m:t>
+                      </m:r>
+                      <m:r>
+                        <a:rPr lang="en-US" altLang="zh-TW" sz="3200" b="0" i="1" smtClean="0">
+                          <a:latin typeface="Cambria Math"/>
+                          <a:ea typeface="Cambria Math"/>
+                        </a:rPr>
+                        <m:t>𝑥</m:t>
+                      </m:r>
+                      <m:r>
+                        <a:rPr lang="en-US" altLang="zh-TW" sz="3200" b="0" i="1" smtClean="0">
+                          <a:latin typeface="Cambria Math"/>
+                          <a:ea typeface="Cambria Math"/>
+                        </a:rPr>
+                        <m:t>×</m:t>
+                      </m:r>
+                      <m:r>
+                        <a:rPr lang="en-US" altLang="zh-TW" sz="3200" b="0" i="1" smtClean="0">
+                          <a:latin typeface="Cambria Math"/>
+                          <a:ea typeface="Cambria Math"/>
+                        </a:rPr>
+                        <m:t>𝑥</m:t>
+                      </m:r>
+                      <m:r>
+                        <a:rPr lang="en-US" altLang="zh-TW" sz="3200" b="0" i="1" smtClean="0">
+                          <a:latin typeface="Cambria Math"/>
+                          <a:ea typeface="Cambria Math"/>
+                        </a:rPr>
+                        <m:t>×</m:t>
+                      </m:r>
+                      <m:r>
+                        <a:rPr lang="en-US" altLang="zh-TW" sz="3200" b="0" i="1" smtClean="0">
+                          <a:latin typeface="Cambria Math"/>
+                          <a:ea typeface="Cambria Math"/>
+                        </a:rPr>
+                        <m:t>𝑥</m:t>
+                      </m:r>
+                      <m:r>
+                        <a:rPr lang="en-US" altLang="zh-TW" sz="3200" b="0" i="1" smtClean="0">
+                          <a:latin typeface="Cambria Math"/>
+                          <a:ea typeface="Cambria Math"/>
+                        </a:rPr>
+                        <m:t>×</m:t>
+                      </m:r>
+                      <m:r>
+                        <a:rPr lang="en-US" altLang="zh-TW" sz="3200" b="0" i="1" smtClean="0">
+                          <a:latin typeface="Cambria Math"/>
+                          <a:ea typeface="Cambria Math"/>
+                        </a:rPr>
+                        <m:t>𝑥</m:t>
+                      </m:r>
+                      <m:r>
+                        <a:rPr lang="en-US" altLang="zh-TW" sz="3200" b="0" i="1" smtClean="0">
+                          <a:latin typeface="Cambria Math"/>
+                          <a:ea typeface="Cambria Math"/>
+                        </a:rPr>
+                        <m:t>×</m:t>
+                      </m:r>
+                      <m:r>
+                        <a:rPr lang="en-US" altLang="zh-TW" sz="3200" b="0" i="1" smtClean="0">
+                          <a:latin typeface="Cambria Math"/>
+                          <a:ea typeface="Cambria Math"/>
+                        </a:rPr>
+                        <m:t>𝑥</m:t>
+                      </m:r>
+                      <m:r>
+                        <a:rPr lang="en-US" altLang="zh-TW" sz="3200" b="0" i="1" smtClean="0">
+                          <a:latin typeface="Cambria Math"/>
+                          <a:ea typeface="Cambria Math"/>
+                        </a:rPr>
+                        <m:t>×</m:t>
+                      </m:r>
+                      <m:r>
+                        <a:rPr lang="en-US" altLang="zh-TW" sz="3200" b="0" i="1" smtClean="0">
+                          <a:latin typeface="Cambria Math"/>
+                          <a:ea typeface="Cambria Math"/>
+                        </a:rPr>
+                        <m:t>𝑥</m:t>
+                      </m:r>
+                      <m:r>
+                        <a:rPr lang="en-US" altLang="zh-TW" sz="3200" b="0" i="1" smtClean="0">
+                          <a:latin typeface="Cambria Math"/>
+                          <a:ea typeface="Cambria Math"/>
+                        </a:rPr>
+                        <m:t>×</m:t>
+                      </m:r>
+                      <m:r>
+                        <a:rPr lang="en-US" altLang="zh-TW" sz="3200" b="0" i="1" smtClean="0">
+                          <a:latin typeface="Cambria Math"/>
+                          <a:ea typeface="Cambria Math"/>
+                        </a:rPr>
+                        <m:t>𝑥</m:t>
+                      </m:r>
+                      <m:r>
+                        <a:rPr lang="en-US" altLang="zh-TW" sz="3200" b="0" i="1" smtClean="0">
+                          <a:latin typeface="Cambria Math"/>
+                          <a:ea typeface="Cambria Math"/>
+                        </a:rPr>
+                        <m:t>×</m:t>
+                      </m:r>
+                      <m:r>
+                        <a:rPr lang="en-US" altLang="zh-TW" sz="3200" b="0" i="1" smtClean="0">
+                          <a:latin typeface="Cambria Math"/>
+                          <a:ea typeface="Cambria Math"/>
+                        </a:rPr>
+                        <m:t>𝑥</m:t>
+                      </m:r>
+                      <m:r>
+                        <a:rPr lang="en-US" altLang="zh-TW" sz="3200" b="0" i="1" smtClean="0">
+                          <a:latin typeface="Cambria Math"/>
+                          <a:ea typeface="Cambria Math"/>
+                        </a:rPr>
+                        <m:t>×</m:t>
+                      </m:r>
+                      <m:r>
+                        <a:rPr lang="en-US" altLang="zh-TW" sz="3200" b="0" i="1" smtClean="0">
+                          <a:latin typeface="Cambria Math"/>
+                          <a:ea typeface="Cambria Math"/>
+                        </a:rPr>
+                        <m:t>𝑥</m:t>
+                      </m:r>
+                      <m:r>
+                        <a:rPr lang="en-US" altLang="zh-TW" sz="3200" b="0" i="1" smtClean="0">
+                          <a:latin typeface="Cambria Math"/>
+                          <a:ea typeface="Cambria Math"/>
+                        </a:rPr>
+                        <m:t>×</m:t>
+                      </m:r>
+                      <m:r>
+                        <a:rPr lang="en-US" altLang="zh-TW" sz="3200" b="0" i="1" smtClean="0">
+                          <a:latin typeface="Cambria Math"/>
+                          <a:ea typeface="Cambria Math"/>
+                        </a:rPr>
+                        <m:t>𝑥</m:t>
+                      </m:r>
+                      <m:r>
+                        <a:rPr lang="en-US" altLang="zh-TW" sz="3200" b="0" i="1" smtClean="0">
+                          <a:latin typeface="Cambria Math"/>
+                          <a:ea typeface="Cambria Math"/>
+                        </a:rPr>
+                        <m:t>×</m:t>
+                      </m:r>
+                      <m:r>
+                        <a:rPr lang="en-US" altLang="zh-TW" sz="3200" b="0" i="1" smtClean="0">
+                          <a:latin typeface="Cambria Math"/>
+                          <a:ea typeface="Cambria Math"/>
+                        </a:rPr>
+                        <m:t>𝑥</m:t>
+                      </m:r>
+                      <m:r>
+                        <a:rPr lang="en-US" altLang="zh-TW" sz="3200" b="0" i="1" smtClean="0">
+                          <a:latin typeface="Cambria Math"/>
+                          <a:ea typeface="Cambria Math"/>
+                        </a:rPr>
+                        <m:t>×</m:t>
+                      </m:r>
+                      <m:r>
+                        <a:rPr lang="en-US" altLang="zh-TW" sz="3200" b="0" i="1" smtClean="0">
+                          <a:latin typeface="Cambria Math"/>
+                          <a:ea typeface="Cambria Math"/>
+                        </a:rPr>
+                        <m:t>𝑥</m:t>
+                      </m:r>
+                      <m:r>
+                        <a:rPr lang="en-US" altLang="zh-TW" sz="3200" b="0" i="1" smtClean="0">
+                          <a:latin typeface="Cambria Math"/>
+                          <a:ea typeface="Cambria Math"/>
+                        </a:rPr>
+                        <m:t>×</m:t>
+                      </m:r>
+                      <m:r>
+                        <a:rPr lang="en-US" altLang="zh-TW" sz="3200" b="0" i="1" smtClean="0">
+                          <a:latin typeface="Cambria Math"/>
+                          <a:ea typeface="Cambria Math"/>
+                        </a:rPr>
+                        <m:t>𝑥</m:t>
+                      </m:r>
+                      <m:r>
+                        <a:rPr lang="en-US" altLang="zh-TW" sz="3200" b="0" i="1" smtClean="0">
+                          <a:latin typeface="Cambria Math"/>
+                          <a:ea typeface="Cambria Math"/>
+                        </a:rPr>
+                        <m:t>×</m:t>
+                      </m:r>
+                      <m:r>
+                        <a:rPr lang="en-US" altLang="zh-TW" sz="3200" b="0" i="1" smtClean="0">
+                          <a:latin typeface="Cambria Math"/>
+                          <a:ea typeface="Cambria Math"/>
+                        </a:rPr>
+                        <m:t>𝑥</m:t>
+                      </m:r>
+                      <m:r>
+                        <a:rPr lang="en-US" altLang="zh-TW" sz="3200" b="0" i="1" smtClean="0">
+                          <a:latin typeface="Cambria Math"/>
+                          <a:ea typeface="Cambria Math"/>
+                        </a:rPr>
+                        <m:t>×</m:t>
+                      </m:r>
+                      <m:r>
+                        <a:rPr lang="en-US" altLang="zh-TW" sz="3200" b="0" i="1" smtClean="0">
+                          <a:latin typeface="Cambria Math"/>
+                          <a:ea typeface="Cambria Math"/>
+                        </a:rPr>
+                        <m:t>𝑥</m:t>
+                      </m:r>
+                      <m:r>
+                        <a:rPr lang="en-US" altLang="zh-TW" sz="3200" b="0" i="1" smtClean="0">
+                          <a:latin typeface="Cambria Math"/>
+                          <a:ea typeface="Cambria Math"/>
+                        </a:rPr>
+                        <m:t>×</m:t>
+                      </m:r>
+                      <m:r>
+                        <a:rPr lang="en-US" altLang="zh-TW" sz="3200" b="0" i="1" smtClean="0">
+                          <a:latin typeface="Cambria Math"/>
+                          <a:ea typeface="Cambria Math"/>
+                        </a:rPr>
+                        <m:t>𝑥</m:t>
+                      </m:r>
+                    </m:oMath>
+                  </m:oMathPara>
+                </a14:m>
+                <a:endParaRPr lang="en-US" altLang="zh-TW" sz="3200" b="0" dirty="0" smtClean="0">
+                  <a:ea typeface="Cambria Math"/>
+                </a:endParaRPr>
+              </a:p>
+              <a:p>
+                <a:pPr marL="0" indent="0" algn="ctr">
+                  <a:buNone/>
+                </a:pPr>
+                <a:r>
+                  <a:rPr lang="zh-TW" altLang="en-US" sz="3200" b="1" dirty="0">
+                    <a:latin typeface="+mj-ea"/>
+                    <a:ea typeface="+mj-ea"/>
+                  </a:rPr>
+                  <a:t>運用快速</a:t>
+                </a:r>
+                <a:r>
+                  <a:rPr lang="zh-TW" altLang="en-US" sz="3200" b="1" dirty="0" smtClean="0">
+                    <a:latin typeface="+mj-ea"/>
+                    <a:ea typeface="+mj-ea"/>
+                  </a:rPr>
+                  <a:t>冪</a:t>
+                </a:r>
+                <a:r>
+                  <a:rPr lang="en-US" altLang="zh-TW" sz="3200" dirty="0" smtClean="0">
+                    <a:ea typeface="Cambria Math"/>
+                    <a:sym typeface="Wingdings" pitchFamily="2" charset="2"/>
+                  </a:rPr>
+                  <a:t></a:t>
+                </a:r>
+              </a:p>
+              <a:p>
+                <a:pPr marL="0" indent="0" algn="ctr">
+                  <a:buNone/>
+                </a:pPr>
+                <a14:m>
+                  <m:oMathPara xmlns:m="http://schemas.openxmlformats.org/officeDocument/2006/math">
+                    <m:oMathParaPr>
+                      <m:jc m:val="center"/>
+                    </m:oMathParaPr>
+                    <m:oMath xmlns:m="http://schemas.openxmlformats.org/officeDocument/2006/math">
+                      <m:sSup>
+                        <m:sSupPr>
+                          <m:ctrlPr>
+                            <a:rPr lang="en-US" altLang="zh-TW" sz="3200" b="0" i="1" smtClean="0">
+                              <a:latin typeface="Cambria Math"/>
+                              <a:ea typeface="Cambria Math"/>
+                            </a:rPr>
+                          </m:ctrlPr>
+                        </m:sSupPr>
+                        <m:e>
+                          <m:r>
+                            <a:rPr lang="en-US" altLang="zh-TW" sz="3200" b="0" i="1" smtClean="0">
+                              <a:latin typeface="Cambria Math"/>
+                              <a:ea typeface="Cambria Math"/>
+                            </a:rPr>
+                            <m:t>𝑥</m:t>
+                          </m:r>
+                        </m:e>
+                        <m:sup>
+                          <m:r>
+                            <a:rPr lang="en-US" altLang="zh-TW" sz="3200" b="0" i="1" smtClean="0">
+                              <a:latin typeface="Cambria Math"/>
+                              <a:ea typeface="Cambria Math"/>
+                            </a:rPr>
+                            <m:t>16</m:t>
+                          </m:r>
+                        </m:sup>
+                      </m:sSup>
+                      <m:r>
+                        <a:rPr lang="en-US" altLang="zh-TW" sz="3200" b="0" i="1" smtClean="0">
+                          <a:latin typeface="Cambria Math"/>
+                          <a:ea typeface="Cambria Math"/>
+                        </a:rPr>
+                        <m:t>=</m:t>
+                      </m:r>
+                      <m:sSup>
+                        <m:sSupPr>
+                          <m:ctrlPr>
+                            <a:rPr lang="en-US" altLang="zh-TW" sz="3200" b="0" i="1" smtClean="0">
+                              <a:latin typeface="Cambria Math"/>
+                              <a:ea typeface="Cambria Math"/>
+                            </a:rPr>
+                          </m:ctrlPr>
+                        </m:sSupPr>
+                        <m:e>
+                          <m:r>
+                            <a:rPr lang="en-US" altLang="zh-TW" sz="3200" b="0" i="1" smtClean="0">
+                              <a:latin typeface="Cambria Math"/>
+                              <a:ea typeface="Cambria Math"/>
+                            </a:rPr>
+                            <m:t>𝑥</m:t>
+                          </m:r>
+                        </m:e>
+                        <m:sup>
+                          <m:r>
+                            <a:rPr lang="en-US" altLang="zh-TW" sz="3200" b="0" i="1" smtClean="0">
+                              <a:latin typeface="Cambria Math"/>
+                              <a:ea typeface="Cambria Math"/>
+                            </a:rPr>
+                            <m:t>8</m:t>
+                          </m:r>
+                        </m:sup>
+                      </m:sSup>
+                      <m:r>
+                        <a:rPr lang="en-US" altLang="zh-TW" sz="3200" b="0" i="1" smtClean="0">
+                          <a:latin typeface="Cambria Math"/>
+                          <a:ea typeface="Cambria Math"/>
+                        </a:rPr>
+                        <m:t>×</m:t>
+                      </m:r>
+                      <m:sSup>
+                        <m:sSupPr>
+                          <m:ctrlPr>
+                            <a:rPr lang="en-US" altLang="zh-TW" sz="3200" b="0" i="1" smtClean="0">
+                              <a:latin typeface="Cambria Math"/>
+                              <a:ea typeface="Cambria Math"/>
+                            </a:rPr>
+                          </m:ctrlPr>
+                        </m:sSupPr>
+                        <m:e>
+                          <m:r>
+                            <a:rPr lang="en-US" altLang="zh-TW" sz="3200" b="0" i="1" smtClean="0">
+                              <a:latin typeface="Cambria Math"/>
+                              <a:ea typeface="Cambria Math"/>
+                            </a:rPr>
+                            <m:t>𝑥</m:t>
+                          </m:r>
+                        </m:e>
+                        <m:sup>
+                          <m:r>
+                            <a:rPr lang="en-US" altLang="zh-TW" sz="3200" b="0" i="1" smtClean="0">
+                              <a:latin typeface="Cambria Math"/>
+                              <a:ea typeface="Cambria Math"/>
+                            </a:rPr>
+                            <m:t>4</m:t>
+                          </m:r>
+                        </m:sup>
+                      </m:sSup>
+                      <m:r>
+                        <a:rPr lang="en-US" altLang="zh-TW" sz="3200" b="0" i="1" smtClean="0">
+                          <a:latin typeface="Cambria Math"/>
+                          <a:ea typeface="Cambria Math"/>
+                        </a:rPr>
+                        <m:t>×</m:t>
+                      </m:r>
+                      <m:sSup>
+                        <m:sSupPr>
+                          <m:ctrlPr>
+                            <a:rPr lang="en-US" altLang="zh-TW" sz="3200" b="0" i="1" smtClean="0">
+                              <a:latin typeface="Cambria Math"/>
+                              <a:ea typeface="Cambria Math"/>
+                            </a:rPr>
+                          </m:ctrlPr>
+                        </m:sSupPr>
+                        <m:e>
+                          <m:r>
+                            <a:rPr lang="en-US" altLang="zh-TW" sz="3200" b="0" i="1" smtClean="0">
+                              <a:latin typeface="Cambria Math"/>
+                              <a:ea typeface="Cambria Math"/>
+                            </a:rPr>
+                            <m:t>𝑥</m:t>
+                          </m:r>
+                        </m:e>
+                        <m:sup>
+                          <m:r>
+                            <a:rPr lang="en-US" altLang="zh-TW" sz="3200" b="0" i="1" smtClean="0">
+                              <a:latin typeface="Cambria Math"/>
+                              <a:ea typeface="Cambria Math"/>
+                            </a:rPr>
+                            <m:t>2</m:t>
+                          </m:r>
+                        </m:sup>
+                      </m:sSup>
+                      <m:r>
+                        <a:rPr lang="en-US" altLang="zh-TW" sz="3200" i="1">
+                          <a:latin typeface="Cambria Math"/>
+                          <a:ea typeface="Cambria Math"/>
+                        </a:rPr>
+                        <m:t>×</m:t>
+                      </m:r>
+                      <m:r>
+                        <a:rPr lang="en-US" altLang="zh-TW" sz="3200" b="0" i="1" smtClean="0">
+                          <a:latin typeface="Cambria Math"/>
+                          <a:ea typeface="Cambria Math"/>
+                        </a:rPr>
+                        <m:t>𝑥</m:t>
+                      </m:r>
+                      <m:r>
+                        <a:rPr lang="en-US" altLang="zh-TW" sz="3200" b="0" i="1" smtClean="0">
+                          <a:latin typeface="Cambria Math"/>
+                          <a:ea typeface="Cambria Math"/>
+                        </a:rPr>
+                        <m:t>×</m:t>
+                      </m:r>
+                      <m:r>
+                        <a:rPr lang="en-US" altLang="zh-TW" sz="3200" b="0" i="1" smtClean="0">
+                          <a:latin typeface="Cambria Math"/>
+                          <a:ea typeface="Cambria Math"/>
+                        </a:rPr>
+                        <m:t>𝑥</m:t>
+                      </m:r>
+                    </m:oMath>
+                  </m:oMathPara>
+                </a14:m>
+                <a:endParaRPr lang="en-US" altLang="zh-TW" sz="3200" b="0" dirty="0" smtClean="0">
+                  <a:ea typeface="Cambria Math"/>
+                </a:endParaRPr>
+              </a:p>
+            </p:txBody>
+          </p:sp>
+        </mc:Choice>
+        <mc:Fallback>
+          <p:sp>
+            <p:nvSpPr>
+              <p:cNvPr id="3" name="內容版面配置區 2"/>
+              <p:cNvSpPr>
+                <a:spLocks noGrp="1" noRot="1" noChangeAspect="1" noMove="1" noResize="1" noEditPoints="1" noAdjustHandles="1" noChangeArrowheads="1" noChangeShapeType="1" noTextEdit="1"/>
+              </p:cNvSpPr>
+              <p:nvPr>
+                <p:ph idx="1"/>
+              </p:nvPr>
+            </p:nvSpPr>
+            <p:spPr>
+              <a:xfrm>
+                <a:off x="677334" y="2160589"/>
+                <a:ext cx="8765604" cy="3880773"/>
+              </a:xfrm>
+              <a:blipFill rotWithShape="1">
+                <a:blip r:embed="rId2"/>
+                <a:stretch>
+                  <a:fillRect/>
+                </a:stretch>
+              </a:blipFill>
+            </p:spPr>
+            <p:txBody>
+              <a:bodyPr/>
+              <a:lstStyle/>
+              <a:p>
+                <a:r>
+                  <a:rPr lang="zh-TW" altLang="en-US">
+                    <a:noFill/>
+                  </a:rPr>
+                  <a:t> </a:t>
+                </a:r>
+              </a:p>
+            </p:txBody>
+          </p:sp>
+        </mc:Fallback>
+      </mc:AlternateContent>
+    </p:spTree>
+    <p:extLst>
+      <p:ext uri="{BB962C8B-B14F-4D97-AF65-F5344CB8AC3E}">
+        <p14:creationId xmlns:p14="http://schemas.microsoft.com/office/powerpoint/2010/main" val="1652198451"/>
+      </p:ext>
+    </p:extLst>
+  </p:cSld>
+  <p:clrMapOvr>
+    <a:masterClrMapping/>
+  </p:clrMapOvr>
+  <p:timing>
+    <p:tnLst>
+      <p:par>
+        <p:cTn id="1" dur="indefinite" restart="never" nodeType="tmRoot"/>
+      </p:par>
+    </p:tnLst>
+  </p:timing>
+</p:sld>
+</file>
+
+<file path=ppt/slides/slide11.xml><?xml version="1.0" encoding="utf-8"?>
+<p:sld xmlns:a="http://schemas.openxmlformats.org/drawingml/2006/main" xmlns:r="http://schemas.openxmlformats.org/officeDocument/2006/relationships" xmlns:p="http://schemas.openxmlformats.org/presentationml/2006/main">
+  <p:cSld>
+    <p:spTree>
+      <p:nvGrpSpPr>
+        <p:cNvPr id="1" name=""/>
+        <p:cNvGrpSpPr/>
+        <p:nvPr/>
+      </p:nvGrpSpPr>
+      <p:grpSpPr>
+        <a:xfrm>
+          <a:off x="0" y="0"/>
+          <a:ext cx="0" cy="0"/>
+          <a:chOff x="0" y="0"/>
+          <a:chExt cx="0" cy="0"/>
+        </a:xfrm>
+      </p:grpSpPr>
+      <p:sp>
+        <p:nvSpPr>
+          <p:cNvPr id="2" name="標題 1"/>
+          <p:cNvSpPr>
+            <a:spLocks noGrp="1"/>
+          </p:cNvSpPr>
+          <p:nvPr>
+            <p:ph type="title"/>
+          </p:nvPr>
+        </p:nvSpPr>
+        <p:spPr/>
+        <p:txBody>
+          <a:bodyPr/>
+          <a:lstStyle/>
+          <a:p>
+            <a:pPr lvl="0"/>
+            <a:r>
+              <a:rPr lang="zh-TW" altLang="zh-TW" dirty="0"/>
+              <a:t>研究</a:t>
+            </a:r>
+            <a:r>
+              <a:rPr lang="zh-TW" altLang="zh-TW" dirty="0" smtClean="0"/>
+              <a:t>結果</a:t>
+            </a:r>
+            <a:r>
+              <a:rPr lang="en-US" altLang="zh-TW" dirty="0" smtClean="0"/>
+              <a:t>1</a:t>
+            </a:r>
+            <a:endParaRPr lang="zh-TW" altLang="en-US" dirty="0"/>
+          </a:p>
+        </p:txBody>
+      </p:sp>
+      <p:sp>
+        <p:nvSpPr>
+          <p:cNvPr id="3" name="內容版面配置區 2"/>
+          <p:cNvSpPr>
+            <a:spLocks noGrp="1"/>
+          </p:cNvSpPr>
+          <p:nvPr>
+            <p:ph idx="1"/>
+          </p:nvPr>
+        </p:nvSpPr>
+        <p:spPr/>
+        <p:txBody>
+          <a:bodyPr/>
+          <a:lstStyle/>
+          <a:p>
+            <a:endParaRPr lang="zh-TW" altLang="en-US" dirty="0"/>
+          </a:p>
+        </p:txBody>
+      </p:sp>
+      <p:pic>
+        <p:nvPicPr>
+          <p:cNvPr id="2050" name="Picture 2"/>
+          <p:cNvPicPr>
+            <a:picLocks noChangeAspect="1" noChangeArrowheads="1"/>
+          </p:cNvPicPr>
+          <p:nvPr/>
+        </p:nvPicPr>
+        <p:blipFill rotWithShape="1">
+          <a:blip r:embed="rId2">
+            <a:extLst>
+              <a:ext uri="{28A0092B-C50C-407E-A947-70E740481C1C}">
+                <a14:useLocalDpi xmlns:a14="http://schemas.microsoft.com/office/drawing/2010/main" val="0"/>
+              </a:ext>
+            </a:extLst>
+          </a:blip>
+          <a:srcRect l="19904" t="34744" r="38365" b="21410"/>
+          <a:stretch/>
+        </p:blipFill>
+        <p:spPr bwMode="auto">
+          <a:xfrm>
+            <a:off x="677007" y="1283119"/>
+            <a:ext cx="8616462" cy="4722027"/>
+          </a:xfrm>
+          <a:prstGeom prst="rect">
+            <a:avLst/>
+          </a:prstGeom>
+          <a:noFill/>
+          <a:ln>
+            <a:noFill/>
+          </a:ln>
+          <a:effectLst/>
+          <a:extLst>
+            <a:ext uri="{909E8E84-426E-40DD-AFC4-6F175D3DCCD1}">
+              <a14:hiddenFill xmlns:a14="http://schemas.microsoft.com/office/drawing/2010/main">
+                <a:solidFill>
+                  <a:schemeClr val="accent1"/>
+                </a:solidFill>
+              </a14:hiddenFill>
+            </a:ext>
+            <a:ext uri="{91240B29-F687-4F45-9708-019B960494DF}">
+              <a14:hiddenLine xmlns:a14="http://schemas.microsoft.com/office/drawing/2010/main" w="9525">
+                <a:solidFill>
+                  <a:schemeClr val="tx1"/>
+                </a:solidFill>
+                <a:miter lim="800000"/>
+                <a:headEnd/>
+                <a:tailEnd/>
+              </a14:hiddenLine>
+            </a:ext>
+            <a:ext uri="{AF507438-7753-43E0-B8FC-AC1667EBCBE1}">
+              <a14:hiddenEffects xmlns:a14="http://schemas.microsoft.com/office/drawing/2010/main">
+                <a:effectLst>
+                  <a:outerShdw dist="35921" dir="2700000" algn="ctr" rotWithShape="0">
+                    <a:schemeClr val="bg2"/>
+                  </a:outerShdw>
+                </a:effectLst>
+              </a14:hiddenEffects>
+            </a:ext>
+          </a:extLst>
+        </p:spPr>
+      </p:pic>
+    </p:spTree>
+    <p:extLst>
+      <p:ext uri="{BB962C8B-B14F-4D97-AF65-F5344CB8AC3E}">
+        <p14:creationId xmlns:p14="http://schemas.microsoft.com/office/powerpoint/2010/main" val="2984913305"/>
+      </p:ext>
+    </p:extLst>
+  </p:cSld>
+  <p:clrMapOvr>
+    <a:masterClrMapping/>
+  </p:clrMapOvr>
+  <p:timing>
+    <p:tnLst>
+      <p:par>
+        <p:cTn id="1" dur="indefinite" restart="never" nodeType="tmRoot"/>
+      </p:par>
+    </p:tnLst>
+  </p:timing>
+</p:sld>
+</file>
+
+<file path=ppt/slides/slide12.xml><?xml version="1.0" encoding="utf-8"?>
+<p:sld xmlns:a="http://schemas.openxmlformats.org/drawingml/2006/main" xmlns:r="http://schemas.openxmlformats.org/officeDocument/2006/relationships" xmlns:p="http://schemas.openxmlformats.org/presentationml/2006/main">
+  <p:cSld>
+    <p:spTree>
+      <p:nvGrpSpPr>
+        <p:cNvPr id="1" name=""/>
+        <p:cNvGrpSpPr/>
+        <p:nvPr/>
+      </p:nvGrpSpPr>
+      <p:grpSpPr>
+        <a:xfrm>
+          <a:off x="0" y="0"/>
+          <a:ext cx="0" cy="0"/>
+          <a:chOff x="0" y="0"/>
+          <a:chExt cx="0" cy="0"/>
+        </a:xfrm>
+      </p:grpSpPr>
+      <p:sp>
+        <p:nvSpPr>
+          <p:cNvPr id="2" name="標題 1"/>
+          <p:cNvSpPr>
+            <a:spLocks noGrp="1"/>
+          </p:cNvSpPr>
+          <p:nvPr>
+            <p:ph type="title"/>
+          </p:nvPr>
+        </p:nvSpPr>
+        <p:spPr/>
+        <p:txBody>
+          <a:bodyPr/>
+          <a:lstStyle/>
+          <a:p>
+            <a:r>
+              <a:rPr lang="zh-TW" altLang="zh-TW" dirty="0"/>
+              <a:t>研究</a:t>
+            </a:r>
+            <a:r>
+              <a:rPr lang="zh-TW" altLang="zh-TW" dirty="0" smtClean="0"/>
+              <a:t>結果</a:t>
+            </a:r>
+            <a:r>
+              <a:rPr lang="en-US" altLang="zh-TW" dirty="0" smtClean="0"/>
+              <a:t>2</a:t>
+            </a:r>
+            <a:endParaRPr lang="zh-TW" altLang="en-US" dirty="0"/>
+          </a:p>
+        </p:txBody>
+      </p:sp>
+      <p:sp>
+        <p:nvSpPr>
+          <p:cNvPr id="3" name="內容版面配置區 2"/>
+          <p:cNvSpPr>
+            <a:spLocks noGrp="1"/>
+          </p:cNvSpPr>
+          <p:nvPr>
+            <p:ph idx="1"/>
+          </p:nvPr>
+        </p:nvSpPr>
+        <p:spPr/>
+        <p:txBody>
+          <a:bodyPr/>
+          <a:lstStyle/>
+          <a:p>
+            <a:endParaRPr lang="zh-TW" altLang="en-US"/>
+          </a:p>
+        </p:txBody>
+      </p:sp>
+      <p:pic>
+        <p:nvPicPr>
+          <p:cNvPr id="3074" name="Picture 2"/>
+          <p:cNvPicPr>
+            <a:picLocks noChangeAspect="1" noChangeArrowheads="1"/>
+          </p:cNvPicPr>
+          <p:nvPr/>
+        </p:nvPicPr>
+        <p:blipFill rotWithShape="1">
+          <a:blip r:embed="rId2">
+            <a:extLst>
+              <a:ext uri="{28A0092B-C50C-407E-A947-70E740481C1C}">
+                <a14:useLocalDpi xmlns:a14="http://schemas.microsoft.com/office/drawing/2010/main" val="0"/>
+              </a:ext>
+            </a:extLst>
+          </a:blip>
+          <a:srcRect l="18317" t="28333" r="39784" b="13846"/>
+          <a:stretch/>
+        </p:blipFill>
+        <p:spPr bwMode="auto">
+          <a:xfrm>
+            <a:off x="738554" y="1226474"/>
+            <a:ext cx="8836269" cy="4681957"/>
+          </a:xfrm>
+          <a:prstGeom prst="rect">
+            <a:avLst/>
+          </a:prstGeom>
+          <a:noFill/>
+          <a:ln>
+            <a:noFill/>
+          </a:ln>
+          <a:effectLst/>
+          <a:extLst>
+            <a:ext uri="{909E8E84-426E-40DD-AFC4-6F175D3DCCD1}">
+              <a14:hiddenFill xmlns:a14="http://schemas.microsoft.com/office/drawing/2010/main">
+                <a:solidFill>
+                  <a:schemeClr val="accent1"/>
+                </a:solidFill>
+              </a14:hiddenFill>
+            </a:ext>
+            <a:ext uri="{91240B29-F687-4F45-9708-019B960494DF}">
+              <a14:hiddenLine xmlns:a14="http://schemas.microsoft.com/office/drawing/2010/main" w="9525">
+                <a:solidFill>
+                  <a:schemeClr val="tx1"/>
+                </a:solidFill>
+                <a:miter lim="800000"/>
+                <a:headEnd/>
+                <a:tailEnd/>
+              </a14:hiddenLine>
+            </a:ext>
+            <a:ext uri="{AF507438-7753-43E0-B8FC-AC1667EBCBE1}">
+              <a14:hiddenEffects xmlns:a14="http://schemas.microsoft.com/office/drawing/2010/main">
+                <a:effectLst>
+                  <a:outerShdw dist="35921" dir="2700000" algn="ctr" rotWithShape="0">
+                    <a:schemeClr val="bg2"/>
+                  </a:outerShdw>
+                </a:effectLst>
+              </a14:hiddenEffects>
+            </a:ext>
+          </a:extLst>
+        </p:spPr>
+      </p:pic>
+    </p:spTree>
+    <p:extLst>
+      <p:ext uri="{BB962C8B-B14F-4D97-AF65-F5344CB8AC3E}">
+        <p14:creationId xmlns:p14="http://schemas.microsoft.com/office/powerpoint/2010/main" val="1025368063"/>
+      </p:ext>
+    </p:extLst>
+  </p:cSld>
+  <p:clrMapOvr>
+    <a:masterClrMapping/>
+  </p:clrMapOvr>
+  <p:timing>
+    <p:tnLst>
+      <p:par>
+        <p:cTn id="1" dur="indefinite" restart="never" nodeType="tmRoot"/>
+      </p:par>
+    </p:tnLst>
+  </p:timing>
+</p:sld>
+</file>
+
+<file path=ppt/slides/slide13.xml><?xml version="1.0" encoding="utf-8"?>
+<p:sld xmlns:a="http://schemas.openxmlformats.org/drawingml/2006/main" xmlns:r="http://schemas.openxmlformats.org/officeDocument/2006/relationships" xmlns:p="http://schemas.openxmlformats.org/presentationml/2006/main">
+  <p:cSld>
+    <p:spTree>
+      <p:nvGrpSpPr>
+        <p:cNvPr id="1" name=""/>
+        <p:cNvGrpSpPr/>
+        <p:nvPr/>
+      </p:nvGrpSpPr>
+      <p:grpSpPr>
+        <a:xfrm>
+          <a:off x="0" y="0"/>
+          <a:ext cx="0" cy="0"/>
+          <a:chOff x="0" y="0"/>
+          <a:chExt cx="0" cy="0"/>
+        </a:xfrm>
+      </p:grpSpPr>
+      <p:sp>
+        <p:nvSpPr>
+          <p:cNvPr id="2" name="標題 1"/>
+          <p:cNvSpPr>
+            <a:spLocks noGrp="1"/>
+          </p:cNvSpPr>
+          <p:nvPr>
+            <p:ph type="title"/>
+          </p:nvPr>
+        </p:nvSpPr>
+        <p:spPr/>
+        <p:txBody>
+          <a:bodyPr>
+            <a:normAutofit/>
+          </a:bodyPr>
+          <a:lstStyle/>
+          <a:p>
+            <a:r>
+              <a:rPr lang="zh-TW" altLang="en-US" sz="4800" dirty="0"/>
+              <a:t>結論</a:t>
+            </a:r>
+          </a:p>
+        </p:txBody>
+      </p:sp>
+      <p:sp>
+        <p:nvSpPr>
+          <p:cNvPr id="3" name="內容版面配置區 2"/>
+          <p:cNvSpPr>
+            <a:spLocks noGrp="1"/>
+          </p:cNvSpPr>
+          <p:nvPr>
+            <p:ph idx="1"/>
+          </p:nvPr>
+        </p:nvSpPr>
+        <p:spPr>
+          <a:xfrm>
+            <a:off x="677334" y="1940789"/>
+            <a:ext cx="8596668" cy="3880773"/>
+          </a:xfrm>
+        </p:spPr>
+        <p:txBody>
+          <a:bodyPr>
+            <a:noAutofit/>
+          </a:bodyPr>
+          <a:lstStyle/>
+          <a:p>
+            <a:pPr marL="457200" lvl="1" indent="0">
+              <a:buNone/>
+            </a:pPr>
+            <a:r>
+              <a:rPr lang="zh-TW" altLang="zh-TW" sz="3200" b="1" dirty="0"/>
+              <a:t>質數間的關係</a:t>
+            </a:r>
+          </a:p>
+          <a:p>
+            <a:pPr marL="0" indent="0">
+              <a:buNone/>
+            </a:pPr>
+            <a:r>
+              <a:rPr lang="zh-TW" altLang="zh-TW" sz="3200" dirty="0"/>
+              <a:t>在質數間的關係，同樣尾數的質數之間通常會遵守一定的關係式，而且尾數相加等於</a:t>
+            </a:r>
+            <a:r>
+              <a:rPr lang="en-US" altLang="zh-TW" sz="3200" dirty="0"/>
+              <a:t>10</a:t>
+            </a:r>
+            <a:r>
+              <a:rPr lang="zh-TW" altLang="zh-TW" sz="3200" dirty="0"/>
+              <a:t>之質數通常也會遵守一樣的規律。</a:t>
+            </a:r>
+          </a:p>
+          <a:p>
+            <a:pPr marL="457200" lvl="1" indent="0">
+              <a:buNone/>
+            </a:pPr>
+            <a:r>
+              <a:rPr lang="zh-TW" altLang="zh-TW" sz="3200" b="1" dirty="0"/>
+              <a:t>單一質數各次方間之關係</a:t>
+            </a:r>
+          </a:p>
+          <a:p>
+            <a:pPr marL="0" indent="0">
+              <a:buNone/>
+            </a:pPr>
+            <a:r>
+              <a:rPr lang="zh-TW" altLang="zh-TW" sz="3200" dirty="0"/>
+              <a:t>在質數各次方間之關係，其循環個數成等比數列，且公比為質數本身。</a:t>
+            </a:r>
+          </a:p>
+          <a:p>
+            <a:endParaRPr lang="zh-TW" altLang="en-US" sz="3200" dirty="0"/>
+          </a:p>
+        </p:txBody>
+      </p:sp>
+    </p:spTree>
+    <p:extLst>
+      <p:ext uri="{BB962C8B-B14F-4D97-AF65-F5344CB8AC3E}">
+        <p14:creationId xmlns:p14="http://schemas.microsoft.com/office/powerpoint/2010/main" val="227770976"/>
+      </p:ext>
+    </p:extLst>
+  </p:cSld>
+  <p:clrMapOvr>
+    <a:masterClrMapping/>
+  </p:clrMapOvr>
+</p:sld>
+</file>
+
+<file path=ppt/slides/slide14.xml><?xml version="1.0" encoding="utf-8"?>
+<p:sld xmlns:a="http://schemas.openxmlformats.org/drawingml/2006/main" xmlns:r="http://schemas.openxmlformats.org/officeDocument/2006/relationships" xmlns:p="http://schemas.openxmlformats.org/presentationml/2006/main">
+  <p:cSld>
+    <p:spTree>
+      <p:nvGrpSpPr>
+        <p:cNvPr id="1" name=""/>
+        <p:cNvGrpSpPr/>
+        <p:nvPr/>
+      </p:nvGrpSpPr>
+      <p:grpSpPr>
+        <a:xfrm>
+          <a:off x="0" y="0"/>
+          <a:ext cx="0" cy="0"/>
+          <a:chOff x="0" y="0"/>
+          <a:chExt cx="0" cy="0"/>
+        </a:xfrm>
+      </p:grpSpPr>
+      <p:sp>
+        <p:nvSpPr>
+          <p:cNvPr id="2" name="標題 1"/>
+          <p:cNvSpPr>
+            <a:spLocks noGrp="1"/>
+          </p:cNvSpPr>
+          <p:nvPr>
+            <p:ph type="title"/>
+          </p:nvPr>
+        </p:nvSpPr>
+        <p:spPr/>
+        <p:txBody>
+          <a:bodyPr>
+            <a:normAutofit/>
+          </a:bodyPr>
+          <a:lstStyle/>
+          <a:p>
+            <a:r>
+              <a:rPr lang="zh-TW" altLang="en-US" sz="4800" dirty="0" smtClean="0"/>
+              <a:t>聯絡方式</a:t>
+            </a:r>
+            <a:endParaRPr lang="zh-TW" altLang="en-US" sz="4800" dirty="0"/>
+          </a:p>
+        </p:txBody>
+      </p:sp>
+      <p:sp>
+        <p:nvSpPr>
+          <p:cNvPr id="3" name="內容版面配置區 2"/>
+          <p:cNvSpPr>
+            <a:spLocks noGrp="1"/>
+          </p:cNvSpPr>
+          <p:nvPr>
+            <p:ph idx="1"/>
+          </p:nvPr>
+        </p:nvSpPr>
+        <p:spPr/>
+        <p:txBody>
+          <a:bodyPr>
+            <a:normAutofit/>
+          </a:bodyPr>
+          <a:lstStyle/>
+          <a:p>
+            <a:pPr marL="0" indent="0">
+              <a:buNone/>
+            </a:pPr>
+            <a:r>
+              <a:rPr lang="zh-TW" altLang="en-US" sz="7200" dirty="0"/>
+              <a:t>上各</a:t>
+            </a:r>
+            <a:r>
+              <a:rPr lang="zh-TW" altLang="en-US" sz="7200" dirty="0" smtClean="0"/>
+              <a:t>大平台找</a:t>
+            </a:r>
+            <a:r>
+              <a:rPr lang="en-US" altLang="zh-TW" sz="7200" dirty="0" smtClean="0"/>
+              <a:t>:googleak28282</a:t>
+            </a:r>
+            <a:endParaRPr lang="zh-TW" altLang="en-US" sz="7200" dirty="0"/>
+          </a:p>
+        </p:txBody>
+      </p:sp>
+    </p:spTree>
+    <p:extLst>
+      <p:ext uri="{BB962C8B-B14F-4D97-AF65-F5344CB8AC3E}">
+        <p14:creationId xmlns:p14="http://schemas.microsoft.com/office/powerpoint/2010/main" val="468130091"/>
+      </p:ext>
+    </p:extLst>
+  </p:cSld>
+  <p:clrMapOvr>
+    <a:masterClrMapping/>
+  </p:clrMapOvr>
+</p:sld>
+</file>
+
+<file path=ppt/slides/slide15.xml><?xml version="1.0" encoding="utf-8"?>
+<p:sld xmlns:a="http://schemas.openxmlformats.org/drawingml/2006/main" xmlns:r="http://schemas.openxmlformats.org/officeDocument/2006/relationships" xmlns:p="http://schemas.openxmlformats.org/presentationml/2006/main">
+  <p:cSld>
+    <p:spTree>
+      <p:nvGrpSpPr>
+        <p:cNvPr id="1" name=""/>
+        <p:cNvGrpSpPr/>
+        <p:nvPr/>
+      </p:nvGrpSpPr>
+      <p:grpSpPr>
+        <a:xfrm>
+          <a:off x="0" y="0"/>
+          <a:ext cx="0" cy="0"/>
+          <a:chOff x="0" y="0"/>
+          <a:chExt cx="0" cy="0"/>
+        </a:xfrm>
+      </p:grpSpPr>
+      <p:sp>
+        <p:nvSpPr>
+          <p:cNvPr id="2" name="標題 1"/>
+          <p:cNvSpPr>
+            <a:spLocks noGrp="1"/>
+          </p:cNvSpPr>
+          <p:nvPr>
+            <p:ph type="title"/>
+          </p:nvPr>
+        </p:nvSpPr>
+        <p:spPr/>
+        <p:txBody>
+          <a:bodyPr/>
+          <a:lstStyle/>
+          <a:p>
+            <a:r>
+              <a:rPr lang="zh-TW" altLang="en-US" dirty="0"/>
+              <a:t>感謝</a:t>
+            </a:r>
+          </a:p>
+        </p:txBody>
+      </p:sp>
+      <p:sp>
+        <p:nvSpPr>
+          <p:cNvPr id="3" name="內容版面配置區 2"/>
+          <p:cNvSpPr>
+            <a:spLocks noGrp="1"/>
+          </p:cNvSpPr>
+          <p:nvPr>
+            <p:ph idx="1"/>
+          </p:nvPr>
+        </p:nvSpPr>
+        <p:spPr/>
+        <p:txBody>
+          <a:bodyPr>
+            <a:normAutofit/>
+          </a:bodyPr>
+          <a:lstStyle/>
+          <a:p>
+            <a:pPr marL="0" indent="0" algn="ctr">
+              <a:buNone/>
+            </a:pPr>
+            <a:r>
+              <a:rPr lang="zh-TW" altLang="en-US" sz="3200" b="1" dirty="0" smtClean="0"/>
+              <a:t>指導老師 高英耀老師</a:t>
+            </a:r>
+            <a:endParaRPr lang="en-US" altLang="zh-TW" sz="3200" b="1" dirty="0" smtClean="0"/>
+          </a:p>
+          <a:p>
+            <a:pPr marL="0" indent="0" algn="ctr">
+              <a:buNone/>
+            </a:pPr>
+            <a:r>
+              <a:rPr lang="zh-TW" altLang="en-US" sz="3200" b="1" dirty="0" smtClean="0"/>
+              <a:t>導師 林倉億老師</a:t>
+            </a:r>
+            <a:endParaRPr lang="en-US" altLang="zh-TW" sz="3200" b="1" dirty="0" smtClean="0"/>
+          </a:p>
+          <a:p>
+            <a:pPr marL="0" indent="0" algn="ctr">
+              <a:buNone/>
+            </a:pPr>
+            <a:r>
+              <a:rPr lang="zh-TW" altLang="en-US" sz="3200" b="1" dirty="0"/>
+              <a:t>我</a:t>
+            </a:r>
+            <a:r>
+              <a:rPr lang="en-US" altLang="zh-TW" sz="3200" b="1" dirty="0"/>
+              <a:t>ISSC</a:t>
+            </a:r>
+            <a:r>
+              <a:rPr lang="zh-TW" altLang="en-US" sz="3200" b="1" dirty="0"/>
+              <a:t>的隊友</a:t>
+            </a:r>
+            <a:r>
+              <a:rPr lang="zh-TW" altLang="en-US" sz="3200" b="1" dirty="0" smtClean="0"/>
+              <a:t>們</a:t>
+            </a:r>
+            <a:endParaRPr lang="en-US" altLang="zh-TW" sz="3200" b="1" dirty="0"/>
+          </a:p>
+          <a:p>
+            <a:pPr marL="0" indent="0" algn="ctr">
+              <a:buNone/>
+            </a:pPr>
+            <a:r>
+              <a:rPr lang="zh-TW" altLang="en-US" sz="3200" b="1" dirty="0" smtClean="0"/>
+              <a:t>之前教我很多演算法的</a:t>
+            </a:r>
+            <a:r>
+              <a:rPr lang="zh-TW" altLang="en-US" sz="3200" b="1" dirty="0"/>
+              <a:t>學長</a:t>
+            </a:r>
+            <a:endParaRPr lang="en-US" altLang="zh-TW" sz="3200" b="1" dirty="0" smtClean="0"/>
+          </a:p>
+          <a:p>
+            <a:pPr marL="0" indent="0" algn="ctr">
+              <a:buNone/>
+            </a:pPr>
+            <a:r>
+              <a:rPr lang="zh-TW" altLang="en-US" sz="3200" b="1" dirty="0"/>
+              <a:t>我的</a:t>
+            </a:r>
+            <a:r>
+              <a:rPr lang="zh-TW" altLang="en-US" sz="3200" b="1" dirty="0" smtClean="0"/>
+              <a:t>電腦</a:t>
+            </a:r>
+            <a:endParaRPr lang="en-US" altLang="zh-TW" sz="3200" b="1" dirty="0" smtClean="0"/>
+          </a:p>
+          <a:p>
+            <a:pPr marL="0" indent="0" algn="ctr">
+              <a:buNone/>
+            </a:pPr>
+            <a:r>
+              <a:rPr lang="zh-TW" altLang="en-US" sz="3200" b="1" dirty="0"/>
+              <a:t>我的肝</a:t>
+            </a:r>
+          </a:p>
+        </p:txBody>
+      </p:sp>
+    </p:spTree>
+    <p:extLst>
+      <p:ext uri="{BB962C8B-B14F-4D97-AF65-F5344CB8AC3E}">
+        <p14:creationId xmlns:p14="http://schemas.microsoft.com/office/powerpoint/2010/main" val="3101071341"/>
+      </p:ext>
+    </p:extLst>
+  </p:cSld>
+  <p:clrMapOvr>
+    <a:masterClrMapping/>
+  </p:clrMapOvr>
+</p:sld>
+</file>
+
+<file path=ppt/slides/slide2.xml><?xml version="1.0" encoding="utf-8"?>
+<p:sld xmlns:a="http://schemas.openxmlformats.org/drawingml/2006/main" xmlns:r="http://schemas.openxmlformats.org/officeDocument/2006/relationships" xmlns:p="http://schemas.openxmlformats.org/presentationml/2006/main">
+  <p:cSld>
+    <p:spTree>
+      <p:nvGrpSpPr>
+        <p:cNvPr id="1" name=""/>
+        <p:cNvGrpSpPr/>
+        <p:nvPr/>
+      </p:nvGrpSpPr>
+      <p:grpSpPr>
+        <a:xfrm>
+          <a:off x="0" y="0"/>
+          <a:ext cx="0" cy="0"/>
+          <a:chOff x="0" y="0"/>
+          <a:chExt cx="0" cy="0"/>
+        </a:xfrm>
+      </p:grpSpPr>
+      <p:sp>
+        <p:nvSpPr>
+          <p:cNvPr id="2" name="標題 1"/>
+          <p:cNvSpPr>
+            <a:spLocks noGrp="1"/>
+          </p:cNvSpPr>
+          <p:nvPr>
+            <p:ph type="title"/>
+          </p:nvPr>
+        </p:nvSpPr>
+        <p:spPr/>
+        <p:txBody>
+          <a:bodyPr>
+            <a:normAutofit/>
+          </a:bodyPr>
+          <a:lstStyle/>
+          <a:p>
+            <a:r>
+              <a:rPr lang="zh-TW" altLang="en-US" sz="4800" dirty="0" smtClean="0"/>
+              <a:t>自我介紹</a:t>
+            </a:r>
+            <a:endParaRPr lang="zh-TW" altLang="en-US" sz="4800" dirty="0"/>
+          </a:p>
+        </p:txBody>
+      </p:sp>
+      <p:sp>
+        <p:nvSpPr>
+          <p:cNvPr id="3" name="內容版面配置區 2"/>
+          <p:cNvSpPr>
+            <a:spLocks noGrp="1"/>
+          </p:cNvSpPr>
+          <p:nvPr>
+            <p:ph idx="1"/>
+          </p:nvPr>
+        </p:nvSpPr>
+        <p:spPr/>
+        <p:txBody>
+          <a:bodyPr>
+            <a:normAutofit/>
+          </a:bodyPr>
+          <a:lstStyle/>
+          <a:p>
+            <a:r>
+              <a:rPr lang="zh-TW" altLang="en-US" sz="3200" dirty="0" smtClean="0"/>
+              <a:t>本名</a:t>
+            </a:r>
+            <a:r>
+              <a:rPr lang="en-US" altLang="zh-TW" sz="3200" dirty="0" smtClean="0"/>
+              <a:t>:</a:t>
+            </a:r>
+            <a:r>
+              <a:rPr lang="zh-TW" altLang="en-US" sz="3200" dirty="0" smtClean="0"/>
+              <a:t>古珉和</a:t>
+            </a:r>
+            <a:endParaRPr lang="en-US" altLang="zh-TW" sz="3200" dirty="0" smtClean="0"/>
+          </a:p>
+          <a:p>
+            <a:r>
+              <a:rPr lang="zh-TW" altLang="en-US" sz="3200" dirty="0"/>
+              <a:t>網名</a:t>
+            </a:r>
+            <a:r>
+              <a:rPr lang="en-US" altLang="zh-TW" sz="3200" dirty="0"/>
+              <a:t>:googleak28282</a:t>
+            </a:r>
+            <a:endParaRPr lang="en-US" altLang="zh-TW" sz="3200" dirty="0" smtClean="0"/>
+          </a:p>
+          <a:p>
+            <a:r>
+              <a:rPr lang="zh-TW" altLang="en-US" sz="3200" dirty="0" smtClean="0"/>
+              <a:t>臺南一中</a:t>
+            </a:r>
+            <a:r>
+              <a:rPr lang="en-US" altLang="zh-TW" sz="3200" dirty="0" smtClean="0"/>
+              <a:t>107</a:t>
+            </a:r>
+            <a:r>
+              <a:rPr lang="zh-TW" altLang="en-US" sz="3200" dirty="0" smtClean="0"/>
+              <a:t>級數理資優班</a:t>
+            </a:r>
+            <a:endParaRPr lang="en-US" altLang="zh-TW" sz="3200" dirty="0" smtClean="0"/>
+          </a:p>
+          <a:p>
+            <a:r>
+              <a:rPr lang="zh-TW" altLang="en-US" sz="3200" dirty="0"/>
+              <a:t>蒼翼的奇術師資訊組</a:t>
+            </a:r>
+            <a:r>
+              <a:rPr lang="zh-TW" altLang="en-US" sz="3200" dirty="0" smtClean="0"/>
+              <a:t>成員</a:t>
+            </a:r>
+            <a:endParaRPr lang="en-US" altLang="zh-TW" sz="3200" dirty="0" smtClean="0"/>
+          </a:p>
+          <a:p>
+            <a:r>
+              <a:rPr lang="en-US" altLang="zh-TW" sz="3200" dirty="0" smtClean="0"/>
+              <a:t>2017</a:t>
+            </a:r>
+            <a:r>
+              <a:rPr lang="zh-TW" altLang="en-US" sz="3200" dirty="0" smtClean="0"/>
+              <a:t>高中資訊學術聯展紀錄組</a:t>
+            </a:r>
+            <a:endParaRPr lang="en-US" altLang="zh-TW" sz="3200" dirty="0" smtClean="0"/>
+          </a:p>
+          <a:p>
+            <a:r>
+              <a:rPr lang="en-US" altLang="zh-TW" sz="3200" dirty="0" smtClean="0"/>
+              <a:t>2016,2017 </a:t>
+            </a:r>
+            <a:r>
+              <a:rPr lang="zh-TW" altLang="en-US" sz="3200" dirty="0" smtClean="0"/>
+              <a:t>學生計算機年會</a:t>
+            </a:r>
+            <a:r>
+              <a:rPr lang="en-US" altLang="zh-TW" sz="3200" dirty="0" smtClean="0"/>
+              <a:t>(SITCON)</a:t>
+            </a:r>
+            <a:r>
+              <a:rPr lang="zh-TW" altLang="en-US" sz="3200" dirty="0" smtClean="0"/>
+              <a:t>會眾</a:t>
+            </a:r>
+            <a:endParaRPr lang="en-US" altLang="zh-TW" sz="3200" dirty="0" smtClean="0"/>
+          </a:p>
+        </p:txBody>
+      </p:sp>
+    </p:spTree>
+    <p:extLst>
+      <p:ext uri="{BB962C8B-B14F-4D97-AF65-F5344CB8AC3E}">
+        <p14:creationId xmlns:p14="http://schemas.microsoft.com/office/powerpoint/2010/main" val="1381973866"/>
+      </p:ext>
+    </p:extLst>
+  </p:cSld>
+  <p:clrMapOvr>
+    <a:masterClrMapping/>
+  </p:clrMapOvr>
+  <p:timing>
+    <p:tnLst>
+      <p:par>
+        <p:cTn id="1" dur="indefinite" restart="never" nodeType="tmRoot"/>
+      </p:par>
+    </p:tnLst>
+  </p:timing>
+</p:sld>
+</file>
+
+<file path=ppt/slides/slide3.xml><?xml version="1.0" encoding="utf-8"?>
+<p:sld xmlns:a="http://schemas.openxmlformats.org/drawingml/2006/main" xmlns:r="http://schemas.openxmlformats.org/officeDocument/2006/relationships" xmlns:p="http://schemas.openxmlformats.org/presentationml/2006/main">
+  <p:cSld>
+    <p:spTree>
+      <p:nvGrpSpPr>
+        <p:cNvPr id="1" name=""/>
+        <p:cNvGrpSpPr/>
+        <p:nvPr/>
+      </p:nvGrpSpPr>
+      <p:grpSpPr>
+        <a:xfrm>
+          <a:off x="0" y="0"/>
+          <a:ext cx="0" cy="0"/>
+          <a:chOff x="0" y="0"/>
+          <a:chExt cx="0" cy="0"/>
+        </a:xfrm>
+      </p:grpSpPr>
+      <p:sp>
+        <p:nvSpPr>
+          <p:cNvPr id="2" name="標題 1"/>
+          <p:cNvSpPr>
+            <a:spLocks noGrp="1"/>
+          </p:cNvSpPr>
+          <p:nvPr>
+            <p:ph type="title"/>
+          </p:nvPr>
+        </p:nvSpPr>
+        <p:spPr/>
+        <p:txBody>
+          <a:bodyPr/>
+          <a:lstStyle/>
+          <a:p>
+            <a:r>
+              <a:rPr lang="zh-TW" altLang="en-US" dirty="0" smtClean="0"/>
+              <a:t>研究動機</a:t>
+            </a:r>
+            <a:endParaRPr lang="zh-TW" altLang="en-US" dirty="0"/>
+          </a:p>
+        </p:txBody>
+      </p:sp>
+      <p:sp>
+        <p:nvSpPr>
+          <p:cNvPr id="3" name="內容版面配置區 2"/>
+          <p:cNvSpPr>
+            <a:spLocks noGrp="1"/>
+          </p:cNvSpPr>
+          <p:nvPr>
+            <p:ph idx="1"/>
+          </p:nvPr>
+        </p:nvSpPr>
+        <p:spPr/>
+        <p:txBody>
+          <a:bodyPr/>
+          <a:lstStyle/>
+          <a:p>
+            <a:pPr marL="0" indent="0">
+              <a:buNone/>
+            </a:pPr>
+            <a:r>
+              <a:rPr lang="zh-TW" altLang="en-US" sz="2800" dirty="0"/>
+              <a:t>本篇的研究動機為，在參加青年程式設計競賽時，有一題目其要求為求解 </a:t>
+            </a:r>
+            <a:r>
+              <a:rPr lang="en-US" altLang="zh-TW" sz="2800" dirty="0"/>
+              <a:t>Fibonacci series </a:t>
+            </a:r>
+            <a:r>
+              <a:rPr lang="zh-TW" altLang="en-US" sz="2800" dirty="0"/>
+              <a:t>第 </a:t>
+            </a:r>
+            <a:r>
+              <a:rPr lang="en-US" altLang="zh-TW" sz="2800" dirty="0"/>
+              <a:t>N </a:t>
+            </a:r>
+            <a:r>
+              <a:rPr lang="zh-TW" altLang="en-US" sz="2800" dirty="0"/>
+              <a:t>項對 </a:t>
+            </a:r>
+            <a:r>
+              <a:rPr lang="en-US" altLang="zh-TW" sz="2800" dirty="0"/>
+              <a:t>2 </a:t>
+            </a:r>
+            <a:r>
+              <a:rPr lang="zh-TW" altLang="en-US" sz="2800" dirty="0"/>
+              <a:t>的 </a:t>
+            </a:r>
+            <a:r>
+              <a:rPr lang="en-US" altLang="zh-TW" sz="2800" dirty="0"/>
+              <a:t>k </a:t>
+            </a:r>
+            <a:r>
+              <a:rPr lang="zh-TW" altLang="en-US" sz="2800" dirty="0"/>
+              <a:t>次方取餘數之值，而此要 求之解法必須假定費波納契數列對 </a:t>
+            </a:r>
+            <a:r>
+              <a:rPr lang="en-US" altLang="zh-TW" sz="2800" dirty="0"/>
+              <a:t>2 </a:t>
+            </a:r>
+            <a:r>
+              <a:rPr lang="zh-TW" altLang="en-US" sz="2800" dirty="0"/>
+              <a:t>的 </a:t>
+            </a:r>
+            <a:r>
+              <a:rPr lang="en-US" altLang="zh-TW" sz="2800" dirty="0"/>
+              <a:t>k </a:t>
+            </a:r>
+            <a:r>
+              <a:rPr lang="zh-TW" altLang="en-US" sz="2800" dirty="0"/>
+              <a:t>次方取餘數之值會循環，而筆者突然萌生了一個想法，既然最小質數之循環規律存在，且已經被證 明為正且質數之間時常有類似的性質，那其他質數有無類似的循環規律，即成為了一個值得研究之議題，於是就開始此議題之研究</a:t>
+            </a:r>
+            <a:r>
+              <a:rPr lang="zh-TW" altLang="en-US" dirty="0"/>
+              <a:t>。 </a:t>
+            </a:r>
+          </a:p>
+        </p:txBody>
+      </p:sp>
+    </p:spTree>
+    <p:extLst>
+      <p:ext uri="{BB962C8B-B14F-4D97-AF65-F5344CB8AC3E}">
+        <p14:creationId xmlns:p14="http://schemas.microsoft.com/office/powerpoint/2010/main" val="4050108079"/>
+      </p:ext>
+    </p:extLst>
+  </p:cSld>
+  <p:clrMapOvr>
+    <a:masterClrMapping/>
+  </p:clrMapOvr>
+</p:sld>
+</file>
+
+<file path=ppt/slides/slide4.xml><?xml version="1.0" encoding="utf-8"?>
+<p:sld xmlns:a="http://schemas.openxmlformats.org/drawingml/2006/main" xmlns:r="http://schemas.openxmlformats.org/officeDocument/2006/relationships" xmlns:p="http://schemas.openxmlformats.org/presentationml/2006/main">
+  <p:cSld>
+    <p:spTree>
+      <p:nvGrpSpPr>
+        <p:cNvPr id="1" name=""/>
+        <p:cNvGrpSpPr/>
+        <p:nvPr/>
+      </p:nvGrpSpPr>
+      <p:grpSpPr>
+        <a:xfrm>
+          <a:off x="0" y="0"/>
+          <a:ext cx="0" cy="0"/>
+          <a:chOff x="0" y="0"/>
+          <a:chExt cx="0" cy="0"/>
+        </a:xfrm>
+      </p:grpSpPr>
+      <p:sp>
+        <p:nvSpPr>
+          <p:cNvPr id="3" name="文字方塊 2"/>
+          <p:cNvSpPr txBox="1"/>
+          <p:nvPr/>
+        </p:nvSpPr>
+        <p:spPr>
+          <a:xfrm rot="1471891">
+            <a:off x="2462110" y="2530158"/>
+            <a:ext cx="7424132" cy="1200329"/>
+          </a:xfrm>
+          <a:prstGeom prst="rect">
+            <a:avLst/>
+          </a:prstGeom>
+          <a:noFill/>
+        </p:spPr>
+        <p:txBody>
+          <a:bodyPr wrap="square" rtlCol="0">
+            <a:spAutoFit/>
+          </a:bodyPr>
+          <a:lstStyle/>
+          <a:p>
+            <a:r>
+              <a:rPr lang="zh-TW" altLang="en-US" sz="7200" dirty="0" smtClean="0"/>
+              <a:t>想到</a:t>
+            </a:r>
+            <a:r>
+              <a:rPr lang="en-US" altLang="zh-TW" sz="7200" dirty="0" smtClean="0"/>
+              <a:t>!!!!!!!!!!!!!!!!!</a:t>
+            </a:r>
+            <a:endParaRPr lang="zh-TW" altLang="en-US" sz="7200" dirty="0"/>
+          </a:p>
+        </p:txBody>
+      </p:sp>
+    </p:spTree>
+    <p:extLst>
+      <p:ext uri="{BB962C8B-B14F-4D97-AF65-F5344CB8AC3E}">
+        <p14:creationId xmlns:p14="http://schemas.microsoft.com/office/powerpoint/2010/main" val="1127381389"/>
+      </p:ext>
+    </p:extLst>
+  </p:cSld>
+  <p:clrMapOvr>
+    <a:masterClrMapping/>
+  </p:clrMapOvr>
+</p:sld>
+</file>
+
+<file path=ppt/slides/slide5.xml><?xml version="1.0" encoding="utf-8"?>
+<p:sld xmlns:a="http://schemas.openxmlformats.org/drawingml/2006/main" xmlns:r="http://schemas.openxmlformats.org/officeDocument/2006/relationships" xmlns:p="http://schemas.openxmlformats.org/presentationml/2006/main">
+  <p:cSld>
+    <p:spTree>
+      <p:nvGrpSpPr>
+        <p:cNvPr id="1" name=""/>
+        <p:cNvGrpSpPr/>
+        <p:nvPr/>
+      </p:nvGrpSpPr>
+      <p:grpSpPr>
+        <a:xfrm>
+          <a:off x="0" y="0"/>
+          <a:ext cx="0" cy="0"/>
+          <a:chOff x="0" y="0"/>
+          <a:chExt cx="0" cy="0"/>
+        </a:xfrm>
+      </p:grpSpPr>
+      <p:sp>
+        <p:nvSpPr>
+          <p:cNvPr id="2" name="標題 1"/>
+          <p:cNvSpPr>
+            <a:spLocks noGrp="1"/>
+          </p:cNvSpPr>
+          <p:nvPr>
+            <p:ph type="title"/>
+          </p:nvPr>
+        </p:nvSpPr>
+        <p:spPr/>
+        <p:txBody>
+          <a:bodyPr>
+            <a:normAutofit/>
+          </a:bodyPr>
+          <a:lstStyle/>
+          <a:p>
+            <a:r>
+              <a:rPr lang="zh-TW" altLang="en-US" sz="4800" dirty="0" smtClean="0"/>
+              <a:t>先備知識</a:t>
+            </a:r>
+            <a:r>
+              <a:rPr lang="en-US" altLang="zh-TW" sz="4800" dirty="0" smtClean="0"/>
+              <a:t>1-</a:t>
+            </a:r>
+            <a:r>
+              <a:rPr lang="en-US" altLang="zh-TW" sz="4800" dirty="0"/>
+              <a:t>Fibonacci series</a:t>
+            </a:r>
+            <a:endParaRPr lang="zh-TW" altLang="en-US" sz="4800" dirty="0"/>
+          </a:p>
+        </p:txBody>
+      </p:sp>
+      <p:sp>
+        <p:nvSpPr>
+          <p:cNvPr id="3" name="內容版面配置區 2"/>
+          <p:cNvSpPr>
+            <a:spLocks noGrp="1"/>
+          </p:cNvSpPr>
+          <p:nvPr>
+            <p:ph idx="1"/>
+          </p:nvPr>
+        </p:nvSpPr>
+        <p:spPr/>
+        <p:txBody>
+          <a:bodyPr>
+            <a:normAutofit/>
+          </a:bodyPr>
+          <a:lstStyle/>
+          <a:p>
+            <a:r>
+              <a:rPr lang="en-US" altLang="zh-TW" sz="3200" dirty="0" smtClean="0"/>
+              <a:t>=</a:t>
+            </a:r>
+            <a:r>
+              <a:rPr lang="zh-TW" altLang="en-US" sz="3200" dirty="0" smtClean="0"/>
+              <a:t>費氏數列</a:t>
+            </a:r>
+            <a:endParaRPr lang="en-US" altLang="zh-TW" sz="3200" dirty="0" smtClean="0"/>
+          </a:p>
+          <a:p>
+            <a:r>
+              <a:rPr lang="en-US" altLang="zh-TW" sz="3200" dirty="0" smtClean="0"/>
+              <a:t>=</a:t>
+            </a:r>
+            <a:r>
+              <a:rPr lang="zh-TW" altLang="en-US" sz="3200" dirty="0" smtClean="0"/>
+              <a:t>費波納契數列</a:t>
+            </a:r>
+            <a:endParaRPr lang="en-US" altLang="zh-TW" sz="3200" dirty="0" smtClean="0"/>
+          </a:p>
+          <a:p>
+            <a:r>
+              <a:rPr lang="en-US" altLang="zh-TW" sz="3200" dirty="0"/>
+              <a:t>=0, 1, 1, 2, 3, 5, 8, 13, 21, 34, 55, 89, 144, 233, 377, </a:t>
+            </a:r>
+            <a:r>
+              <a:rPr lang="en-US" altLang="zh-TW" sz="3200" dirty="0" smtClean="0"/>
+              <a:t>610…</a:t>
+            </a:r>
+            <a:endParaRPr lang="en-US" altLang="zh-TW" sz="3200" dirty="0"/>
+          </a:p>
+          <a:p>
+            <a:r>
+              <a:rPr lang="en-US" altLang="zh-TW" sz="3200" dirty="0" smtClean="0"/>
+              <a:t>S</a:t>
+            </a:r>
+            <a:r>
+              <a:rPr lang="en-US" altLang="zh-TW" sz="3200" dirty="0" smtClean="0"/>
+              <a:t>={a</a:t>
+            </a:r>
+            <a:r>
+              <a:rPr lang="en-US" altLang="zh-TW" dirty="0" smtClean="0"/>
+              <a:t>n</a:t>
+            </a:r>
+            <a:r>
+              <a:rPr lang="en-US" altLang="zh-TW" sz="3200" dirty="0" smtClean="0"/>
+              <a:t>| a</a:t>
+            </a:r>
+            <a:r>
+              <a:rPr lang="en-US" altLang="zh-TW" dirty="0" smtClean="0"/>
+              <a:t>n</a:t>
+            </a:r>
+            <a:r>
+              <a:rPr lang="en-US" altLang="zh-TW" sz="3200" dirty="0" smtClean="0"/>
+              <a:t>=a</a:t>
+            </a:r>
+            <a:r>
+              <a:rPr lang="en-US" altLang="zh-TW" dirty="0" smtClean="0"/>
+              <a:t>n-1</a:t>
+            </a:r>
+            <a:r>
+              <a:rPr lang="en-US" altLang="zh-TW" sz="3200" dirty="0" smtClean="0"/>
+              <a:t>+a</a:t>
+            </a:r>
+            <a:r>
+              <a:rPr lang="en-US" altLang="zh-TW" dirty="0" smtClean="0"/>
+              <a:t>n-2</a:t>
+            </a:r>
+            <a:r>
+              <a:rPr lang="en-US" altLang="zh-TW" sz="3200" dirty="0" smtClean="0"/>
+              <a:t>, n&gt;=3}</a:t>
+            </a:r>
+            <a:endParaRPr lang="en-US" altLang="zh-TW" dirty="0" smtClean="0"/>
+          </a:p>
+        </p:txBody>
+      </p:sp>
+    </p:spTree>
+    <p:extLst>
+      <p:ext uri="{BB962C8B-B14F-4D97-AF65-F5344CB8AC3E}">
+        <p14:creationId xmlns:p14="http://schemas.microsoft.com/office/powerpoint/2010/main" val="1340642608"/>
+      </p:ext>
+    </p:extLst>
+  </p:cSld>
+  <p:clrMapOvr>
+    <a:masterClrMapping/>
+  </p:clrMapOvr>
+  <p:timing>
+    <p:tnLst>
+      <p:par>
+        <p:cTn id="1" dur="indefinite" restart="never" nodeType="tmRoot"/>
+      </p:par>
+    </p:tnLst>
+  </p:timing>
+</p:sld>
+</file>
+
+<file path=ppt/slides/slide6.xml><?xml version="1.0" encoding="utf-8"?>
+<p:sld xmlns:a="http://schemas.openxmlformats.org/drawingml/2006/main" xmlns:r="http://schemas.openxmlformats.org/officeDocument/2006/relationships" xmlns:p="http://schemas.openxmlformats.org/presentationml/2006/main">
+  <p:cSld>
+    <p:spTree>
+      <p:nvGrpSpPr>
+        <p:cNvPr id="1" name=""/>
+        <p:cNvGrpSpPr/>
+        <p:nvPr/>
+      </p:nvGrpSpPr>
+      <p:grpSpPr>
+        <a:xfrm>
+          <a:off x="0" y="0"/>
+          <a:ext cx="0" cy="0"/>
+          <a:chOff x="0" y="0"/>
+          <a:chExt cx="0" cy="0"/>
+        </a:xfrm>
+      </p:grpSpPr>
+      <p:sp>
+        <p:nvSpPr>
+          <p:cNvPr id="2" name="標題 1"/>
+          <p:cNvSpPr>
+            <a:spLocks noGrp="1"/>
+          </p:cNvSpPr>
+          <p:nvPr>
+            <p:ph type="title"/>
+          </p:nvPr>
+        </p:nvSpPr>
+        <p:spPr/>
+        <p:txBody>
+          <a:bodyPr>
+            <a:normAutofit/>
+          </a:bodyPr>
+          <a:lstStyle/>
+          <a:p>
+            <a:r>
+              <a:rPr lang="zh-TW" altLang="en-US" sz="4800" dirty="0"/>
+              <a:t>先備</a:t>
+            </a:r>
+            <a:r>
+              <a:rPr lang="zh-TW" altLang="en-US" sz="4800" dirty="0" smtClean="0"/>
+              <a:t>知識</a:t>
+            </a:r>
+            <a:r>
+              <a:rPr lang="en-US" altLang="zh-TW" sz="4800" dirty="0" smtClean="0"/>
+              <a:t>2-</a:t>
+            </a:r>
+            <a:r>
+              <a:rPr lang="zh-TW" altLang="zh-TW" sz="4800" dirty="0"/>
+              <a:t>模運算</a:t>
+            </a:r>
+            <a:endParaRPr lang="zh-TW" altLang="en-US" sz="4800" dirty="0"/>
+          </a:p>
+        </p:txBody>
+      </p:sp>
+      <mc:AlternateContent xmlns:mc="http://schemas.openxmlformats.org/markup-compatibility/2006" xmlns:a14="http://schemas.microsoft.com/office/drawing/2010/main">
+        <mc:Choice Requires="a14">
+          <p:sp>
+            <p:nvSpPr>
+              <p:cNvPr id="3" name="內容版面配置區 2"/>
+              <p:cNvSpPr>
+                <a:spLocks noGrp="1"/>
+              </p:cNvSpPr>
+              <p:nvPr>
+                <p:ph idx="1"/>
+              </p:nvPr>
+            </p:nvSpPr>
+            <p:spPr/>
+            <p:txBody>
+              <a:bodyPr>
+                <a:normAutofit/>
+              </a:bodyPr>
+              <a:lstStyle/>
+              <a:p>
+                <a:r>
+                  <a:rPr lang="zh-TW" altLang="en-US" sz="3200" dirty="0" smtClean="0"/>
+                  <a:t>就是取餘數</a:t>
+                </a:r>
+                <a:endParaRPr lang="en-US" altLang="zh-TW" sz="3200" dirty="0" smtClean="0"/>
+              </a:p>
+              <a:p>
+                <a14:m>
+                  <m:oMath xmlns:m="http://schemas.openxmlformats.org/officeDocument/2006/math">
+                    <m:r>
+                      <m:rPr>
+                        <m:sty m:val="p"/>
+                      </m:rPr>
+                      <a:rPr lang="en-US" altLang="zh-TW" sz="3200">
+                        <a:latin typeface="Cambria Math"/>
+                      </a:rPr>
+                      <m:t>a</m:t>
+                    </m:r>
+                    <m:r>
+                      <a:rPr lang="en-US" altLang="zh-TW" sz="3200">
+                        <a:latin typeface="Cambria Math"/>
+                      </a:rPr>
+                      <m:t>+</m:t>
+                    </m:r>
+                    <m:r>
+                      <m:rPr>
+                        <m:sty m:val="p"/>
+                      </m:rPr>
+                      <a:rPr lang="en-US" altLang="zh-TW" sz="3200">
+                        <a:latin typeface="Cambria Math"/>
+                      </a:rPr>
+                      <m:t>b</m:t>
+                    </m:r>
+                    <m:r>
+                      <a:rPr lang="en-US" altLang="zh-TW" sz="3200">
+                        <a:latin typeface="Cambria Math"/>
+                      </a:rPr>
+                      <m:t>≡</m:t>
+                    </m:r>
+                    <m:r>
+                      <m:rPr>
+                        <m:sty m:val="p"/>
+                      </m:rPr>
+                      <a:rPr lang="en-US" altLang="zh-TW" sz="3200">
+                        <a:latin typeface="Cambria Math"/>
+                      </a:rPr>
+                      <m:t>c</m:t>
+                    </m:r>
+                    <m:r>
+                      <a:rPr lang="en-US" altLang="zh-TW" sz="3200">
+                        <a:latin typeface="Cambria Math"/>
+                      </a:rPr>
+                      <m:t>+</m:t>
+                    </m:r>
+                    <m:r>
+                      <m:rPr>
+                        <m:sty m:val="p"/>
+                      </m:rPr>
+                      <a:rPr lang="en-US" altLang="zh-TW" sz="3200">
+                        <a:latin typeface="Cambria Math"/>
+                      </a:rPr>
+                      <m:t>d</m:t>
+                    </m:r>
+                    <m:d>
+                      <m:dPr>
+                        <m:ctrlPr>
+                          <a:rPr lang="en-US" altLang="zh-TW" sz="3200" i="1">
+                            <a:latin typeface="Cambria Math"/>
+                          </a:rPr>
+                        </m:ctrlPr>
+                      </m:dPr>
+                      <m:e>
+                        <m:r>
+                          <m:rPr>
+                            <m:sty m:val="p"/>
+                          </m:rPr>
+                          <a:rPr lang="en-US" altLang="zh-TW" sz="3200">
+                            <a:latin typeface="Cambria Math"/>
+                          </a:rPr>
+                          <m:t>mod</m:t>
+                        </m:r>
+                        <m:r>
+                          <a:rPr lang="en-US" altLang="zh-TW" sz="3200">
+                            <a:latin typeface="Cambria Math"/>
+                          </a:rPr>
+                          <m:t> </m:t>
+                        </m:r>
+                        <m:r>
+                          <m:rPr>
+                            <m:sty m:val="p"/>
+                          </m:rPr>
+                          <a:rPr lang="en-US" altLang="zh-TW" sz="3200">
+                            <a:latin typeface="Cambria Math"/>
+                          </a:rPr>
+                          <m:t>m</m:t>
+                        </m:r>
+                      </m:e>
+                    </m:d>
+                  </m:oMath>
+                </a14:m>
+                <a:endParaRPr lang="en-US" altLang="zh-TW" sz="3200" dirty="0" smtClean="0"/>
+              </a:p>
+              <a:p>
+                <a14:m>
+                  <m:oMath xmlns:m="http://schemas.openxmlformats.org/officeDocument/2006/math">
+                    <m:r>
+                      <m:rPr>
+                        <m:sty m:val="p"/>
+                      </m:rPr>
+                      <a:rPr lang="en-US" altLang="zh-TW" sz="3200">
+                        <a:latin typeface="Cambria Math"/>
+                      </a:rPr>
+                      <m:t>a</m:t>
+                    </m:r>
+                    <m:r>
+                      <a:rPr lang="en-US" altLang="zh-TW" sz="3200" i="1">
+                        <a:latin typeface="Cambria Math"/>
+                      </a:rPr>
+                      <m:t>−</m:t>
+                    </m:r>
+                    <m:r>
+                      <m:rPr>
+                        <m:sty m:val="p"/>
+                      </m:rPr>
+                      <a:rPr lang="en-US" altLang="zh-TW" sz="3200">
+                        <a:latin typeface="Cambria Math"/>
+                      </a:rPr>
+                      <m:t>b</m:t>
+                    </m:r>
+                    <m:r>
+                      <a:rPr lang="en-US" altLang="zh-TW" sz="3200">
+                        <a:latin typeface="Cambria Math"/>
+                      </a:rPr>
+                      <m:t>≡</m:t>
+                    </m:r>
+                    <m:r>
+                      <m:rPr>
+                        <m:sty m:val="p"/>
+                      </m:rPr>
+                      <a:rPr lang="en-US" altLang="zh-TW" sz="3200">
+                        <a:latin typeface="Cambria Math"/>
+                      </a:rPr>
+                      <m:t>c</m:t>
+                    </m:r>
+                    <m:r>
+                      <a:rPr lang="en-US" altLang="zh-TW" sz="3200" i="1">
+                        <a:latin typeface="Cambria Math"/>
+                      </a:rPr>
+                      <m:t>−</m:t>
+                    </m:r>
+                    <m:r>
+                      <m:rPr>
+                        <m:sty m:val="p"/>
+                      </m:rPr>
+                      <a:rPr lang="en-US" altLang="zh-TW" sz="3200">
+                        <a:latin typeface="Cambria Math"/>
+                      </a:rPr>
+                      <m:t>d</m:t>
+                    </m:r>
+                    <m:d>
+                      <m:dPr>
+                        <m:ctrlPr>
+                          <a:rPr lang="zh-TW" altLang="zh-TW" sz="3200" i="1">
+                            <a:latin typeface="Cambria Math"/>
+                          </a:rPr>
+                        </m:ctrlPr>
+                      </m:dPr>
+                      <m:e>
+                        <m:r>
+                          <m:rPr>
+                            <m:sty m:val="p"/>
+                          </m:rPr>
+                          <a:rPr lang="en-US" altLang="zh-TW" sz="3200">
+                            <a:latin typeface="Cambria Math"/>
+                          </a:rPr>
+                          <m:t>mod</m:t>
+                        </m:r>
+                        <m:r>
+                          <a:rPr lang="en-US" altLang="zh-TW" sz="3200">
+                            <a:latin typeface="Cambria Math"/>
+                          </a:rPr>
+                          <m:t> </m:t>
+                        </m:r>
+                        <m:r>
+                          <m:rPr>
+                            <m:sty m:val="p"/>
+                          </m:rPr>
+                          <a:rPr lang="en-US" altLang="zh-TW" sz="3200">
+                            <a:latin typeface="Cambria Math"/>
+                          </a:rPr>
+                          <m:t>m</m:t>
+                        </m:r>
+                      </m:e>
+                    </m:d>
+                  </m:oMath>
+                </a14:m>
+                <a:endParaRPr lang="zh-TW" altLang="zh-TW" sz="3200" dirty="0"/>
+              </a:p>
+              <a:p>
+                <a14:m>
+                  <m:oMath xmlns:m="http://schemas.openxmlformats.org/officeDocument/2006/math">
+                    <m:r>
+                      <m:rPr>
+                        <m:sty m:val="p"/>
+                      </m:rPr>
+                      <a:rPr lang="en-US" altLang="zh-TW" sz="3200">
+                        <a:latin typeface="Cambria Math"/>
+                      </a:rPr>
+                      <m:t>a</m:t>
+                    </m:r>
+                    <m:r>
+                      <a:rPr lang="en-US" altLang="zh-TW" sz="3200">
+                        <a:latin typeface="Cambria Math"/>
+                      </a:rPr>
+                      <m:t>×</m:t>
+                    </m:r>
+                    <m:r>
+                      <m:rPr>
+                        <m:sty m:val="p"/>
+                      </m:rPr>
+                      <a:rPr lang="en-US" altLang="zh-TW" sz="3200">
+                        <a:latin typeface="Cambria Math"/>
+                      </a:rPr>
+                      <m:t>b</m:t>
+                    </m:r>
+                    <m:r>
+                      <a:rPr lang="en-US" altLang="zh-TW" sz="3200">
+                        <a:latin typeface="Cambria Math"/>
+                      </a:rPr>
+                      <m:t>≡</m:t>
+                    </m:r>
+                    <m:r>
+                      <m:rPr>
+                        <m:sty m:val="p"/>
+                      </m:rPr>
+                      <a:rPr lang="en-US" altLang="zh-TW" sz="3200">
+                        <a:latin typeface="Cambria Math"/>
+                      </a:rPr>
+                      <m:t>c</m:t>
+                    </m:r>
+                    <m:r>
+                      <a:rPr lang="en-US" altLang="zh-TW" sz="3200">
+                        <a:latin typeface="Cambria Math"/>
+                      </a:rPr>
+                      <m:t>×</m:t>
+                    </m:r>
+                    <m:r>
+                      <m:rPr>
+                        <m:sty m:val="p"/>
+                      </m:rPr>
+                      <a:rPr lang="en-US" altLang="zh-TW" sz="3200">
+                        <a:latin typeface="Cambria Math"/>
+                      </a:rPr>
+                      <m:t>d</m:t>
+                    </m:r>
+                    <m:r>
+                      <a:rPr lang="en-US" altLang="zh-TW" sz="3200">
+                        <a:latin typeface="Cambria Math"/>
+                      </a:rPr>
+                      <m:t>(</m:t>
+                    </m:r>
+                    <m:r>
+                      <m:rPr>
+                        <m:sty m:val="p"/>
+                      </m:rPr>
+                      <a:rPr lang="en-US" altLang="zh-TW" sz="3200">
+                        <a:latin typeface="Cambria Math"/>
+                      </a:rPr>
+                      <m:t>mod</m:t>
+                    </m:r>
+                    <m:r>
+                      <a:rPr lang="en-US" altLang="zh-TW" sz="3200">
+                        <a:latin typeface="Cambria Math"/>
+                      </a:rPr>
+                      <m:t> </m:t>
+                    </m:r>
+                    <m:r>
+                      <m:rPr>
+                        <m:sty m:val="p"/>
+                      </m:rPr>
+                      <a:rPr lang="en-US" altLang="zh-TW" sz="3200">
+                        <a:latin typeface="Cambria Math"/>
+                      </a:rPr>
+                      <m:t>m</m:t>
+                    </m:r>
+                    <m:r>
+                      <a:rPr lang="en-US" altLang="zh-TW" sz="3200">
+                        <a:latin typeface="Cambria Math"/>
+                      </a:rPr>
+                      <m:t>)</m:t>
+                    </m:r>
+                  </m:oMath>
+                </a14:m>
+                <a:endParaRPr lang="zh-TW" altLang="zh-TW" sz="3200" dirty="0"/>
+              </a:p>
+            </p:txBody>
+          </p:sp>
+        </mc:Choice>
+        <mc:Fallback xmlns="">
+          <p:sp>
+            <p:nvSpPr>
+              <p:cNvPr id="3" name="內容版面配置區 2"/>
+              <p:cNvSpPr>
+                <a:spLocks noGrp="1" noRot="1" noChangeAspect="1" noMove="1" noResize="1" noEditPoints="1" noAdjustHandles="1" noChangeArrowheads="1" noChangeShapeType="1" noTextEdit="1"/>
+              </p:cNvSpPr>
+              <p:nvPr>
+                <p:ph idx="1"/>
+              </p:nvPr>
+            </p:nvSpPr>
+            <p:spPr>
+              <a:blipFill rotWithShape="1">
+                <a:blip r:embed="rId2"/>
+                <a:stretch>
+                  <a:fillRect l="-1064" t="-2041"/>
+                </a:stretch>
+              </a:blipFill>
+            </p:spPr>
+            <p:txBody>
+              <a:bodyPr/>
+              <a:lstStyle/>
+              <a:p>
+                <a:r>
+                  <a:rPr lang="zh-TW" altLang="en-US">
+                    <a:noFill/>
+                  </a:rPr>
+                  <a:t> </a:t>
+                </a:r>
+              </a:p>
+            </p:txBody>
+          </p:sp>
+        </mc:Fallback>
+      </mc:AlternateContent>
+    </p:spTree>
+    <p:extLst>
+      <p:ext uri="{BB962C8B-B14F-4D97-AF65-F5344CB8AC3E}">
+        <p14:creationId xmlns:p14="http://schemas.microsoft.com/office/powerpoint/2010/main" val="2453532878"/>
+      </p:ext>
+    </p:extLst>
+  </p:cSld>
+  <p:clrMapOvr>
+    <a:masterClrMapping/>
+  </p:clrMapOvr>
+  <p:timing>
+    <p:tnLst>
+      <p:par>
+        <p:cTn id="1" dur="indefinite" restart="never" nodeType="tmRoot"/>
+      </p:par>
+    </p:tnLst>
+  </p:timing>
+</p:sld>
+</file>
+
+<file path=ppt/slides/slide7.xml><?xml version="1.0" encoding="utf-8"?>
+<p:sld xmlns:a="http://schemas.openxmlformats.org/drawingml/2006/main" xmlns:r="http://schemas.openxmlformats.org/officeDocument/2006/relationships" xmlns:p="http://schemas.openxmlformats.org/presentationml/2006/main">
+  <p:cSld>
+    <p:spTree>
+      <p:nvGrpSpPr>
+        <p:cNvPr id="1" name=""/>
+        <p:cNvGrpSpPr/>
+        <p:nvPr/>
+      </p:nvGrpSpPr>
+      <p:grpSpPr>
+        <a:xfrm>
+          <a:off x="0" y="0"/>
+          <a:ext cx="0" cy="0"/>
+          <a:chOff x="0" y="0"/>
+          <a:chExt cx="0" cy="0"/>
+        </a:xfrm>
+      </p:grpSpPr>
+      <p:sp>
+        <p:nvSpPr>
+          <p:cNvPr id="2" name="標題 1"/>
+          <p:cNvSpPr>
+            <a:spLocks noGrp="1"/>
+          </p:cNvSpPr>
+          <p:nvPr>
+            <p:ph type="title"/>
+          </p:nvPr>
+        </p:nvSpPr>
+        <p:spPr>
+          <a:xfrm>
+            <a:off x="677334" y="609600"/>
+            <a:ext cx="8765604" cy="1320800"/>
+          </a:xfrm>
+        </p:spPr>
+        <p:txBody>
+          <a:bodyPr>
+            <a:noAutofit/>
+          </a:bodyPr>
+          <a:lstStyle/>
+          <a:p>
+            <a:r>
+              <a:rPr lang="zh-HK" altLang="zh-TW" sz="4800" dirty="0"/>
+              <a:t>演算法設計</a:t>
+            </a:r>
+            <a:r>
+              <a:rPr lang="zh-HK" altLang="zh-TW" sz="4800" dirty="0" smtClean="0"/>
+              <a:t>說明</a:t>
+            </a:r>
+            <a:r>
+              <a:rPr lang="en-US" altLang="zh-HK" sz="4800" dirty="0" smtClean="0"/>
+              <a:t>1-</a:t>
+            </a:r>
+            <a:r>
+              <a:rPr lang="zh-HK" altLang="zh-TW" sz="4800" dirty="0"/>
+              <a:t>演算法</a:t>
+            </a:r>
+            <a:r>
+              <a:rPr lang="zh-HK" altLang="zh-TW" sz="4800" dirty="0" smtClean="0"/>
+              <a:t>流程圖</a:t>
+            </a:r>
+            <a:endParaRPr lang="zh-TW" altLang="zh-TW" sz="4800" dirty="0"/>
+          </a:p>
+        </p:txBody>
+      </p:sp>
+      <p:sp>
+        <p:nvSpPr>
+          <p:cNvPr id="5" name="文字方塊 4"/>
+          <p:cNvSpPr txBox="1"/>
+          <p:nvPr/>
+        </p:nvSpPr>
+        <p:spPr>
+          <a:xfrm>
+            <a:off x="1432870" y="2497014"/>
+            <a:ext cx="923330" cy="2708032"/>
+          </a:xfrm>
+          <a:prstGeom prst="rect">
+            <a:avLst/>
+          </a:prstGeom>
+          <a:noFill/>
+          <a:ln>
+            <a:solidFill>
+              <a:schemeClr val="tx1"/>
+            </a:solidFill>
+          </a:ln>
+        </p:spPr>
+        <p:txBody>
+          <a:bodyPr vert="eaVert" wrap="square" rtlCol="0">
+            <a:spAutoFit/>
+          </a:bodyPr>
+          <a:lstStyle/>
+          <a:p>
+            <a:r>
+              <a:rPr lang="zh-TW" altLang="en-US" sz="4800" dirty="0"/>
+              <a:t>質數建表</a:t>
+            </a:r>
+          </a:p>
+        </p:txBody>
+      </p:sp>
+      <p:sp>
+        <p:nvSpPr>
+          <p:cNvPr id="6" name="向右箭號 5"/>
+          <p:cNvSpPr/>
+          <p:nvPr/>
+        </p:nvSpPr>
+        <p:spPr>
+          <a:xfrm>
+            <a:off x="2839915" y="3385038"/>
+            <a:ext cx="888023" cy="747347"/>
+          </a:xfrm>
+          <a:prstGeom prst="rightArrow">
+            <a:avLst/>
+          </a:prstGeom>
+        </p:spPr>
+        <p:style>
+          <a:lnRef idx="2">
+            <a:schemeClr val="accent1">
+              <a:shade val="50000"/>
+            </a:schemeClr>
+          </a:lnRef>
+          <a:fillRef idx="1">
+            <a:schemeClr val="accent1"/>
+          </a:fillRef>
+          <a:effectRef idx="0">
+            <a:schemeClr val="accent1"/>
+          </a:effectRef>
+          <a:fontRef idx="minor">
+            <a:schemeClr val="lt1"/>
+          </a:fontRef>
+        </p:style>
+        <p:txBody>
+          <a:bodyPr rtlCol="0" anchor="ctr"/>
+          <a:lstStyle/>
+          <a:p>
+            <a:pPr algn="ctr"/>
+            <a:endParaRPr lang="zh-TW" altLang="en-US"/>
+          </a:p>
+        </p:txBody>
+      </p:sp>
+      <p:sp>
+        <p:nvSpPr>
+          <p:cNvPr id="7" name="文字方塊 6"/>
+          <p:cNvSpPr txBox="1"/>
+          <p:nvPr/>
+        </p:nvSpPr>
+        <p:spPr>
+          <a:xfrm>
+            <a:off x="3991459" y="2497014"/>
+            <a:ext cx="1661993" cy="2708032"/>
+          </a:xfrm>
+          <a:prstGeom prst="rect">
+            <a:avLst/>
+          </a:prstGeom>
+          <a:noFill/>
+          <a:ln>
+            <a:solidFill>
+              <a:schemeClr val="tx1"/>
+            </a:solidFill>
+          </a:ln>
+        </p:spPr>
+        <p:txBody>
+          <a:bodyPr vert="eaVert" wrap="square" rtlCol="0">
+            <a:spAutoFit/>
+          </a:bodyPr>
+          <a:lstStyle/>
+          <a:p>
+            <a:r>
+              <a:rPr lang="zh-TW" altLang="en-US" sz="4800" dirty="0" smtClean="0"/>
+              <a:t>快速冪次方模運算</a:t>
+            </a:r>
+            <a:endParaRPr lang="zh-TW" altLang="en-US" sz="4800" dirty="0"/>
+          </a:p>
+        </p:txBody>
+      </p:sp>
+      <p:sp>
+        <p:nvSpPr>
+          <p:cNvPr id="8" name="向右箭號 7"/>
+          <p:cNvSpPr/>
+          <p:nvPr/>
+        </p:nvSpPr>
+        <p:spPr>
+          <a:xfrm>
+            <a:off x="6031523" y="3420207"/>
+            <a:ext cx="958362" cy="677007"/>
+          </a:xfrm>
+          <a:prstGeom prst="rightArrow">
+            <a:avLst/>
+          </a:prstGeom>
+        </p:spPr>
+        <p:style>
+          <a:lnRef idx="2">
+            <a:schemeClr val="accent1">
+              <a:shade val="50000"/>
+            </a:schemeClr>
+          </a:lnRef>
+          <a:fillRef idx="1">
+            <a:schemeClr val="accent1"/>
+          </a:fillRef>
+          <a:effectRef idx="0">
+            <a:schemeClr val="accent1"/>
+          </a:effectRef>
+          <a:fontRef idx="minor">
+            <a:schemeClr val="lt1"/>
+          </a:fontRef>
+        </p:style>
+        <p:txBody>
+          <a:bodyPr rtlCol="0" anchor="ctr"/>
+          <a:lstStyle/>
+          <a:p>
+            <a:pPr algn="ctr"/>
+            <a:endParaRPr lang="zh-TW" altLang="en-US"/>
+          </a:p>
+        </p:txBody>
+      </p:sp>
+      <p:sp>
+        <p:nvSpPr>
+          <p:cNvPr id="9" name="文字方塊 8"/>
+          <p:cNvSpPr txBox="1"/>
+          <p:nvPr/>
+        </p:nvSpPr>
+        <p:spPr>
+          <a:xfrm>
+            <a:off x="7495237" y="3077305"/>
+            <a:ext cx="923330" cy="1362811"/>
+          </a:xfrm>
+          <a:prstGeom prst="rect">
+            <a:avLst/>
+          </a:prstGeom>
+          <a:noFill/>
+          <a:ln>
+            <a:solidFill>
+              <a:schemeClr val="tx1"/>
+            </a:solidFill>
+          </a:ln>
+        </p:spPr>
+        <p:txBody>
+          <a:bodyPr vert="eaVert" wrap="square" rtlCol="0">
+            <a:spAutoFit/>
+          </a:bodyPr>
+          <a:lstStyle/>
+          <a:p>
+            <a:r>
+              <a:rPr lang="zh-TW" altLang="en-US" sz="4800" dirty="0" smtClean="0"/>
+              <a:t>輸出</a:t>
+            </a:r>
+            <a:endParaRPr lang="zh-TW" altLang="en-US" sz="4800" dirty="0"/>
+          </a:p>
+        </p:txBody>
+      </p:sp>
+    </p:spTree>
+    <p:extLst>
+      <p:ext uri="{BB962C8B-B14F-4D97-AF65-F5344CB8AC3E}">
+        <p14:creationId xmlns:p14="http://schemas.microsoft.com/office/powerpoint/2010/main" val="3051884231"/>
+      </p:ext>
+    </p:extLst>
+  </p:cSld>
+  <p:clrMapOvr>
+    <a:masterClrMapping/>
+  </p:clrMapOvr>
+  <p:timing>
+    <p:tnLst>
+      <p:par>
+        <p:cTn id="1" dur="indefinite" restart="never" nodeType="tmRoot"/>
+      </p:par>
+    </p:tnLst>
+  </p:timing>
+</p:sld>
+</file>
+
+<file path=ppt/slides/slide8.xml><?xml version="1.0" encoding="utf-8"?>
+<p:sld xmlns:a="http://schemas.openxmlformats.org/drawingml/2006/main" xmlns:r="http://schemas.openxmlformats.org/officeDocument/2006/relationships" xmlns:p="http://schemas.openxmlformats.org/presentationml/2006/main">
+  <p:cSld>
+    <p:spTree>
+      <p:nvGrpSpPr>
+        <p:cNvPr id="1" name=""/>
+        <p:cNvGrpSpPr/>
+        <p:nvPr/>
+      </p:nvGrpSpPr>
+      <p:grpSpPr>
+        <a:xfrm>
+          <a:off x="0" y="0"/>
+          <a:ext cx="0" cy="0"/>
+          <a:chOff x="0" y="0"/>
+          <a:chExt cx="0" cy="0"/>
+        </a:xfrm>
+      </p:grpSpPr>
+      <p:sp>
+        <p:nvSpPr>
+          <p:cNvPr id="2" name="標題 1"/>
+          <p:cNvSpPr>
+            <a:spLocks noGrp="1"/>
+          </p:cNvSpPr>
+          <p:nvPr>
+            <p:ph type="title"/>
+          </p:nvPr>
+        </p:nvSpPr>
+        <p:spPr/>
+        <p:txBody>
+          <a:bodyPr>
+            <a:normAutofit/>
+          </a:bodyPr>
+          <a:lstStyle/>
+          <a:p>
+            <a:r>
+              <a:rPr lang="zh-HK" altLang="zh-TW" sz="4800" dirty="0" smtClean="0"/>
+              <a:t>演算法設計說明</a:t>
+            </a:r>
+            <a:r>
+              <a:rPr lang="en-US" altLang="zh-HK" sz="4800" dirty="0" smtClean="0"/>
+              <a:t>2-</a:t>
+            </a:r>
+            <a:r>
+              <a:rPr lang="zh-TW" altLang="en-US" sz="4800" dirty="0" smtClean="0"/>
+              <a:t>取</a:t>
+            </a:r>
+            <a:r>
+              <a:rPr lang="zh-TW" altLang="en-US" sz="4800" dirty="0"/>
+              <a:t>質數方法</a:t>
+            </a:r>
+          </a:p>
+        </p:txBody>
+      </p:sp>
+      <p:sp>
+        <p:nvSpPr>
+          <p:cNvPr id="3" name="內容版面配置區 2"/>
+          <p:cNvSpPr>
+            <a:spLocks noGrp="1"/>
+          </p:cNvSpPr>
+          <p:nvPr>
+            <p:ph idx="1"/>
+          </p:nvPr>
+        </p:nvSpPr>
+        <p:spPr/>
+        <p:txBody>
+          <a:bodyPr>
+            <a:normAutofit/>
+          </a:bodyPr>
+          <a:lstStyle/>
+          <a:p>
+            <a:r>
+              <a:rPr lang="zh-TW" altLang="zh-TW" sz="3200" dirty="0" smtClean="0"/>
+              <a:t>sieve of Eratosthenes</a:t>
+            </a:r>
+            <a:r>
+              <a:rPr lang="en-US" altLang="zh-TW" sz="3200" dirty="0" smtClean="0"/>
+              <a:t> =</a:t>
+            </a:r>
+            <a:r>
+              <a:rPr lang="zh-HK" altLang="zh-TW" sz="3200" dirty="0" smtClean="0"/>
+              <a:t>埃拉托斯特尼篩法</a:t>
+            </a:r>
+            <a:endParaRPr lang="en-US" altLang="zh-HK" sz="3200" dirty="0" smtClean="0"/>
+          </a:p>
+          <a:p>
+            <a:r>
+              <a:rPr lang="zh-TW" altLang="zh-TW" sz="3200" dirty="0" smtClean="0"/>
+              <a:t>目前取質數較快</a:t>
+            </a:r>
+            <a:r>
+              <a:rPr lang="zh-TW" altLang="en-US" sz="3200" dirty="0" smtClean="0"/>
+              <a:t>的</a:t>
+            </a:r>
+            <a:r>
+              <a:rPr lang="zh-TW" altLang="zh-TW" sz="3200" dirty="0" smtClean="0"/>
+              <a:t>演算法</a:t>
+            </a:r>
+            <a:endParaRPr lang="en-US" altLang="zh-TW" sz="3200" dirty="0" smtClean="0"/>
+          </a:p>
+        </p:txBody>
+      </p:sp>
+    </p:spTree>
+    <p:extLst>
+      <p:ext uri="{BB962C8B-B14F-4D97-AF65-F5344CB8AC3E}">
+        <p14:creationId xmlns:p14="http://schemas.microsoft.com/office/powerpoint/2010/main" val="3735759167"/>
+      </p:ext>
+    </p:extLst>
+  </p:cSld>
+  <p:clrMapOvr>
+    <a:masterClrMapping/>
+  </p:clrMapOvr>
+  <p:timing>
+    <p:tnLst>
+      <p:par>
+        <p:cTn id="1" dur="indefinite" restart="never" nodeType="tmRoot"/>
+      </p:par>
+    </p:tnLst>
+  </p:timing>
+</p:sld>
+</file>
+
+<file path=ppt/slides/slide9.xml><?xml version="1.0" encoding="utf-8"?>
+<p:sld xmlns:a="http://schemas.openxmlformats.org/drawingml/2006/main" xmlns:r="http://schemas.openxmlformats.org/officeDocument/2006/relationships" xmlns:p="http://schemas.openxmlformats.org/presentationml/2006/main">
+  <p:cSld>
+    <p:spTree>
+      <p:nvGrpSpPr>
+        <p:cNvPr id="1" name=""/>
+        <p:cNvGrpSpPr/>
+        <p:nvPr/>
+      </p:nvGrpSpPr>
+      <p:grpSpPr>
+        <a:xfrm>
+          <a:off x="0" y="0"/>
+          <a:ext cx="0" cy="0"/>
+          <a:chOff x="0" y="0"/>
+          <a:chExt cx="0" cy="0"/>
+        </a:xfrm>
+      </p:grpSpPr>
+      <p:sp>
+        <p:nvSpPr>
+          <p:cNvPr id="2" name="標題 1"/>
+          <p:cNvSpPr>
+            <a:spLocks noGrp="1"/>
+          </p:cNvSpPr>
+          <p:nvPr>
+            <p:ph type="title"/>
+          </p:nvPr>
+        </p:nvSpPr>
+        <p:spPr/>
+        <p:txBody>
+          <a:bodyPr/>
+          <a:lstStyle/>
+          <a:p>
+            <a:endParaRPr lang="zh-TW" altLang="en-US"/>
+          </a:p>
+        </p:txBody>
+      </p:sp>
+      <p:pic>
+        <p:nvPicPr>
+          <p:cNvPr id="4" name="內容版面配置區 3"/>
+          <p:cNvPicPr>
+            <a:picLocks noGrp="1" noChangeAspect="1"/>
+          </p:cNvPicPr>
+          <p:nvPr>
+            <p:ph idx="1"/>
+          </p:nvPr>
+        </p:nvPicPr>
+        <p:blipFill>
+          <a:blip r:embed="rId2">
+            <a:extLst>
+              <a:ext uri="{28A0092B-C50C-407E-A947-70E740481C1C}">
+                <a14:useLocalDpi xmlns:a14="http://schemas.microsoft.com/office/drawing/2010/main" val="0"/>
+              </a:ext>
+            </a:extLst>
+          </a:blip>
+          <a:stretch>
+            <a:fillRect/>
+          </a:stretch>
+        </p:blipFill>
+        <p:spPr>
+          <a:xfrm>
+            <a:off x="1995853" y="877471"/>
+            <a:ext cx="6356838" cy="5271176"/>
+          </a:xfrm>
+        </p:spPr>
+      </p:pic>
+    </p:spTree>
+    <p:extLst>
+      <p:ext uri="{BB962C8B-B14F-4D97-AF65-F5344CB8AC3E}">
+        <p14:creationId xmlns:p14="http://schemas.microsoft.com/office/powerpoint/2010/main" val="1431925315"/>
       </p:ext>
     </p:extLst>
   </p:cSld>

--- a/二維線段樹.pptx
+++ b/二維線段樹.pptx
@@ -120,7 +120,7 @@
   </p:defaultTextStyle>
   <p:extLst>
     <p:ext uri="{EFAFB233-063F-42B5-8137-9DF3F51BA10A}">
-      <p15:sldGuideLst xmlns="" xmlns:p15="http://schemas.microsoft.com/office/powerpoint/2012/main"/>
+      <p15:sldGuideLst xmlns:p15="http://schemas.microsoft.com/office/powerpoint/2012/main" xmlns=""/>
     </p:ext>
   </p:extLst>
 </p:presentation>
@@ -848,7 +848,7 @@
           <a:p>
             <a:fld id="{C1DB8A8A-8640-42D6-90BF-032295D5889D}" type="datetimeFigureOut">
               <a:rPr lang="zh-TW" altLang="en-US" smtClean="0"/>
-              <a:t>2017/5/27</a:t>
+              <a:t>2017/6/1</a:t>
             </a:fld>
             <a:endParaRPr lang="zh-TW" altLang="en-US"/>
           </a:p>
@@ -1099,7 +1099,7 @@
           <a:p>
             <a:fld id="{C1DB8A8A-8640-42D6-90BF-032295D5889D}" type="datetimeFigureOut">
               <a:rPr lang="zh-TW" altLang="en-US" smtClean="0"/>
-              <a:t>2017/5/27</a:t>
+              <a:t>2017/6/1</a:t>
             </a:fld>
             <a:endParaRPr lang="zh-TW" altLang="en-US"/>
           </a:p>
@@ -1413,7 +1413,7 @@
           <a:p>
             <a:fld id="{C1DB8A8A-8640-42D6-90BF-032295D5889D}" type="datetimeFigureOut">
               <a:rPr lang="zh-TW" altLang="en-US" smtClean="0"/>
-              <a:t>2017/5/27</a:t>
+              <a:t>2017/6/1</a:t>
             </a:fld>
             <a:endParaRPr lang="zh-TW" altLang="en-US"/>
           </a:p>
@@ -1754,7 +1754,7 @@
           <a:p>
             <a:fld id="{C1DB8A8A-8640-42D6-90BF-032295D5889D}" type="datetimeFigureOut">
               <a:rPr lang="zh-TW" altLang="en-US" smtClean="0"/>
-              <a:t>2017/5/27</a:t>
+              <a:t>2017/6/1</a:t>
             </a:fld>
             <a:endParaRPr lang="zh-TW" altLang="en-US"/>
           </a:p>
@@ -2068,7 +2068,7 @@
           <a:p>
             <a:fld id="{C1DB8A8A-8640-42D6-90BF-032295D5889D}" type="datetimeFigureOut">
               <a:rPr lang="zh-TW" altLang="en-US" smtClean="0"/>
-              <a:t>2017/5/27</a:t>
+              <a:t>2017/6/1</a:t>
             </a:fld>
             <a:endParaRPr lang="zh-TW" altLang="en-US"/>
           </a:p>
@@ -2461,7 +2461,7 @@
           <a:p>
             <a:fld id="{C1DB8A8A-8640-42D6-90BF-032295D5889D}" type="datetimeFigureOut">
               <a:rPr lang="zh-TW" altLang="en-US" smtClean="0"/>
-              <a:t>2017/5/27</a:t>
+              <a:t>2017/6/1</a:t>
             </a:fld>
             <a:endParaRPr lang="zh-TW" altLang="en-US"/>
           </a:p>
@@ -2631,7 +2631,7 @@
           <a:p>
             <a:fld id="{C1DB8A8A-8640-42D6-90BF-032295D5889D}" type="datetimeFigureOut">
               <a:rPr lang="zh-TW" altLang="en-US" smtClean="0"/>
-              <a:t>2017/5/27</a:t>
+              <a:t>2017/6/1</a:t>
             </a:fld>
             <a:endParaRPr lang="zh-TW" altLang="en-US"/>
           </a:p>
@@ -2811,7 +2811,7 @@
           <a:p>
             <a:fld id="{C1DB8A8A-8640-42D6-90BF-032295D5889D}" type="datetimeFigureOut">
               <a:rPr lang="zh-TW" altLang="en-US" smtClean="0"/>
-              <a:t>2017/5/27</a:t>
+              <a:t>2017/6/1</a:t>
             </a:fld>
             <a:endParaRPr lang="zh-TW" altLang="en-US"/>
           </a:p>
@@ -2987,7 +2987,7 @@
           <a:p>
             <a:fld id="{C1DB8A8A-8640-42D6-90BF-032295D5889D}" type="datetimeFigureOut">
               <a:rPr lang="zh-TW" altLang="en-US" smtClean="0"/>
-              <a:t>2017/5/27</a:t>
+              <a:t>2017/6/1</a:t>
             </a:fld>
             <a:endParaRPr lang="zh-TW" altLang="en-US"/>
           </a:p>
@@ -3234,7 +3234,7 @@
           <a:p>
             <a:fld id="{C1DB8A8A-8640-42D6-90BF-032295D5889D}" type="datetimeFigureOut">
               <a:rPr lang="zh-TW" altLang="en-US" smtClean="0"/>
-              <a:t>2017/5/27</a:t>
+              <a:t>2017/6/1</a:t>
             </a:fld>
             <a:endParaRPr lang="zh-TW" altLang="en-US"/>
           </a:p>
@@ -3466,7 +3466,7 @@
           <a:p>
             <a:fld id="{C1DB8A8A-8640-42D6-90BF-032295D5889D}" type="datetimeFigureOut">
               <a:rPr lang="zh-TW" altLang="en-US" smtClean="0"/>
-              <a:t>2017/5/27</a:t>
+              <a:t>2017/6/1</a:t>
             </a:fld>
             <a:endParaRPr lang="zh-TW" altLang="en-US"/>
           </a:p>
@@ -3840,7 +3840,7 @@
           <a:p>
             <a:fld id="{C1DB8A8A-8640-42D6-90BF-032295D5889D}" type="datetimeFigureOut">
               <a:rPr lang="zh-TW" altLang="en-US" smtClean="0"/>
-              <a:t>2017/5/27</a:t>
+              <a:t>2017/6/1</a:t>
             </a:fld>
             <a:endParaRPr lang="zh-TW" altLang="en-US"/>
           </a:p>
@@ -3963,7 +3963,7 @@
           <a:p>
             <a:fld id="{C1DB8A8A-8640-42D6-90BF-032295D5889D}" type="datetimeFigureOut">
               <a:rPr lang="zh-TW" altLang="en-US" smtClean="0"/>
-              <a:t>2017/5/27</a:t>
+              <a:t>2017/6/1</a:t>
             </a:fld>
             <a:endParaRPr lang="zh-TW" altLang="en-US"/>
           </a:p>
@@ -4058,7 +4058,7 @@
           <a:p>
             <a:fld id="{C1DB8A8A-8640-42D6-90BF-032295D5889D}" type="datetimeFigureOut">
               <a:rPr lang="zh-TW" altLang="en-US" smtClean="0"/>
-              <a:t>2017/5/27</a:t>
+              <a:t>2017/6/1</a:t>
             </a:fld>
             <a:endParaRPr lang="zh-TW" altLang="en-US"/>
           </a:p>
@@ -4313,7 +4313,7 @@
           <a:p>
             <a:fld id="{C1DB8A8A-8640-42D6-90BF-032295D5889D}" type="datetimeFigureOut">
               <a:rPr lang="zh-TW" altLang="en-US" smtClean="0"/>
-              <a:t>2017/5/27</a:t>
+              <a:t>2017/6/1</a:t>
             </a:fld>
             <a:endParaRPr lang="zh-TW" altLang="en-US"/>
           </a:p>
@@ -4576,7 +4576,7 @@
           <a:p>
             <a:fld id="{C1DB8A8A-8640-42D6-90BF-032295D5889D}" type="datetimeFigureOut">
               <a:rPr lang="zh-TW" altLang="en-US" smtClean="0"/>
-              <a:t>2017/5/27</a:t>
+              <a:t>2017/6/1</a:t>
             </a:fld>
             <a:endParaRPr lang="zh-TW" altLang="en-US"/>
           </a:p>
@@ -5319,7 +5319,7 @@
           <a:p>
             <a:fld id="{C1DB8A8A-8640-42D6-90BF-032295D5889D}" type="datetimeFigureOut">
               <a:rPr lang="zh-TW" altLang="en-US" smtClean="0"/>
-              <a:t>2017/5/27</a:t>
+              <a:t>2017/6/1</a:t>
             </a:fld>
             <a:endParaRPr lang="zh-TW" altLang="en-US"/>
           </a:p>
@@ -5966,9 +5966,18 @@
           </a:bodyPr>
           <a:lstStyle/>
           <a:p>
+            <a:pPr algn="ctr"/>
+            <a:r>
+              <a:rPr lang="en-US" altLang="zh-HK" sz="4800" dirty="0" smtClean="0"/>
+              <a:t>	</a:t>
+            </a:r>
             <a:r>
               <a:rPr lang="zh-HK" altLang="zh-TW" sz="4800" dirty="0" smtClean="0"/>
-              <a:t>演算法設計說明</a:t>
+              <a:t>演算法</a:t>
+            </a:r>
+            <a:r>
+              <a:rPr lang="zh-HK" altLang="zh-TW" sz="4800" dirty="0" smtClean="0"/>
+              <a:t>設計說明</a:t>
             </a:r>
             <a:r>
               <a:rPr lang="en-US" altLang="zh-HK" sz="4800" dirty="0"/>
@@ -5993,497 +6002,75 @@
         <mc:Choice xmlns:a14="http://schemas.microsoft.com/office/drawing/2010/main" Requires="a14">
           <p:sp>
             <p:nvSpPr>
-              <p:cNvPr id="3" name="內容版面配置區 2"/>
-              <p:cNvSpPr>
-                <a:spLocks noGrp="1"/>
-              </p:cNvSpPr>
-              <p:nvPr>
-                <p:ph idx="1"/>
-              </p:nvPr>
+              <p:cNvPr id="9" name="流程圖: 接點 8"/>
+              <p:cNvSpPr/>
+              <p:nvPr/>
             </p:nvSpPr>
             <p:spPr>
               <a:xfrm>
-                <a:off x="677334" y="2160589"/>
-                <a:ext cx="8765604" cy="3880773"/>
+                <a:off x="4914517" y="1402039"/>
+                <a:ext cx="589086" cy="571500"/>
               </a:xfrm>
+              <a:prstGeom prst="flowChartConnector">
+                <a:avLst/>
+              </a:prstGeom>
             </p:spPr>
+            <p:style>
+              <a:lnRef idx="2">
+                <a:schemeClr val="accent1">
+                  <a:shade val="50000"/>
+                </a:schemeClr>
+              </a:lnRef>
+              <a:fillRef idx="1">
+                <a:schemeClr val="accent1"/>
+              </a:fillRef>
+              <a:effectRef idx="0">
+                <a:schemeClr val="accent1"/>
+              </a:effectRef>
+              <a:fontRef idx="minor">
+                <a:schemeClr val="lt1"/>
+              </a:fontRef>
+            </p:style>
             <p:txBody>
-              <a:bodyPr>
-                <a:normAutofit/>
-              </a:bodyPr>
+              <a:bodyPr rtlCol="0" anchor="ctr"/>
               <a:lstStyle/>
               <a:p>
-                <a:pPr marL="0" indent="0" algn="ctr">
-                  <a:buNone/>
-                </a:pPr>
+                <a:pPr algn="ctr"/>
                 <a14:m>
                   <m:oMathPara xmlns:m="http://schemas.openxmlformats.org/officeDocument/2006/math">
                     <m:oMathParaPr>
-                      <m:jc m:val="center"/>
+                      <m:jc m:val="centerGroup"/>
                     </m:oMathParaPr>
                     <m:oMath xmlns:m="http://schemas.openxmlformats.org/officeDocument/2006/math">
                       <m:sSup>
                         <m:sSupPr>
                           <m:ctrlPr>
-                            <a:rPr lang="en-US" altLang="zh-TW" sz="3200" b="0" i="1" smtClean="0">
+                            <a:rPr lang="en-US" altLang="zh-TW" i="1" smtClean="0">
                               <a:latin typeface="Cambria Math"/>
-                              <a:ea typeface="Cambria Math"/>
                             </a:rPr>
                           </m:ctrlPr>
                         </m:sSupPr>
                         <m:e>
                           <m:r>
-                            <a:rPr lang="en-US" altLang="zh-TW" sz="3200" b="0" i="1" smtClean="0">
+                            <a:rPr lang="en-US" altLang="zh-TW" b="0" i="1" smtClean="0">
                               <a:latin typeface="Cambria Math"/>
-                              <a:ea typeface="Cambria Math"/>
                             </a:rPr>
                             <m:t>𝑥</m:t>
                           </m:r>
                         </m:e>
                         <m:sup>
                           <m:r>
-                            <a:rPr lang="en-US" altLang="zh-TW" sz="3200" b="0" i="1" smtClean="0">
+                            <a:rPr lang="en-US" altLang="zh-TW" b="0" i="1" smtClean="0">
                               <a:latin typeface="Cambria Math"/>
-                              <a:ea typeface="Cambria Math"/>
-                            </a:rPr>
-                            <m:t>16</m:t>
-                          </m:r>
-                        </m:sup>
-                      </m:sSup>
-                      <m:r>
-                        <a:rPr lang="en-US" altLang="zh-TW" sz="3200" b="0" i="1" smtClean="0">
-                          <a:latin typeface="Cambria Math"/>
-                          <a:ea typeface="Cambria Math"/>
-                        </a:rPr>
-                        <m:t>=</m:t>
-                      </m:r>
-                      <m:r>
-                        <a:rPr lang="en-US" altLang="zh-TW" sz="3200" b="0" i="1" smtClean="0">
-                          <a:latin typeface="Cambria Math"/>
-                          <a:ea typeface="Cambria Math"/>
-                        </a:rPr>
-                        <m:t>𝑥</m:t>
-                      </m:r>
-                      <m:r>
-                        <a:rPr lang="en-US" altLang="zh-TW" sz="3200" b="0" i="1" smtClean="0">
-                          <a:latin typeface="Cambria Math"/>
-                          <a:ea typeface="Cambria Math"/>
-                        </a:rPr>
-                        <m:t>×</m:t>
-                      </m:r>
-                      <m:r>
-                        <a:rPr lang="en-US" altLang="zh-TW" sz="3200" b="0" i="1" smtClean="0">
-                          <a:latin typeface="Cambria Math"/>
-                          <a:ea typeface="Cambria Math"/>
-                        </a:rPr>
-                        <m:t>𝑥</m:t>
-                      </m:r>
-                      <m:r>
-                        <a:rPr lang="en-US" altLang="zh-TW" sz="3200" b="0" i="1" smtClean="0">
-                          <a:latin typeface="Cambria Math"/>
-                          <a:ea typeface="Cambria Math"/>
-                        </a:rPr>
-                        <m:t>×</m:t>
-                      </m:r>
-                      <m:r>
-                        <a:rPr lang="en-US" altLang="zh-TW" sz="3200" b="0" i="1" smtClean="0">
-                          <a:latin typeface="Cambria Math"/>
-                          <a:ea typeface="Cambria Math"/>
-                        </a:rPr>
-                        <m:t>𝑥</m:t>
-                      </m:r>
-                      <m:r>
-                        <a:rPr lang="en-US" altLang="zh-TW" sz="3200" b="0" i="1" smtClean="0">
-                          <a:latin typeface="Cambria Math"/>
-                          <a:ea typeface="Cambria Math"/>
-                        </a:rPr>
-                        <m:t>×</m:t>
-                      </m:r>
-                      <m:r>
-                        <a:rPr lang="en-US" altLang="zh-TW" sz="3200" b="0" i="1" smtClean="0">
-                          <a:latin typeface="Cambria Math"/>
-                          <a:ea typeface="Cambria Math"/>
-                        </a:rPr>
-                        <m:t>𝑥</m:t>
-                      </m:r>
-                      <m:r>
-                        <a:rPr lang="en-US" altLang="zh-TW" sz="3200" b="0" i="1" smtClean="0">
-                          <a:latin typeface="Cambria Math"/>
-                          <a:ea typeface="Cambria Math"/>
-                        </a:rPr>
-                        <m:t>×</m:t>
-                      </m:r>
-                      <m:r>
-                        <a:rPr lang="en-US" altLang="zh-TW" sz="3200" b="0" i="1" smtClean="0">
-                          <a:latin typeface="Cambria Math"/>
-                          <a:ea typeface="Cambria Math"/>
-                        </a:rPr>
-                        <m:t>𝑥</m:t>
-                      </m:r>
-                      <m:r>
-                        <a:rPr lang="en-US" altLang="zh-TW" sz="3200" b="0" i="1" smtClean="0">
-                          <a:latin typeface="Cambria Math"/>
-                          <a:ea typeface="Cambria Math"/>
-                        </a:rPr>
-                        <m:t>×</m:t>
-                      </m:r>
-                      <m:r>
-                        <a:rPr lang="en-US" altLang="zh-TW" sz="3200" b="0" i="1" smtClean="0">
-                          <a:latin typeface="Cambria Math"/>
-                          <a:ea typeface="Cambria Math"/>
-                        </a:rPr>
-                        <m:t>𝑥</m:t>
-                      </m:r>
-                      <m:r>
-                        <a:rPr lang="en-US" altLang="zh-TW" sz="3200" b="0" i="1" smtClean="0">
-                          <a:latin typeface="Cambria Math"/>
-                          <a:ea typeface="Cambria Math"/>
-                        </a:rPr>
-                        <m:t>×</m:t>
-                      </m:r>
-                      <m:r>
-                        <a:rPr lang="en-US" altLang="zh-TW" sz="3200" b="0" i="1" smtClean="0">
-                          <a:latin typeface="Cambria Math"/>
-                          <a:ea typeface="Cambria Math"/>
-                        </a:rPr>
-                        <m:t>𝑥</m:t>
-                      </m:r>
-                      <m:r>
-                        <a:rPr lang="en-US" altLang="zh-TW" sz="3200" b="0" i="1" smtClean="0">
-                          <a:latin typeface="Cambria Math"/>
-                          <a:ea typeface="Cambria Math"/>
-                        </a:rPr>
-                        <m:t>×</m:t>
-                      </m:r>
-                      <m:r>
-                        <a:rPr lang="en-US" altLang="zh-TW" sz="3200" b="0" i="1" smtClean="0">
-                          <a:latin typeface="Cambria Math"/>
-                          <a:ea typeface="Cambria Math"/>
-                        </a:rPr>
-                        <m:t>𝑥</m:t>
-                      </m:r>
-                      <m:r>
-                        <a:rPr lang="en-US" altLang="zh-TW" sz="3200" b="0" i="1" smtClean="0">
-                          <a:latin typeface="Cambria Math"/>
-                          <a:ea typeface="Cambria Math"/>
-                        </a:rPr>
-                        <m:t>×</m:t>
-                      </m:r>
-                      <m:r>
-                        <a:rPr lang="en-US" altLang="zh-TW" sz="3200" b="0" i="1" smtClean="0">
-                          <a:latin typeface="Cambria Math"/>
-                          <a:ea typeface="Cambria Math"/>
-                        </a:rPr>
-                        <m:t>𝑥</m:t>
-                      </m:r>
-                      <m:r>
-                        <a:rPr lang="en-US" altLang="zh-TW" sz="3200" b="0" i="1" smtClean="0">
-                          <a:latin typeface="Cambria Math"/>
-                          <a:ea typeface="Cambria Math"/>
-                        </a:rPr>
-                        <m:t>×</m:t>
-                      </m:r>
-                      <m:r>
-                        <a:rPr lang="en-US" altLang="zh-TW" sz="3200" b="0" i="1" smtClean="0">
-                          <a:latin typeface="Cambria Math"/>
-                          <a:ea typeface="Cambria Math"/>
-                        </a:rPr>
-                        <m:t>𝑥</m:t>
-                      </m:r>
-                      <m:r>
-                        <a:rPr lang="en-US" altLang="zh-TW" sz="3200" b="0" i="1" smtClean="0">
-                          <a:latin typeface="Cambria Math"/>
-                          <a:ea typeface="Cambria Math"/>
-                        </a:rPr>
-                        <m:t>×</m:t>
-                      </m:r>
-                      <m:r>
-                        <a:rPr lang="en-US" altLang="zh-TW" sz="3200" b="0" i="1" smtClean="0">
-                          <a:latin typeface="Cambria Math"/>
-                          <a:ea typeface="Cambria Math"/>
-                        </a:rPr>
-                        <m:t>𝑥</m:t>
-                      </m:r>
-                      <m:r>
-                        <a:rPr lang="en-US" altLang="zh-TW" sz="3200" b="0" i="1" smtClean="0">
-                          <a:latin typeface="Cambria Math"/>
-                          <a:ea typeface="Cambria Math"/>
-                        </a:rPr>
-                        <m:t>×</m:t>
-                      </m:r>
-                      <m:r>
-                        <a:rPr lang="en-US" altLang="zh-TW" sz="3200" b="0" i="1" smtClean="0">
-                          <a:latin typeface="Cambria Math"/>
-                          <a:ea typeface="Cambria Math"/>
-                        </a:rPr>
-                        <m:t>𝑥</m:t>
-                      </m:r>
-                      <m:r>
-                        <a:rPr lang="en-US" altLang="zh-TW" sz="3200" b="0" i="1" smtClean="0">
-                          <a:latin typeface="Cambria Math"/>
-                          <a:ea typeface="Cambria Math"/>
-                        </a:rPr>
-                        <m:t>×</m:t>
-                      </m:r>
-                      <m:r>
-                        <a:rPr lang="en-US" altLang="zh-TW" sz="3200" b="0" i="1" smtClean="0">
-                          <a:latin typeface="Cambria Math"/>
-                          <a:ea typeface="Cambria Math"/>
-                        </a:rPr>
-                        <m:t>𝑥</m:t>
-                      </m:r>
-                      <m:r>
-                        <a:rPr lang="en-US" altLang="zh-TW" sz="3200" b="0" i="1" smtClean="0">
-                          <a:latin typeface="Cambria Math"/>
-                          <a:ea typeface="Cambria Math"/>
-                        </a:rPr>
-                        <m:t>×</m:t>
-                      </m:r>
-                      <m:r>
-                        <a:rPr lang="en-US" altLang="zh-TW" sz="3200" b="0" i="1" smtClean="0">
-                          <a:latin typeface="Cambria Math"/>
-                          <a:ea typeface="Cambria Math"/>
-                        </a:rPr>
-                        <m:t>𝑥</m:t>
-                      </m:r>
-                      <m:r>
-                        <a:rPr lang="en-US" altLang="zh-TW" sz="3200" b="0" i="1" smtClean="0">
-                          <a:latin typeface="Cambria Math"/>
-                          <a:ea typeface="Cambria Math"/>
-                        </a:rPr>
-                        <m:t>×</m:t>
-                      </m:r>
-                      <m:r>
-                        <a:rPr lang="en-US" altLang="zh-TW" sz="3200" b="0" i="1" smtClean="0">
-                          <a:latin typeface="Cambria Math"/>
-                          <a:ea typeface="Cambria Math"/>
-                        </a:rPr>
-                        <m:t>𝑥</m:t>
-                      </m:r>
-                      <m:r>
-                        <a:rPr lang="en-US" altLang="zh-TW" sz="3200" b="0" i="1" smtClean="0">
-                          <a:latin typeface="Cambria Math"/>
-                          <a:ea typeface="Cambria Math"/>
-                        </a:rPr>
-                        <m:t>×</m:t>
-                      </m:r>
-                      <m:r>
-                        <a:rPr lang="en-US" altLang="zh-TW" sz="3200" b="0" i="1" smtClean="0">
-                          <a:latin typeface="Cambria Math"/>
-                          <a:ea typeface="Cambria Math"/>
-                        </a:rPr>
-                        <m:t>𝑥</m:t>
-                      </m:r>
-                    </m:oMath>
-                  </m:oMathPara>
-                </a14:m>
-                <a:endParaRPr lang="en-US" altLang="zh-TW" sz="3200" b="0" dirty="0" smtClean="0">
-                  <a:ea typeface="Cambria Math"/>
-                </a:endParaRPr>
-              </a:p>
-              <a:p>
-                <a:pPr marL="0" indent="0" algn="ctr">
-                  <a:buNone/>
-                </a:pPr>
-                <a:r>
-                  <a:rPr lang="zh-TW" altLang="en-US" sz="3200" b="1" dirty="0">
-                    <a:latin typeface="+mj-ea"/>
-                    <a:ea typeface="+mj-ea"/>
-                  </a:rPr>
-                  <a:t>運用快速</a:t>
-                </a:r>
-                <a:r>
-                  <a:rPr lang="zh-TW" altLang="en-US" sz="3200" b="1" dirty="0" smtClean="0">
-                    <a:latin typeface="+mj-ea"/>
-                    <a:ea typeface="+mj-ea"/>
-                  </a:rPr>
-                  <a:t>冪</a:t>
-                </a:r>
-                <a:r>
-                  <a:rPr lang="en-US" altLang="zh-TW" sz="3200" dirty="0" smtClean="0">
-                    <a:ea typeface="Cambria Math"/>
-                    <a:sym typeface="Wingdings" pitchFamily="2" charset="2"/>
-                  </a:rPr>
-                  <a:t></a:t>
-                </a:r>
-              </a:p>
-              <a:p>
-                <a:pPr marL="0" indent="0" algn="ctr">
-                  <a:buNone/>
-                </a:pPr>
-                <a14:m>
-                  <m:oMathPara xmlns:m="http://schemas.openxmlformats.org/officeDocument/2006/math">
-                    <m:oMathParaPr>
-                      <m:jc m:val="center"/>
-                    </m:oMathParaPr>
-                    <m:oMath xmlns:m="http://schemas.openxmlformats.org/officeDocument/2006/math">
-                      <m:sSup>
-                        <m:sSupPr>
-                          <m:ctrlPr>
-                            <a:rPr lang="en-US" altLang="zh-TW" sz="3200" b="0" i="1" smtClean="0">
-                              <a:latin typeface="Cambria Math"/>
-                              <a:ea typeface="Cambria Math"/>
-                            </a:rPr>
-                          </m:ctrlPr>
-                        </m:sSupPr>
-                        <m:e>
-                          <m:r>
-                            <a:rPr lang="en-US" altLang="zh-TW" sz="3200" b="0" i="1" smtClean="0">
-                              <a:latin typeface="Cambria Math"/>
-                              <a:ea typeface="Cambria Math"/>
-                            </a:rPr>
-                            <m:t>𝑥</m:t>
-                          </m:r>
-                        </m:e>
-                        <m:sup>
-                          <m:r>
-                            <a:rPr lang="en-US" altLang="zh-TW" sz="3200" b="0" i="1" smtClean="0">
-                              <a:latin typeface="Cambria Math"/>
-                              <a:ea typeface="Cambria Math"/>
-                            </a:rPr>
-                            <m:t>16</m:t>
-                          </m:r>
-                        </m:sup>
-                      </m:sSup>
-                      <m:r>
-                        <a:rPr lang="en-US" altLang="zh-TW" sz="3200" b="0" i="1" smtClean="0">
-                          <a:latin typeface="Cambria Math"/>
-                          <a:ea typeface="Cambria Math"/>
-                        </a:rPr>
-                        <m:t>=</m:t>
-                      </m:r>
-                      <m:sSup>
-                        <m:sSupPr>
-                          <m:ctrlPr>
-                            <a:rPr lang="en-US" altLang="zh-TW" sz="3200" b="0" i="1" smtClean="0">
-                              <a:latin typeface="Cambria Math"/>
-                              <a:ea typeface="Cambria Math"/>
-                            </a:rPr>
-                          </m:ctrlPr>
-                        </m:sSupPr>
-                        <m:e>
-                          <m:r>
-                            <a:rPr lang="en-US" altLang="zh-TW" sz="3200" b="0" i="1" smtClean="0">
-                              <a:latin typeface="Cambria Math"/>
-                              <a:ea typeface="Cambria Math"/>
-                            </a:rPr>
-                            <m:t>𝑥</m:t>
-                          </m:r>
-                        </m:e>
-                        <m:sup>
-                          <m:r>
-                            <a:rPr lang="en-US" altLang="zh-TW" sz="3200" b="0" i="1" smtClean="0">
-                              <a:latin typeface="Cambria Math"/>
-                              <a:ea typeface="Cambria Math"/>
                             </a:rPr>
                             <m:t>8</m:t>
                           </m:r>
                         </m:sup>
                       </m:sSup>
-                      <m:r>
-                        <a:rPr lang="en-US" altLang="zh-TW" sz="3200" b="0" i="1" smtClean="0">
-                          <a:latin typeface="Cambria Math"/>
-                          <a:ea typeface="Cambria Math"/>
-                        </a:rPr>
-                        <m:t>×</m:t>
-                      </m:r>
-                      <m:sSup>
-                        <m:sSupPr>
-                          <m:ctrlPr>
-                            <a:rPr lang="en-US" altLang="zh-TW" sz="3200" b="0" i="1" smtClean="0">
-                              <a:latin typeface="Cambria Math"/>
-                              <a:ea typeface="Cambria Math"/>
-                            </a:rPr>
-                          </m:ctrlPr>
-                        </m:sSupPr>
-                        <m:e>
-                          <m:r>
-                            <a:rPr lang="en-US" altLang="zh-TW" sz="3200" b="0" i="1" smtClean="0">
-                              <a:latin typeface="Cambria Math"/>
-                              <a:ea typeface="Cambria Math"/>
-                            </a:rPr>
-                            <m:t>𝑥</m:t>
-                          </m:r>
-                        </m:e>
-                        <m:sup>
-                          <m:r>
-                            <a:rPr lang="en-US" altLang="zh-TW" sz="3200" b="0" i="1" smtClean="0">
-                              <a:latin typeface="Cambria Math"/>
-                              <a:ea typeface="Cambria Math"/>
-                            </a:rPr>
-                            <m:t>4</m:t>
-                          </m:r>
-                        </m:sup>
-                      </m:sSup>
-                      <m:r>
-                        <a:rPr lang="en-US" altLang="zh-TW" sz="3200" b="0" i="1" smtClean="0">
-                          <a:latin typeface="Cambria Math"/>
-                          <a:ea typeface="Cambria Math"/>
-                        </a:rPr>
-                        <m:t>×</m:t>
-                      </m:r>
-                      <m:sSup>
-                        <m:sSupPr>
-                          <m:ctrlPr>
-                            <a:rPr lang="en-US" altLang="zh-TW" sz="3200" b="0" i="1" smtClean="0">
-                              <a:latin typeface="Cambria Math"/>
-                              <a:ea typeface="Cambria Math"/>
-                            </a:rPr>
-                          </m:ctrlPr>
-                        </m:sSupPr>
-                        <m:e>
-                          <m:r>
-                            <a:rPr lang="en-US" altLang="zh-TW" sz="3200" b="0" i="1" smtClean="0">
-                              <a:latin typeface="Cambria Math"/>
-                              <a:ea typeface="Cambria Math"/>
-                            </a:rPr>
-                            <m:t>𝑥</m:t>
-                          </m:r>
-                        </m:e>
-                        <m:sup>
-                          <m:r>
-                            <a:rPr lang="en-US" altLang="zh-TW" sz="3200" b="0" i="1" smtClean="0">
-                              <a:latin typeface="Cambria Math"/>
-                              <a:ea typeface="Cambria Math"/>
-                            </a:rPr>
-                            <m:t>2</m:t>
-                          </m:r>
-                        </m:sup>
-                      </m:sSup>
-                      <m:r>
-                        <a:rPr lang="en-US" altLang="zh-TW" sz="3200" i="1">
-                          <a:latin typeface="Cambria Math"/>
-                          <a:ea typeface="Cambria Math"/>
-                        </a:rPr>
-                        <m:t>×</m:t>
-                      </m:r>
-                      <m:r>
-                        <a:rPr lang="en-US" altLang="zh-TW" sz="3200" b="0" i="1" smtClean="0">
-                          <a:latin typeface="Cambria Math"/>
-                          <a:ea typeface="Cambria Math"/>
-                        </a:rPr>
-                        <m:t>𝑥</m:t>
-                      </m:r>
-                      <m:r>
-                        <a:rPr lang="en-US" altLang="zh-TW" sz="3200" b="0" i="1" smtClean="0">
-                          <a:latin typeface="Cambria Math"/>
-                          <a:ea typeface="Cambria Math"/>
-                        </a:rPr>
-                        <m:t>×</m:t>
-                      </m:r>
-                      <m:r>
-                        <a:rPr lang="en-US" altLang="zh-TW" sz="3200" b="0" i="1" smtClean="0">
-                          <a:latin typeface="Cambria Math"/>
-                          <a:ea typeface="Cambria Math"/>
-                        </a:rPr>
-                        <m:t>𝑥</m:t>
-                      </m:r>
                     </m:oMath>
                   </m:oMathPara>
                 </a14:m>
-                <a:endParaRPr lang="en-US" altLang="zh-TW" sz="3200" b="0" dirty="0" smtClean="0">
-                  <a:ea typeface="Cambria Math"/>
-                </a:endParaRPr>
+                <a:endParaRPr lang="en-US" altLang="zh-TW" dirty="0" smtClean="0"/>
               </a:p>
             </p:txBody>
           </p:sp>
@@ -6491,19 +6078,20 @@
         <mc:Fallback>
           <p:sp>
             <p:nvSpPr>
-              <p:cNvPr id="3" name="內容版面配置區 2"/>
+              <p:cNvPr id="9" name="流程圖: 接點 8"/>
               <p:cNvSpPr>
-                <a:spLocks noGrp="1" noRot="1" noChangeAspect="1" noMove="1" noResize="1" noEditPoints="1" noAdjustHandles="1" noChangeArrowheads="1" noChangeShapeType="1" noTextEdit="1"/>
+                <a:spLocks noRot="1" noChangeAspect="1" noMove="1" noResize="1" noEditPoints="1" noAdjustHandles="1" noChangeArrowheads="1" noChangeShapeType="1" noTextEdit="1"/>
               </p:cNvSpPr>
-              <p:nvPr>
-                <p:ph idx="1"/>
-              </p:nvPr>
+              <p:nvPr/>
             </p:nvSpPr>
             <p:spPr>
               <a:xfrm>
-                <a:off x="677334" y="2160589"/>
-                <a:ext cx="8765604" cy="3880773"/>
+                <a:off x="4914517" y="1402039"/>
+                <a:ext cx="589086" cy="571500"/>
               </a:xfrm>
+              <a:prstGeom prst="flowChartConnector">
+                <a:avLst/>
+              </a:prstGeom>
               <a:blipFill rotWithShape="1">
                 <a:blip r:embed="rId2"/>
                 <a:stretch>
@@ -6526,6 +6114,1940 @@
           </p:sp>
         </mc:Fallback>
       </mc:AlternateContent>
+      <mc:AlternateContent xmlns:mc="http://schemas.openxmlformats.org/markup-compatibility/2006">
+        <mc:Choice xmlns:a14="http://schemas.microsoft.com/office/drawing/2010/main" Requires="a14">
+          <p:sp>
+            <p:nvSpPr>
+              <p:cNvPr id="12" name="流程圖: 接點 11"/>
+              <p:cNvSpPr/>
+              <p:nvPr/>
+            </p:nvSpPr>
+            <p:spPr>
+              <a:xfrm>
+                <a:off x="3459954" y="2448489"/>
+                <a:ext cx="597877" cy="589085"/>
+              </a:xfrm>
+              <a:prstGeom prst="flowChartConnector">
+                <a:avLst/>
+              </a:prstGeom>
+            </p:spPr>
+            <p:style>
+              <a:lnRef idx="2">
+                <a:schemeClr val="accent1">
+                  <a:shade val="50000"/>
+                </a:schemeClr>
+              </a:lnRef>
+              <a:fillRef idx="1">
+                <a:schemeClr val="accent1"/>
+              </a:fillRef>
+              <a:effectRef idx="0">
+                <a:schemeClr val="accent1"/>
+              </a:effectRef>
+              <a:fontRef idx="minor">
+                <a:schemeClr val="lt1"/>
+              </a:fontRef>
+            </p:style>
+            <p:txBody>
+              <a:bodyPr rtlCol="0" anchor="ctr"/>
+              <a:lstStyle/>
+              <a:p>
+                <a:pPr algn="ctr"/>
+                <a14:m>
+                  <m:oMathPara xmlns:m="http://schemas.openxmlformats.org/officeDocument/2006/math">
+                    <m:oMathParaPr>
+                      <m:jc m:val="centerGroup"/>
+                    </m:oMathParaPr>
+                    <m:oMath xmlns:m="http://schemas.openxmlformats.org/officeDocument/2006/math">
+                      <m:sSup>
+                        <m:sSupPr>
+                          <m:ctrlPr>
+                            <a:rPr lang="en-US" altLang="zh-TW" i="1" smtClean="0">
+                              <a:latin typeface="Cambria Math"/>
+                            </a:rPr>
+                          </m:ctrlPr>
+                        </m:sSupPr>
+                        <m:e>
+                          <m:r>
+                            <a:rPr lang="en-US" altLang="zh-TW" b="0" i="1" smtClean="0">
+                              <a:latin typeface="Cambria Math"/>
+                            </a:rPr>
+                            <m:t>𝑥</m:t>
+                          </m:r>
+                        </m:e>
+                        <m:sup>
+                          <m:r>
+                            <a:rPr lang="en-US" altLang="zh-TW" b="0" i="1" smtClean="0">
+                              <a:latin typeface="Cambria Math"/>
+                            </a:rPr>
+                            <m:t>4</m:t>
+                          </m:r>
+                        </m:sup>
+                      </m:sSup>
+                    </m:oMath>
+                  </m:oMathPara>
+                </a14:m>
+                <a:endParaRPr lang="zh-TW" altLang="en-US" dirty="0"/>
+              </a:p>
+            </p:txBody>
+          </p:sp>
+        </mc:Choice>
+        <mc:Fallback>
+          <p:sp>
+            <p:nvSpPr>
+              <p:cNvPr id="12" name="流程圖: 接點 11"/>
+              <p:cNvSpPr>
+                <a:spLocks noRot="1" noChangeAspect="1" noMove="1" noResize="1" noEditPoints="1" noAdjustHandles="1" noChangeArrowheads="1" noChangeShapeType="1" noTextEdit="1"/>
+              </p:cNvSpPr>
+              <p:nvPr/>
+            </p:nvSpPr>
+            <p:spPr>
+              <a:xfrm>
+                <a:off x="3459954" y="2448489"/>
+                <a:ext cx="597877" cy="589085"/>
+              </a:xfrm>
+              <a:prstGeom prst="flowChartConnector">
+                <a:avLst/>
+              </a:prstGeom>
+              <a:blipFill rotWithShape="1">
+                <a:blip r:embed="rId3"/>
+                <a:stretch>
+                  <a:fillRect/>
+                </a:stretch>
+              </a:blipFill>
+            </p:spPr>
+            <p:txBody>
+              <a:bodyPr/>
+              <a:lstStyle/>
+              <a:p>
+                <a:r>
+                  <a:rPr lang="zh-TW" altLang="en-US">
+                    <a:noFill/>
+                  </a:rPr>
+                  <a:t> </a:t>
+                </a:r>
+              </a:p>
+            </p:txBody>
+          </p:sp>
+        </mc:Fallback>
+      </mc:AlternateContent>
+      <p:cxnSp>
+        <p:nvCxnSpPr>
+          <p:cNvPr id="14" name="直線接點 13"/>
+          <p:cNvCxnSpPr>
+            <a:stCxn id="9" idx="3"/>
+            <a:endCxn id="12" idx="0"/>
+          </p:cNvCxnSpPr>
+          <p:nvPr/>
+        </p:nvCxnSpPr>
+        <p:spPr>
+          <a:xfrm flipH="1">
+            <a:off x="3758893" y="1889845"/>
+            <a:ext cx="1241894" cy="558644"/>
+          </a:xfrm>
+          <a:prstGeom prst="line">
+            <a:avLst/>
+          </a:prstGeom>
+        </p:spPr>
+        <p:style>
+          <a:lnRef idx="1">
+            <a:schemeClr val="accent1"/>
+          </a:lnRef>
+          <a:fillRef idx="0">
+            <a:schemeClr val="accent1"/>
+          </a:fillRef>
+          <a:effectRef idx="0">
+            <a:schemeClr val="accent1"/>
+          </a:effectRef>
+          <a:fontRef idx="minor">
+            <a:schemeClr val="tx1"/>
+          </a:fontRef>
+        </p:style>
+      </p:cxnSp>
+      <mc:AlternateContent xmlns:mc="http://schemas.openxmlformats.org/markup-compatibility/2006">
+        <mc:Choice xmlns:a14="http://schemas.microsoft.com/office/drawing/2010/main" Requires="a14">
+          <p:sp>
+            <p:nvSpPr>
+              <p:cNvPr id="17" name="流程圖: 接點 16"/>
+              <p:cNvSpPr/>
+              <p:nvPr/>
+            </p:nvSpPr>
+            <p:spPr>
+              <a:xfrm>
+                <a:off x="6655385" y="2448490"/>
+                <a:ext cx="597877" cy="589085"/>
+              </a:xfrm>
+              <a:prstGeom prst="flowChartConnector">
+                <a:avLst/>
+              </a:prstGeom>
+            </p:spPr>
+            <p:style>
+              <a:lnRef idx="2">
+                <a:schemeClr val="accent1">
+                  <a:shade val="50000"/>
+                </a:schemeClr>
+              </a:lnRef>
+              <a:fillRef idx="1">
+                <a:schemeClr val="accent1"/>
+              </a:fillRef>
+              <a:effectRef idx="0">
+                <a:schemeClr val="accent1"/>
+              </a:effectRef>
+              <a:fontRef idx="minor">
+                <a:schemeClr val="lt1"/>
+              </a:fontRef>
+            </p:style>
+            <p:txBody>
+              <a:bodyPr rtlCol="0" anchor="ctr"/>
+              <a:lstStyle/>
+              <a:p>
+                <a:pPr algn="ctr"/>
+                <a14:m>
+                  <m:oMathPara xmlns:m="http://schemas.openxmlformats.org/officeDocument/2006/math">
+                    <m:oMathParaPr>
+                      <m:jc m:val="centerGroup"/>
+                    </m:oMathParaPr>
+                    <m:oMath xmlns:m="http://schemas.openxmlformats.org/officeDocument/2006/math">
+                      <m:sSup>
+                        <m:sSupPr>
+                          <m:ctrlPr>
+                            <a:rPr lang="en-US" altLang="zh-TW" i="1" smtClean="0">
+                              <a:latin typeface="Cambria Math"/>
+                            </a:rPr>
+                          </m:ctrlPr>
+                        </m:sSupPr>
+                        <m:e>
+                          <m:r>
+                            <a:rPr lang="en-US" altLang="zh-TW" b="0" i="1" smtClean="0">
+                              <a:latin typeface="Cambria Math"/>
+                            </a:rPr>
+                            <m:t>𝑥</m:t>
+                          </m:r>
+                        </m:e>
+                        <m:sup>
+                          <m:r>
+                            <a:rPr lang="en-US" altLang="zh-TW" b="0" i="1" smtClean="0">
+                              <a:latin typeface="Cambria Math"/>
+                            </a:rPr>
+                            <m:t>4</m:t>
+                          </m:r>
+                        </m:sup>
+                      </m:sSup>
+                    </m:oMath>
+                  </m:oMathPara>
+                </a14:m>
+                <a:endParaRPr lang="zh-TW" altLang="en-US" dirty="0"/>
+              </a:p>
+            </p:txBody>
+          </p:sp>
+        </mc:Choice>
+        <mc:Fallback>
+          <p:sp>
+            <p:nvSpPr>
+              <p:cNvPr id="17" name="流程圖: 接點 16"/>
+              <p:cNvSpPr>
+                <a:spLocks noRot="1" noChangeAspect="1" noMove="1" noResize="1" noEditPoints="1" noAdjustHandles="1" noChangeArrowheads="1" noChangeShapeType="1" noTextEdit="1"/>
+              </p:cNvSpPr>
+              <p:nvPr/>
+            </p:nvSpPr>
+            <p:spPr>
+              <a:xfrm>
+                <a:off x="6655385" y="2448490"/>
+                <a:ext cx="597877" cy="589085"/>
+              </a:xfrm>
+              <a:prstGeom prst="flowChartConnector">
+                <a:avLst/>
+              </a:prstGeom>
+              <a:blipFill rotWithShape="1">
+                <a:blip r:embed="rId4"/>
+                <a:stretch>
+                  <a:fillRect/>
+                </a:stretch>
+              </a:blipFill>
+            </p:spPr>
+            <p:txBody>
+              <a:bodyPr/>
+              <a:lstStyle/>
+              <a:p>
+                <a:r>
+                  <a:rPr lang="zh-TW" altLang="en-US">
+                    <a:noFill/>
+                  </a:rPr>
+                  <a:t> </a:t>
+                </a:r>
+              </a:p>
+            </p:txBody>
+          </p:sp>
+        </mc:Fallback>
+      </mc:AlternateContent>
+      <p:cxnSp>
+        <p:nvCxnSpPr>
+          <p:cNvPr id="19" name="直線接點 18"/>
+          <p:cNvCxnSpPr>
+            <a:stCxn id="9" idx="5"/>
+            <a:endCxn id="17" idx="0"/>
+          </p:cNvCxnSpPr>
+          <p:nvPr/>
+        </p:nvCxnSpPr>
+        <p:spPr>
+          <a:xfrm>
+            <a:off x="5417333" y="1889845"/>
+            <a:ext cx="1536991" cy="558645"/>
+          </a:xfrm>
+          <a:prstGeom prst="line">
+            <a:avLst/>
+          </a:prstGeom>
+        </p:spPr>
+        <p:style>
+          <a:lnRef idx="1">
+            <a:schemeClr val="accent1"/>
+          </a:lnRef>
+          <a:fillRef idx="0">
+            <a:schemeClr val="accent1"/>
+          </a:fillRef>
+          <a:effectRef idx="0">
+            <a:schemeClr val="accent1"/>
+          </a:effectRef>
+          <a:fontRef idx="minor">
+            <a:schemeClr val="tx1"/>
+          </a:fontRef>
+        </p:style>
+      </p:cxnSp>
+      <mc:AlternateContent xmlns:mc="http://schemas.openxmlformats.org/markup-compatibility/2006">
+        <mc:Choice xmlns:a14="http://schemas.microsoft.com/office/drawing/2010/main" Requires="a14">
+          <p:sp>
+            <p:nvSpPr>
+              <p:cNvPr id="20" name="流程圖: 接點 19"/>
+              <p:cNvSpPr/>
+              <p:nvPr/>
+            </p:nvSpPr>
+            <p:spPr>
+              <a:xfrm>
+                <a:off x="2523020" y="3651778"/>
+                <a:ext cx="589086" cy="589086"/>
+              </a:xfrm>
+              <a:prstGeom prst="flowChartConnector">
+                <a:avLst/>
+              </a:prstGeom>
+            </p:spPr>
+            <p:style>
+              <a:lnRef idx="2">
+                <a:schemeClr val="accent1">
+                  <a:shade val="50000"/>
+                </a:schemeClr>
+              </a:lnRef>
+              <a:fillRef idx="1">
+                <a:schemeClr val="accent1"/>
+              </a:fillRef>
+              <a:effectRef idx="0">
+                <a:schemeClr val="accent1"/>
+              </a:effectRef>
+              <a:fontRef idx="minor">
+                <a:schemeClr val="lt1"/>
+              </a:fontRef>
+            </p:style>
+            <p:txBody>
+              <a:bodyPr rtlCol="0" anchor="ctr"/>
+              <a:lstStyle/>
+              <a:p>
+                <a:pPr algn="ctr"/>
+                <a14:m>
+                  <m:oMathPara xmlns:m="http://schemas.openxmlformats.org/officeDocument/2006/math">
+                    <m:oMathParaPr>
+                      <m:jc m:val="centerGroup"/>
+                    </m:oMathParaPr>
+                    <m:oMath xmlns:m="http://schemas.openxmlformats.org/officeDocument/2006/math">
+                      <m:sSup>
+                        <m:sSupPr>
+                          <m:ctrlPr>
+                            <a:rPr lang="en-US" altLang="zh-TW" i="1" smtClean="0">
+                              <a:latin typeface="Cambria Math"/>
+                            </a:rPr>
+                          </m:ctrlPr>
+                        </m:sSupPr>
+                        <m:e>
+                          <m:r>
+                            <a:rPr lang="en-US" altLang="zh-TW" i="1">
+                              <a:latin typeface="Cambria Math"/>
+                            </a:rPr>
+                            <m:t>𝑥</m:t>
+                          </m:r>
+                        </m:e>
+                        <m:sup>
+                          <m:r>
+                            <a:rPr lang="en-US" altLang="zh-TW" b="0" i="1" smtClean="0">
+                              <a:latin typeface="Cambria Math"/>
+                            </a:rPr>
+                            <m:t>2</m:t>
+                          </m:r>
+                        </m:sup>
+                      </m:sSup>
+                    </m:oMath>
+                  </m:oMathPara>
+                </a14:m>
+                <a:endParaRPr lang="zh-TW" altLang="en-US" dirty="0"/>
+              </a:p>
+            </p:txBody>
+          </p:sp>
+        </mc:Choice>
+        <mc:Fallback>
+          <p:sp>
+            <p:nvSpPr>
+              <p:cNvPr id="20" name="流程圖: 接點 19"/>
+              <p:cNvSpPr>
+                <a:spLocks noRot="1" noChangeAspect="1" noMove="1" noResize="1" noEditPoints="1" noAdjustHandles="1" noChangeArrowheads="1" noChangeShapeType="1" noTextEdit="1"/>
+              </p:cNvSpPr>
+              <p:nvPr/>
+            </p:nvSpPr>
+            <p:spPr>
+              <a:xfrm>
+                <a:off x="2523020" y="3651778"/>
+                <a:ext cx="589086" cy="589086"/>
+              </a:xfrm>
+              <a:prstGeom prst="flowChartConnector">
+                <a:avLst/>
+              </a:prstGeom>
+              <a:blipFill rotWithShape="1">
+                <a:blip r:embed="rId5"/>
+                <a:stretch>
+                  <a:fillRect/>
+                </a:stretch>
+              </a:blipFill>
+            </p:spPr>
+            <p:txBody>
+              <a:bodyPr/>
+              <a:lstStyle/>
+              <a:p>
+                <a:r>
+                  <a:rPr lang="zh-TW" altLang="en-US">
+                    <a:noFill/>
+                  </a:rPr>
+                  <a:t> </a:t>
+                </a:r>
+              </a:p>
+            </p:txBody>
+          </p:sp>
+        </mc:Fallback>
+      </mc:AlternateContent>
+      <p:cxnSp>
+        <p:nvCxnSpPr>
+          <p:cNvPr id="22" name="直線接點 21"/>
+          <p:cNvCxnSpPr>
+            <a:stCxn id="20" idx="0"/>
+            <a:endCxn id="12" idx="3"/>
+          </p:cNvCxnSpPr>
+          <p:nvPr/>
+        </p:nvCxnSpPr>
+        <p:spPr>
+          <a:xfrm flipV="1">
+            <a:off x="2817563" y="2951304"/>
+            <a:ext cx="729948" cy="700474"/>
+          </a:xfrm>
+          <a:prstGeom prst="line">
+            <a:avLst/>
+          </a:prstGeom>
+        </p:spPr>
+        <p:style>
+          <a:lnRef idx="1">
+            <a:schemeClr val="accent1"/>
+          </a:lnRef>
+          <a:fillRef idx="0">
+            <a:schemeClr val="accent1"/>
+          </a:fillRef>
+          <a:effectRef idx="0">
+            <a:schemeClr val="accent1"/>
+          </a:effectRef>
+          <a:fontRef idx="minor">
+            <a:schemeClr val="tx1"/>
+          </a:fontRef>
+        </p:style>
+      </p:cxnSp>
+      <mc:AlternateContent xmlns:mc="http://schemas.openxmlformats.org/markup-compatibility/2006">
+        <mc:Choice xmlns:a14="http://schemas.microsoft.com/office/drawing/2010/main" Requires="a14">
+          <p:sp>
+            <p:nvSpPr>
+              <p:cNvPr id="23" name="流程圖: 接點 22"/>
+              <p:cNvSpPr/>
+              <p:nvPr/>
+            </p:nvSpPr>
+            <p:spPr>
+              <a:xfrm>
+                <a:off x="4307463" y="3651778"/>
+                <a:ext cx="589086" cy="589086"/>
+              </a:xfrm>
+              <a:prstGeom prst="flowChartConnector">
+                <a:avLst/>
+              </a:prstGeom>
+            </p:spPr>
+            <p:style>
+              <a:lnRef idx="2">
+                <a:schemeClr val="accent1">
+                  <a:shade val="50000"/>
+                </a:schemeClr>
+              </a:lnRef>
+              <a:fillRef idx="1">
+                <a:schemeClr val="accent1"/>
+              </a:fillRef>
+              <a:effectRef idx="0">
+                <a:schemeClr val="accent1"/>
+              </a:effectRef>
+              <a:fontRef idx="minor">
+                <a:schemeClr val="lt1"/>
+              </a:fontRef>
+            </p:style>
+            <p:txBody>
+              <a:bodyPr rtlCol="0" anchor="ctr"/>
+              <a:lstStyle/>
+              <a:p>
+                <a:pPr algn="ctr"/>
+                <a14:m>
+                  <m:oMathPara xmlns:m="http://schemas.openxmlformats.org/officeDocument/2006/math">
+                    <m:oMathParaPr>
+                      <m:jc m:val="centerGroup"/>
+                    </m:oMathParaPr>
+                    <m:oMath xmlns:m="http://schemas.openxmlformats.org/officeDocument/2006/math">
+                      <m:sSup>
+                        <m:sSupPr>
+                          <m:ctrlPr>
+                            <a:rPr lang="en-US" altLang="zh-TW" i="1" smtClean="0">
+                              <a:latin typeface="Cambria Math"/>
+                            </a:rPr>
+                          </m:ctrlPr>
+                        </m:sSupPr>
+                        <m:e>
+                          <m:r>
+                            <a:rPr lang="en-US" altLang="zh-TW" b="0" i="1" smtClean="0">
+                              <a:latin typeface="Cambria Math"/>
+                            </a:rPr>
+                            <m:t>𝑥</m:t>
+                          </m:r>
+                        </m:e>
+                        <m:sup>
+                          <m:r>
+                            <a:rPr lang="en-US" altLang="zh-TW" b="0" i="1" smtClean="0">
+                              <a:latin typeface="Cambria Math"/>
+                            </a:rPr>
+                            <m:t>2</m:t>
+                          </m:r>
+                        </m:sup>
+                      </m:sSup>
+                    </m:oMath>
+                  </m:oMathPara>
+                </a14:m>
+                <a:endParaRPr lang="zh-TW" altLang="en-US" dirty="0"/>
+              </a:p>
+            </p:txBody>
+          </p:sp>
+        </mc:Choice>
+        <mc:Fallback>
+          <p:sp>
+            <p:nvSpPr>
+              <p:cNvPr id="23" name="流程圖: 接點 22"/>
+              <p:cNvSpPr>
+                <a:spLocks noRot="1" noChangeAspect="1" noMove="1" noResize="1" noEditPoints="1" noAdjustHandles="1" noChangeArrowheads="1" noChangeShapeType="1" noTextEdit="1"/>
+              </p:cNvSpPr>
+              <p:nvPr/>
+            </p:nvSpPr>
+            <p:spPr>
+              <a:xfrm>
+                <a:off x="4307463" y="3651778"/>
+                <a:ext cx="589086" cy="589086"/>
+              </a:xfrm>
+              <a:prstGeom prst="flowChartConnector">
+                <a:avLst/>
+              </a:prstGeom>
+              <a:blipFill rotWithShape="1">
+                <a:blip r:embed="rId6"/>
+                <a:stretch>
+                  <a:fillRect/>
+                </a:stretch>
+              </a:blipFill>
+            </p:spPr>
+            <p:txBody>
+              <a:bodyPr/>
+              <a:lstStyle/>
+              <a:p>
+                <a:r>
+                  <a:rPr lang="zh-TW" altLang="en-US">
+                    <a:noFill/>
+                  </a:rPr>
+                  <a:t> </a:t>
+                </a:r>
+              </a:p>
+            </p:txBody>
+          </p:sp>
+        </mc:Fallback>
+      </mc:AlternateContent>
+      <p:cxnSp>
+        <p:nvCxnSpPr>
+          <p:cNvPr id="24" name="直線接點 23"/>
+          <p:cNvCxnSpPr>
+            <a:stCxn id="23" idx="0"/>
+            <a:endCxn id="12" idx="5"/>
+          </p:cNvCxnSpPr>
+          <p:nvPr/>
+        </p:nvCxnSpPr>
+        <p:spPr>
+          <a:xfrm flipH="1" flipV="1">
+            <a:off x="3970274" y="2951304"/>
+            <a:ext cx="631732" cy="700474"/>
+          </a:xfrm>
+          <a:prstGeom prst="line">
+            <a:avLst/>
+          </a:prstGeom>
+        </p:spPr>
+        <p:style>
+          <a:lnRef idx="1">
+            <a:schemeClr val="accent1"/>
+          </a:lnRef>
+          <a:fillRef idx="0">
+            <a:schemeClr val="accent1"/>
+          </a:fillRef>
+          <a:effectRef idx="0">
+            <a:schemeClr val="accent1"/>
+          </a:effectRef>
+          <a:fontRef idx="minor">
+            <a:schemeClr val="tx1"/>
+          </a:fontRef>
+        </p:style>
+      </p:cxnSp>
+      <mc:AlternateContent xmlns:mc="http://schemas.openxmlformats.org/markup-compatibility/2006">
+        <mc:Choice xmlns:a14="http://schemas.microsoft.com/office/drawing/2010/main" Requires="a14">
+          <p:sp>
+            <p:nvSpPr>
+              <p:cNvPr id="28" name="流程圖: 接點 27"/>
+              <p:cNvSpPr/>
+              <p:nvPr/>
+            </p:nvSpPr>
+            <p:spPr>
+              <a:xfrm>
+                <a:off x="5785141" y="3651778"/>
+                <a:ext cx="589086" cy="589086"/>
+              </a:xfrm>
+              <a:prstGeom prst="flowChartConnector">
+                <a:avLst/>
+              </a:prstGeom>
+            </p:spPr>
+            <p:style>
+              <a:lnRef idx="2">
+                <a:schemeClr val="accent1">
+                  <a:shade val="50000"/>
+                </a:schemeClr>
+              </a:lnRef>
+              <a:fillRef idx="1">
+                <a:schemeClr val="accent1"/>
+              </a:fillRef>
+              <a:effectRef idx="0">
+                <a:schemeClr val="accent1"/>
+              </a:effectRef>
+              <a:fontRef idx="minor">
+                <a:schemeClr val="lt1"/>
+              </a:fontRef>
+            </p:style>
+            <p:txBody>
+              <a:bodyPr rtlCol="0" anchor="ctr"/>
+              <a:lstStyle/>
+              <a:p>
+                <a:pPr algn="ctr"/>
+                <a14:m>
+                  <m:oMathPara xmlns:m="http://schemas.openxmlformats.org/officeDocument/2006/math">
+                    <m:oMathParaPr>
+                      <m:jc m:val="centerGroup"/>
+                    </m:oMathParaPr>
+                    <m:oMath xmlns:m="http://schemas.openxmlformats.org/officeDocument/2006/math">
+                      <m:sSup>
+                        <m:sSupPr>
+                          <m:ctrlPr>
+                            <a:rPr lang="en-US" altLang="zh-TW" i="1" smtClean="0">
+                              <a:latin typeface="Cambria Math"/>
+                            </a:rPr>
+                          </m:ctrlPr>
+                        </m:sSupPr>
+                        <m:e>
+                          <m:r>
+                            <a:rPr lang="en-US" altLang="zh-TW" b="0" i="1" smtClean="0">
+                              <a:latin typeface="Cambria Math"/>
+                            </a:rPr>
+                            <m:t>𝑥</m:t>
+                          </m:r>
+                        </m:e>
+                        <m:sup>
+                          <m:r>
+                            <a:rPr lang="en-US" altLang="zh-TW" b="0" i="1" smtClean="0">
+                              <a:latin typeface="Cambria Math"/>
+                            </a:rPr>
+                            <m:t>2</m:t>
+                          </m:r>
+                        </m:sup>
+                      </m:sSup>
+                    </m:oMath>
+                  </m:oMathPara>
+                </a14:m>
+                <a:endParaRPr lang="zh-TW" altLang="en-US" dirty="0"/>
+              </a:p>
+            </p:txBody>
+          </p:sp>
+        </mc:Choice>
+        <mc:Fallback>
+          <p:sp>
+            <p:nvSpPr>
+              <p:cNvPr id="28" name="流程圖: 接點 27"/>
+              <p:cNvSpPr>
+                <a:spLocks noRot="1" noChangeAspect="1" noMove="1" noResize="1" noEditPoints="1" noAdjustHandles="1" noChangeArrowheads="1" noChangeShapeType="1" noTextEdit="1"/>
+              </p:cNvSpPr>
+              <p:nvPr/>
+            </p:nvSpPr>
+            <p:spPr>
+              <a:xfrm>
+                <a:off x="5785141" y="3651778"/>
+                <a:ext cx="589086" cy="589086"/>
+              </a:xfrm>
+              <a:prstGeom prst="flowChartConnector">
+                <a:avLst/>
+              </a:prstGeom>
+              <a:blipFill rotWithShape="1">
+                <a:blip r:embed="rId7"/>
+                <a:stretch>
+                  <a:fillRect/>
+                </a:stretch>
+              </a:blipFill>
+            </p:spPr>
+            <p:txBody>
+              <a:bodyPr/>
+              <a:lstStyle/>
+              <a:p>
+                <a:r>
+                  <a:rPr lang="zh-TW" altLang="en-US">
+                    <a:noFill/>
+                  </a:rPr>
+                  <a:t> </a:t>
+                </a:r>
+              </a:p>
+            </p:txBody>
+          </p:sp>
+        </mc:Fallback>
+      </mc:AlternateContent>
+      <p:cxnSp>
+        <p:nvCxnSpPr>
+          <p:cNvPr id="29" name="直線接點 28"/>
+          <p:cNvCxnSpPr>
+            <a:stCxn id="28" idx="0"/>
+            <a:endCxn id="17" idx="3"/>
+          </p:cNvCxnSpPr>
+          <p:nvPr/>
+        </p:nvCxnSpPr>
+        <p:spPr>
+          <a:xfrm flipV="1">
+            <a:off x="6079684" y="2951305"/>
+            <a:ext cx="663258" cy="700473"/>
+          </a:xfrm>
+          <a:prstGeom prst="line">
+            <a:avLst/>
+          </a:prstGeom>
+        </p:spPr>
+        <p:style>
+          <a:lnRef idx="1">
+            <a:schemeClr val="accent1"/>
+          </a:lnRef>
+          <a:fillRef idx="0">
+            <a:schemeClr val="accent1"/>
+          </a:fillRef>
+          <a:effectRef idx="0">
+            <a:schemeClr val="accent1"/>
+          </a:effectRef>
+          <a:fontRef idx="minor">
+            <a:schemeClr val="tx1"/>
+          </a:fontRef>
+        </p:style>
+      </p:cxnSp>
+      <mc:AlternateContent xmlns:mc="http://schemas.openxmlformats.org/markup-compatibility/2006">
+        <mc:Choice xmlns:a14="http://schemas.microsoft.com/office/drawing/2010/main" Requires="a14">
+          <p:sp>
+            <p:nvSpPr>
+              <p:cNvPr id="30" name="流程圖: 接點 29"/>
+              <p:cNvSpPr/>
+              <p:nvPr/>
+            </p:nvSpPr>
+            <p:spPr>
+              <a:xfrm>
+                <a:off x="7602300" y="3651778"/>
+                <a:ext cx="589086" cy="589086"/>
+              </a:xfrm>
+              <a:prstGeom prst="flowChartConnector">
+                <a:avLst/>
+              </a:prstGeom>
+            </p:spPr>
+            <p:style>
+              <a:lnRef idx="2">
+                <a:schemeClr val="accent1">
+                  <a:shade val="50000"/>
+                </a:schemeClr>
+              </a:lnRef>
+              <a:fillRef idx="1">
+                <a:schemeClr val="accent1"/>
+              </a:fillRef>
+              <a:effectRef idx="0">
+                <a:schemeClr val="accent1"/>
+              </a:effectRef>
+              <a:fontRef idx="minor">
+                <a:schemeClr val="lt1"/>
+              </a:fontRef>
+            </p:style>
+            <p:txBody>
+              <a:bodyPr rtlCol="0" anchor="ctr"/>
+              <a:lstStyle/>
+              <a:p>
+                <a:pPr algn="ctr"/>
+                <a14:m>
+                  <m:oMathPara xmlns:m="http://schemas.openxmlformats.org/officeDocument/2006/math">
+                    <m:oMathParaPr>
+                      <m:jc m:val="centerGroup"/>
+                    </m:oMathParaPr>
+                    <m:oMath xmlns:m="http://schemas.openxmlformats.org/officeDocument/2006/math">
+                      <m:sSup>
+                        <m:sSupPr>
+                          <m:ctrlPr>
+                            <a:rPr lang="en-US" altLang="zh-TW" i="1" smtClean="0">
+                              <a:latin typeface="Cambria Math"/>
+                            </a:rPr>
+                          </m:ctrlPr>
+                        </m:sSupPr>
+                        <m:e>
+                          <m:r>
+                            <a:rPr lang="en-US" altLang="zh-TW" b="0" i="1" smtClean="0">
+                              <a:latin typeface="Cambria Math"/>
+                            </a:rPr>
+                            <m:t>𝑥</m:t>
+                          </m:r>
+                        </m:e>
+                        <m:sup>
+                          <m:r>
+                            <a:rPr lang="en-US" altLang="zh-TW" b="0" i="1" smtClean="0">
+                              <a:latin typeface="Cambria Math"/>
+                            </a:rPr>
+                            <m:t>2</m:t>
+                          </m:r>
+                        </m:sup>
+                      </m:sSup>
+                    </m:oMath>
+                  </m:oMathPara>
+                </a14:m>
+                <a:endParaRPr lang="zh-TW" altLang="en-US" dirty="0"/>
+              </a:p>
+            </p:txBody>
+          </p:sp>
+        </mc:Choice>
+        <mc:Fallback>
+          <p:sp>
+            <p:nvSpPr>
+              <p:cNvPr id="30" name="流程圖: 接點 29"/>
+              <p:cNvSpPr>
+                <a:spLocks noRot="1" noChangeAspect="1" noMove="1" noResize="1" noEditPoints="1" noAdjustHandles="1" noChangeArrowheads="1" noChangeShapeType="1" noTextEdit="1"/>
+              </p:cNvSpPr>
+              <p:nvPr/>
+            </p:nvSpPr>
+            <p:spPr>
+              <a:xfrm>
+                <a:off x="7602300" y="3651778"/>
+                <a:ext cx="589086" cy="589086"/>
+              </a:xfrm>
+              <a:prstGeom prst="flowChartConnector">
+                <a:avLst/>
+              </a:prstGeom>
+              <a:blipFill rotWithShape="1">
+                <a:blip r:embed="rId8"/>
+                <a:stretch>
+                  <a:fillRect/>
+                </a:stretch>
+              </a:blipFill>
+            </p:spPr>
+            <p:txBody>
+              <a:bodyPr/>
+              <a:lstStyle/>
+              <a:p>
+                <a:r>
+                  <a:rPr lang="zh-TW" altLang="en-US">
+                    <a:noFill/>
+                  </a:rPr>
+                  <a:t> </a:t>
+                </a:r>
+              </a:p>
+            </p:txBody>
+          </p:sp>
+        </mc:Fallback>
+      </mc:AlternateContent>
+      <p:cxnSp>
+        <p:nvCxnSpPr>
+          <p:cNvPr id="31" name="直線接點 30"/>
+          <p:cNvCxnSpPr>
+            <a:stCxn id="30" idx="0"/>
+            <a:endCxn id="17" idx="5"/>
+          </p:cNvCxnSpPr>
+          <p:nvPr/>
+        </p:nvCxnSpPr>
+        <p:spPr>
+          <a:xfrm flipH="1" flipV="1">
+            <a:off x="7165705" y="2951305"/>
+            <a:ext cx="731138" cy="700473"/>
+          </a:xfrm>
+          <a:prstGeom prst="line">
+            <a:avLst/>
+          </a:prstGeom>
+        </p:spPr>
+        <p:style>
+          <a:lnRef idx="1">
+            <a:schemeClr val="accent1"/>
+          </a:lnRef>
+          <a:fillRef idx="0">
+            <a:schemeClr val="accent1"/>
+          </a:fillRef>
+          <a:effectRef idx="0">
+            <a:schemeClr val="accent1"/>
+          </a:effectRef>
+          <a:fontRef idx="minor">
+            <a:schemeClr val="tx1"/>
+          </a:fontRef>
+        </p:style>
+      </p:cxnSp>
+      <mc:AlternateContent xmlns:mc="http://schemas.openxmlformats.org/markup-compatibility/2006">
+        <mc:Choice xmlns:a14="http://schemas.microsoft.com/office/drawing/2010/main" Requires="a14">
+          <p:sp>
+            <p:nvSpPr>
+              <p:cNvPr id="39" name="流程圖: 接點 38"/>
+              <p:cNvSpPr/>
+              <p:nvPr/>
+            </p:nvSpPr>
+            <p:spPr>
+              <a:xfrm>
+                <a:off x="3837059" y="4976112"/>
+                <a:ext cx="589086" cy="589086"/>
+              </a:xfrm>
+              <a:prstGeom prst="flowChartConnector">
+                <a:avLst/>
+              </a:prstGeom>
+            </p:spPr>
+            <p:style>
+              <a:lnRef idx="2">
+                <a:schemeClr val="accent1">
+                  <a:shade val="50000"/>
+                </a:schemeClr>
+              </a:lnRef>
+              <a:fillRef idx="1">
+                <a:schemeClr val="accent1"/>
+              </a:fillRef>
+              <a:effectRef idx="0">
+                <a:schemeClr val="accent1"/>
+              </a:effectRef>
+              <a:fontRef idx="minor">
+                <a:schemeClr val="lt1"/>
+              </a:fontRef>
+            </p:style>
+            <p:txBody>
+              <a:bodyPr rtlCol="0" anchor="ctr"/>
+              <a:lstStyle/>
+              <a:p>
+                <a:pPr algn="ctr"/>
+                <a14:m>
+                  <m:oMathPara xmlns:m="http://schemas.openxmlformats.org/officeDocument/2006/math">
+                    <m:oMathParaPr>
+                      <m:jc m:val="centerGroup"/>
+                    </m:oMathParaPr>
+                    <m:oMath xmlns:m="http://schemas.openxmlformats.org/officeDocument/2006/math">
+                      <m:r>
+                        <a:rPr lang="en-US" altLang="zh-TW" i="1" smtClean="0">
+                          <a:latin typeface="Cambria Math"/>
+                        </a:rPr>
+                        <m:t>𝑥</m:t>
+                      </m:r>
+                    </m:oMath>
+                  </m:oMathPara>
+                </a14:m>
+                <a:endParaRPr lang="zh-TW" altLang="en-US" dirty="0"/>
+              </a:p>
+            </p:txBody>
+          </p:sp>
+        </mc:Choice>
+        <mc:Fallback>
+          <p:sp>
+            <p:nvSpPr>
+              <p:cNvPr id="39" name="流程圖: 接點 38"/>
+              <p:cNvSpPr>
+                <a:spLocks noRot="1" noChangeAspect="1" noMove="1" noResize="1" noEditPoints="1" noAdjustHandles="1" noChangeArrowheads="1" noChangeShapeType="1" noTextEdit="1"/>
+              </p:cNvSpPr>
+              <p:nvPr/>
+            </p:nvSpPr>
+            <p:spPr>
+              <a:xfrm>
+                <a:off x="3837059" y="4976112"/>
+                <a:ext cx="589086" cy="589086"/>
+              </a:xfrm>
+              <a:prstGeom prst="flowChartConnector">
+                <a:avLst/>
+              </a:prstGeom>
+              <a:blipFill rotWithShape="1">
+                <a:blip r:embed="rId9"/>
+                <a:stretch>
+                  <a:fillRect/>
+                </a:stretch>
+              </a:blipFill>
+            </p:spPr>
+            <p:txBody>
+              <a:bodyPr/>
+              <a:lstStyle/>
+              <a:p>
+                <a:r>
+                  <a:rPr lang="zh-TW" altLang="en-US">
+                    <a:noFill/>
+                  </a:rPr>
+                  <a:t> </a:t>
+                </a:r>
+              </a:p>
+            </p:txBody>
+          </p:sp>
+        </mc:Fallback>
+      </mc:AlternateContent>
+      <mc:AlternateContent xmlns:mc="http://schemas.openxmlformats.org/markup-compatibility/2006">
+        <mc:Choice xmlns:a14="http://schemas.microsoft.com/office/drawing/2010/main" Requires="a14">
+          <p:sp>
+            <p:nvSpPr>
+              <p:cNvPr id="40" name="流程圖: 接點 39"/>
+              <p:cNvSpPr/>
+              <p:nvPr/>
+            </p:nvSpPr>
+            <p:spPr>
+              <a:xfrm>
+                <a:off x="1933934" y="4976112"/>
+                <a:ext cx="589086" cy="589086"/>
+              </a:xfrm>
+              <a:prstGeom prst="flowChartConnector">
+                <a:avLst/>
+              </a:prstGeom>
+            </p:spPr>
+            <p:style>
+              <a:lnRef idx="2">
+                <a:schemeClr val="accent1">
+                  <a:shade val="50000"/>
+                </a:schemeClr>
+              </a:lnRef>
+              <a:fillRef idx="1">
+                <a:schemeClr val="accent1"/>
+              </a:fillRef>
+              <a:effectRef idx="0">
+                <a:schemeClr val="accent1"/>
+              </a:effectRef>
+              <a:fontRef idx="minor">
+                <a:schemeClr val="lt1"/>
+              </a:fontRef>
+            </p:style>
+            <p:txBody>
+              <a:bodyPr rtlCol="0" anchor="ctr"/>
+              <a:lstStyle/>
+              <a:p>
+                <a:pPr algn="ctr"/>
+                <a14:m>
+                  <m:oMathPara xmlns:m="http://schemas.openxmlformats.org/officeDocument/2006/math">
+                    <m:oMathParaPr>
+                      <m:jc m:val="centerGroup"/>
+                    </m:oMathParaPr>
+                    <m:oMath xmlns:m="http://schemas.openxmlformats.org/officeDocument/2006/math">
+                      <m:r>
+                        <a:rPr lang="en-US" altLang="zh-TW" i="1" smtClean="0">
+                          <a:latin typeface="Cambria Math"/>
+                        </a:rPr>
+                        <m:t>𝑥</m:t>
+                      </m:r>
+                    </m:oMath>
+                  </m:oMathPara>
+                </a14:m>
+                <a:endParaRPr lang="zh-TW" altLang="en-US" dirty="0"/>
+              </a:p>
+            </p:txBody>
+          </p:sp>
+        </mc:Choice>
+        <mc:Fallback>
+          <p:sp>
+            <p:nvSpPr>
+              <p:cNvPr id="40" name="流程圖: 接點 39"/>
+              <p:cNvSpPr>
+                <a:spLocks noRot="1" noChangeAspect="1" noMove="1" noResize="1" noEditPoints="1" noAdjustHandles="1" noChangeArrowheads="1" noChangeShapeType="1" noTextEdit="1"/>
+              </p:cNvSpPr>
+              <p:nvPr/>
+            </p:nvSpPr>
+            <p:spPr>
+              <a:xfrm>
+                <a:off x="1933934" y="4976112"/>
+                <a:ext cx="589086" cy="589086"/>
+              </a:xfrm>
+              <a:prstGeom prst="flowChartConnector">
+                <a:avLst/>
+              </a:prstGeom>
+              <a:blipFill rotWithShape="1">
+                <a:blip r:embed="rId10"/>
+                <a:stretch>
+                  <a:fillRect/>
+                </a:stretch>
+              </a:blipFill>
+            </p:spPr>
+            <p:txBody>
+              <a:bodyPr/>
+              <a:lstStyle/>
+              <a:p>
+                <a:r>
+                  <a:rPr lang="zh-TW" altLang="en-US">
+                    <a:noFill/>
+                  </a:rPr>
+                  <a:t> </a:t>
+                </a:r>
+              </a:p>
+            </p:txBody>
+          </p:sp>
+        </mc:Fallback>
+      </mc:AlternateContent>
+      <mc:AlternateContent xmlns:mc="http://schemas.openxmlformats.org/markup-compatibility/2006">
+        <mc:Choice xmlns:a14="http://schemas.microsoft.com/office/drawing/2010/main" Requires="a14">
+          <p:sp>
+            <p:nvSpPr>
+              <p:cNvPr id="41" name="流程圖: 接點 40"/>
+              <p:cNvSpPr/>
+              <p:nvPr/>
+            </p:nvSpPr>
+            <p:spPr>
+              <a:xfrm>
+                <a:off x="2958425" y="4976112"/>
+                <a:ext cx="589086" cy="589086"/>
+              </a:xfrm>
+              <a:prstGeom prst="flowChartConnector">
+                <a:avLst/>
+              </a:prstGeom>
+            </p:spPr>
+            <p:style>
+              <a:lnRef idx="2">
+                <a:schemeClr val="accent1">
+                  <a:shade val="50000"/>
+                </a:schemeClr>
+              </a:lnRef>
+              <a:fillRef idx="1">
+                <a:schemeClr val="accent1"/>
+              </a:fillRef>
+              <a:effectRef idx="0">
+                <a:schemeClr val="accent1"/>
+              </a:effectRef>
+              <a:fontRef idx="minor">
+                <a:schemeClr val="lt1"/>
+              </a:fontRef>
+            </p:style>
+            <p:txBody>
+              <a:bodyPr rtlCol="0" anchor="ctr"/>
+              <a:lstStyle/>
+              <a:p>
+                <a:pPr algn="ctr"/>
+                <a14:m>
+                  <m:oMathPara xmlns:m="http://schemas.openxmlformats.org/officeDocument/2006/math">
+                    <m:oMathParaPr>
+                      <m:jc m:val="centerGroup"/>
+                    </m:oMathParaPr>
+                    <m:oMath xmlns:m="http://schemas.openxmlformats.org/officeDocument/2006/math">
+                      <m:r>
+                        <a:rPr lang="en-US" altLang="zh-TW" i="1" smtClean="0">
+                          <a:latin typeface="Cambria Math"/>
+                        </a:rPr>
+                        <m:t>𝑥</m:t>
+                      </m:r>
+                    </m:oMath>
+                  </m:oMathPara>
+                </a14:m>
+                <a:endParaRPr lang="zh-TW" altLang="en-US" dirty="0"/>
+              </a:p>
+            </p:txBody>
+          </p:sp>
+        </mc:Choice>
+        <mc:Fallback>
+          <p:sp>
+            <p:nvSpPr>
+              <p:cNvPr id="41" name="流程圖: 接點 40"/>
+              <p:cNvSpPr>
+                <a:spLocks noRot="1" noChangeAspect="1" noMove="1" noResize="1" noEditPoints="1" noAdjustHandles="1" noChangeArrowheads="1" noChangeShapeType="1" noTextEdit="1"/>
+              </p:cNvSpPr>
+              <p:nvPr/>
+            </p:nvSpPr>
+            <p:spPr>
+              <a:xfrm>
+                <a:off x="2958425" y="4976112"/>
+                <a:ext cx="589086" cy="589086"/>
+              </a:xfrm>
+              <a:prstGeom prst="flowChartConnector">
+                <a:avLst/>
+              </a:prstGeom>
+              <a:blipFill rotWithShape="1">
+                <a:blip r:embed="rId11"/>
+                <a:stretch>
+                  <a:fillRect/>
+                </a:stretch>
+              </a:blipFill>
+            </p:spPr>
+            <p:txBody>
+              <a:bodyPr/>
+              <a:lstStyle/>
+              <a:p>
+                <a:r>
+                  <a:rPr lang="zh-TW" altLang="en-US">
+                    <a:noFill/>
+                  </a:rPr>
+                  <a:t> </a:t>
+                </a:r>
+              </a:p>
+            </p:txBody>
+          </p:sp>
+        </mc:Fallback>
+      </mc:AlternateContent>
+      <mc:AlternateContent xmlns:mc="http://schemas.openxmlformats.org/markup-compatibility/2006">
+        <mc:Choice xmlns:a14="http://schemas.microsoft.com/office/drawing/2010/main" Requires="a14">
+          <p:sp>
+            <p:nvSpPr>
+              <p:cNvPr id="42" name="流程圖: 接點 41"/>
+              <p:cNvSpPr/>
+              <p:nvPr/>
+            </p:nvSpPr>
+            <p:spPr>
+              <a:xfrm>
+                <a:off x="4828247" y="4976112"/>
+                <a:ext cx="589086" cy="589086"/>
+              </a:xfrm>
+              <a:prstGeom prst="flowChartConnector">
+                <a:avLst/>
+              </a:prstGeom>
+            </p:spPr>
+            <p:style>
+              <a:lnRef idx="2">
+                <a:schemeClr val="accent1">
+                  <a:shade val="50000"/>
+                </a:schemeClr>
+              </a:lnRef>
+              <a:fillRef idx="1">
+                <a:schemeClr val="accent1"/>
+              </a:fillRef>
+              <a:effectRef idx="0">
+                <a:schemeClr val="accent1"/>
+              </a:effectRef>
+              <a:fontRef idx="minor">
+                <a:schemeClr val="lt1"/>
+              </a:fontRef>
+            </p:style>
+            <p:txBody>
+              <a:bodyPr rtlCol="0" anchor="ctr"/>
+              <a:lstStyle/>
+              <a:p>
+                <a:pPr algn="ctr"/>
+                <a14:m>
+                  <m:oMathPara xmlns:m="http://schemas.openxmlformats.org/officeDocument/2006/math">
+                    <m:oMathParaPr>
+                      <m:jc m:val="centerGroup"/>
+                    </m:oMathParaPr>
+                    <m:oMath xmlns:m="http://schemas.openxmlformats.org/officeDocument/2006/math">
+                      <m:r>
+                        <a:rPr lang="en-US" altLang="zh-TW" i="1" smtClean="0">
+                          <a:latin typeface="Cambria Math"/>
+                        </a:rPr>
+                        <m:t>𝑥</m:t>
+                      </m:r>
+                    </m:oMath>
+                  </m:oMathPara>
+                </a14:m>
+                <a:endParaRPr lang="zh-TW" altLang="en-US" dirty="0"/>
+              </a:p>
+            </p:txBody>
+          </p:sp>
+        </mc:Choice>
+        <mc:Fallback>
+          <p:sp>
+            <p:nvSpPr>
+              <p:cNvPr id="42" name="流程圖: 接點 41"/>
+              <p:cNvSpPr>
+                <a:spLocks noRot="1" noChangeAspect="1" noMove="1" noResize="1" noEditPoints="1" noAdjustHandles="1" noChangeArrowheads="1" noChangeShapeType="1" noTextEdit="1"/>
+              </p:cNvSpPr>
+              <p:nvPr/>
+            </p:nvSpPr>
+            <p:spPr>
+              <a:xfrm>
+                <a:off x="4828247" y="4976112"/>
+                <a:ext cx="589086" cy="589086"/>
+              </a:xfrm>
+              <a:prstGeom prst="flowChartConnector">
+                <a:avLst/>
+              </a:prstGeom>
+              <a:blipFill rotWithShape="1">
+                <a:blip r:embed="rId12"/>
+                <a:stretch>
+                  <a:fillRect/>
+                </a:stretch>
+              </a:blipFill>
+            </p:spPr>
+            <p:txBody>
+              <a:bodyPr/>
+              <a:lstStyle/>
+              <a:p>
+                <a:r>
+                  <a:rPr lang="zh-TW" altLang="en-US">
+                    <a:noFill/>
+                  </a:rPr>
+                  <a:t> </a:t>
+                </a:r>
+              </a:p>
+            </p:txBody>
+          </p:sp>
+        </mc:Fallback>
+      </mc:AlternateContent>
+      <mc:AlternateContent xmlns:mc="http://schemas.openxmlformats.org/markup-compatibility/2006">
+        <mc:Choice xmlns:a14="http://schemas.microsoft.com/office/drawing/2010/main" Requires="a14">
+          <p:sp>
+            <p:nvSpPr>
+              <p:cNvPr id="43" name="流程圖: 接點 42"/>
+              <p:cNvSpPr/>
+              <p:nvPr/>
+            </p:nvSpPr>
+            <p:spPr>
+              <a:xfrm>
+                <a:off x="7165705" y="4976112"/>
+                <a:ext cx="589086" cy="589086"/>
+              </a:xfrm>
+              <a:prstGeom prst="flowChartConnector">
+                <a:avLst/>
+              </a:prstGeom>
+            </p:spPr>
+            <p:style>
+              <a:lnRef idx="2">
+                <a:schemeClr val="accent1">
+                  <a:shade val="50000"/>
+                </a:schemeClr>
+              </a:lnRef>
+              <a:fillRef idx="1">
+                <a:schemeClr val="accent1"/>
+              </a:fillRef>
+              <a:effectRef idx="0">
+                <a:schemeClr val="accent1"/>
+              </a:effectRef>
+              <a:fontRef idx="minor">
+                <a:schemeClr val="lt1"/>
+              </a:fontRef>
+            </p:style>
+            <p:txBody>
+              <a:bodyPr rtlCol="0" anchor="ctr"/>
+              <a:lstStyle/>
+              <a:p>
+                <a:pPr algn="ctr"/>
+                <a14:m>
+                  <m:oMathPara xmlns:m="http://schemas.openxmlformats.org/officeDocument/2006/math">
+                    <m:oMathParaPr>
+                      <m:jc m:val="centerGroup"/>
+                    </m:oMathParaPr>
+                    <m:oMath xmlns:m="http://schemas.openxmlformats.org/officeDocument/2006/math">
+                      <m:r>
+                        <a:rPr lang="en-US" altLang="zh-TW" i="1" smtClean="0">
+                          <a:latin typeface="Cambria Math"/>
+                        </a:rPr>
+                        <m:t>𝑥</m:t>
+                      </m:r>
+                    </m:oMath>
+                  </m:oMathPara>
+                </a14:m>
+                <a:endParaRPr lang="zh-TW" altLang="en-US" dirty="0"/>
+              </a:p>
+            </p:txBody>
+          </p:sp>
+        </mc:Choice>
+        <mc:Fallback>
+          <p:sp>
+            <p:nvSpPr>
+              <p:cNvPr id="43" name="流程圖: 接點 42"/>
+              <p:cNvSpPr>
+                <a:spLocks noRot="1" noChangeAspect="1" noMove="1" noResize="1" noEditPoints="1" noAdjustHandles="1" noChangeArrowheads="1" noChangeShapeType="1" noTextEdit="1"/>
+              </p:cNvSpPr>
+              <p:nvPr/>
+            </p:nvSpPr>
+            <p:spPr>
+              <a:xfrm>
+                <a:off x="7165705" y="4976112"/>
+                <a:ext cx="589086" cy="589086"/>
+              </a:xfrm>
+              <a:prstGeom prst="flowChartConnector">
+                <a:avLst/>
+              </a:prstGeom>
+              <a:blipFill rotWithShape="1">
+                <a:blip r:embed="rId13"/>
+                <a:stretch>
+                  <a:fillRect/>
+                </a:stretch>
+              </a:blipFill>
+            </p:spPr>
+            <p:txBody>
+              <a:bodyPr/>
+              <a:lstStyle/>
+              <a:p>
+                <a:r>
+                  <a:rPr lang="zh-TW" altLang="en-US">
+                    <a:noFill/>
+                  </a:rPr>
+                  <a:t> </a:t>
+                </a:r>
+              </a:p>
+            </p:txBody>
+          </p:sp>
+        </mc:Fallback>
+      </mc:AlternateContent>
+      <mc:AlternateContent xmlns:mc="http://schemas.openxmlformats.org/markup-compatibility/2006">
+        <mc:Choice xmlns:a14="http://schemas.microsoft.com/office/drawing/2010/main" Requires="a14">
+          <p:sp>
+            <p:nvSpPr>
+              <p:cNvPr id="44" name="流程圖: 接點 43"/>
+              <p:cNvSpPr/>
+              <p:nvPr/>
+            </p:nvSpPr>
+            <p:spPr>
+              <a:xfrm>
+                <a:off x="5485635" y="4976112"/>
+                <a:ext cx="589086" cy="589086"/>
+              </a:xfrm>
+              <a:prstGeom prst="flowChartConnector">
+                <a:avLst/>
+              </a:prstGeom>
+            </p:spPr>
+            <p:style>
+              <a:lnRef idx="2">
+                <a:schemeClr val="accent1">
+                  <a:shade val="50000"/>
+                </a:schemeClr>
+              </a:lnRef>
+              <a:fillRef idx="1">
+                <a:schemeClr val="accent1"/>
+              </a:fillRef>
+              <a:effectRef idx="0">
+                <a:schemeClr val="accent1"/>
+              </a:effectRef>
+              <a:fontRef idx="minor">
+                <a:schemeClr val="lt1"/>
+              </a:fontRef>
+            </p:style>
+            <p:txBody>
+              <a:bodyPr rtlCol="0" anchor="ctr"/>
+              <a:lstStyle/>
+              <a:p>
+                <a:pPr algn="ctr"/>
+                <a14:m>
+                  <m:oMathPara xmlns:m="http://schemas.openxmlformats.org/officeDocument/2006/math">
+                    <m:oMathParaPr>
+                      <m:jc m:val="centerGroup"/>
+                    </m:oMathParaPr>
+                    <m:oMath xmlns:m="http://schemas.openxmlformats.org/officeDocument/2006/math">
+                      <m:r>
+                        <a:rPr lang="en-US" altLang="zh-TW" b="0" i="1" smtClean="0">
+                          <a:latin typeface="Cambria Math"/>
+                        </a:rPr>
+                        <m:t>𝑥</m:t>
+                      </m:r>
+                    </m:oMath>
+                  </m:oMathPara>
+                </a14:m>
+                <a:endParaRPr lang="zh-TW" altLang="en-US" dirty="0"/>
+              </a:p>
+            </p:txBody>
+          </p:sp>
+        </mc:Choice>
+        <mc:Fallback>
+          <p:sp>
+            <p:nvSpPr>
+              <p:cNvPr id="44" name="流程圖: 接點 43"/>
+              <p:cNvSpPr>
+                <a:spLocks noRot="1" noChangeAspect="1" noMove="1" noResize="1" noEditPoints="1" noAdjustHandles="1" noChangeArrowheads="1" noChangeShapeType="1" noTextEdit="1"/>
+              </p:cNvSpPr>
+              <p:nvPr/>
+            </p:nvSpPr>
+            <p:spPr>
+              <a:xfrm>
+                <a:off x="5485635" y="4976112"/>
+                <a:ext cx="589086" cy="589086"/>
+              </a:xfrm>
+              <a:prstGeom prst="flowChartConnector">
+                <a:avLst/>
+              </a:prstGeom>
+              <a:blipFill rotWithShape="1">
+                <a:blip r:embed="rId14"/>
+                <a:stretch>
+                  <a:fillRect/>
+                </a:stretch>
+              </a:blipFill>
+            </p:spPr>
+            <p:txBody>
+              <a:bodyPr/>
+              <a:lstStyle/>
+              <a:p>
+                <a:r>
+                  <a:rPr lang="zh-TW" altLang="en-US">
+                    <a:noFill/>
+                  </a:rPr>
+                  <a:t> </a:t>
+                </a:r>
+              </a:p>
+            </p:txBody>
+          </p:sp>
+        </mc:Fallback>
+      </mc:AlternateContent>
+      <mc:AlternateContent xmlns:mc="http://schemas.openxmlformats.org/markup-compatibility/2006">
+        <mc:Choice xmlns:a14="http://schemas.microsoft.com/office/drawing/2010/main" Requires="a14">
+          <p:sp>
+            <p:nvSpPr>
+              <p:cNvPr id="45" name="流程圖: 接點 44"/>
+              <p:cNvSpPr/>
+              <p:nvPr/>
+            </p:nvSpPr>
+            <p:spPr>
+              <a:xfrm>
+                <a:off x="6374227" y="4976112"/>
+                <a:ext cx="589086" cy="589086"/>
+              </a:xfrm>
+              <a:prstGeom prst="flowChartConnector">
+                <a:avLst/>
+              </a:prstGeom>
+            </p:spPr>
+            <p:style>
+              <a:lnRef idx="2">
+                <a:schemeClr val="accent1">
+                  <a:shade val="50000"/>
+                </a:schemeClr>
+              </a:lnRef>
+              <a:fillRef idx="1">
+                <a:schemeClr val="accent1"/>
+              </a:fillRef>
+              <a:effectRef idx="0">
+                <a:schemeClr val="accent1"/>
+              </a:effectRef>
+              <a:fontRef idx="minor">
+                <a:schemeClr val="lt1"/>
+              </a:fontRef>
+            </p:style>
+            <p:txBody>
+              <a:bodyPr rtlCol="0" anchor="ctr"/>
+              <a:lstStyle/>
+              <a:p>
+                <a:pPr algn="ctr"/>
+                <a14:m>
+                  <m:oMathPara xmlns:m="http://schemas.openxmlformats.org/officeDocument/2006/math">
+                    <m:oMathParaPr>
+                      <m:jc m:val="centerGroup"/>
+                    </m:oMathParaPr>
+                    <m:oMath xmlns:m="http://schemas.openxmlformats.org/officeDocument/2006/math">
+                      <m:r>
+                        <a:rPr lang="en-US" altLang="zh-TW" b="0" i="1" smtClean="0">
+                          <a:latin typeface="Cambria Math"/>
+                        </a:rPr>
+                        <m:t>𝑥</m:t>
+                      </m:r>
+                    </m:oMath>
+                  </m:oMathPara>
+                </a14:m>
+                <a:endParaRPr lang="zh-TW" altLang="en-US" dirty="0"/>
+              </a:p>
+            </p:txBody>
+          </p:sp>
+        </mc:Choice>
+        <mc:Fallback>
+          <p:sp>
+            <p:nvSpPr>
+              <p:cNvPr id="45" name="流程圖: 接點 44"/>
+              <p:cNvSpPr>
+                <a:spLocks noRot="1" noChangeAspect="1" noMove="1" noResize="1" noEditPoints="1" noAdjustHandles="1" noChangeArrowheads="1" noChangeShapeType="1" noTextEdit="1"/>
+              </p:cNvSpPr>
+              <p:nvPr/>
+            </p:nvSpPr>
+            <p:spPr>
+              <a:xfrm>
+                <a:off x="6374227" y="4976112"/>
+                <a:ext cx="589086" cy="589086"/>
+              </a:xfrm>
+              <a:prstGeom prst="flowChartConnector">
+                <a:avLst/>
+              </a:prstGeom>
+              <a:blipFill rotWithShape="1">
+                <a:blip r:embed="rId15"/>
+                <a:stretch>
+                  <a:fillRect/>
+                </a:stretch>
+              </a:blipFill>
+            </p:spPr>
+            <p:txBody>
+              <a:bodyPr/>
+              <a:lstStyle/>
+              <a:p>
+                <a:r>
+                  <a:rPr lang="zh-TW" altLang="en-US">
+                    <a:noFill/>
+                  </a:rPr>
+                  <a:t> </a:t>
+                </a:r>
+              </a:p>
+            </p:txBody>
+          </p:sp>
+        </mc:Fallback>
+      </mc:AlternateContent>
+      <mc:AlternateContent xmlns:mc="http://schemas.openxmlformats.org/markup-compatibility/2006">
+        <mc:Choice xmlns:a14="http://schemas.microsoft.com/office/drawing/2010/main" Requires="a14">
+          <p:sp>
+            <p:nvSpPr>
+              <p:cNvPr id="46" name="流程圖: 接點 45"/>
+              <p:cNvSpPr/>
+              <p:nvPr/>
+            </p:nvSpPr>
+            <p:spPr>
+              <a:xfrm>
+                <a:off x="8247168" y="4976112"/>
+                <a:ext cx="589086" cy="589086"/>
+              </a:xfrm>
+              <a:prstGeom prst="flowChartConnector">
+                <a:avLst/>
+              </a:prstGeom>
+            </p:spPr>
+            <p:style>
+              <a:lnRef idx="2">
+                <a:schemeClr val="accent1">
+                  <a:shade val="50000"/>
+                </a:schemeClr>
+              </a:lnRef>
+              <a:fillRef idx="1">
+                <a:schemeClr val="accent1"/>
+              </a:fillRef>
+              <a:effectRef idx="0">
+                <a:schemeClr val="accent1"/>
+              </a:effectRef>
+              <a:fontRef idx="minor">
+                <a:schemeClr val="lt1"/>
+              </a:fontRef>
+            </p:style>
+            <p:txBody>
+              <a:bodyPr rtlCol="0" anchor="ctr"/>
+              <a:lstStyle/>
+              <a:p>
+                <a:pPr algn="ctr"/>
+                <a14:m>
+                  <m:oMathPara xmlns:m="http://schemas.openxmlformats.org/officeDocument/2006/math">
+                    <m:oMathParaPr>
+                      <m:jc m:val="centerGroup"/>
+                    </m:oMathParaPr>
+                    <m:oMath xmlns:m="http://schemas.openxmlformats.org/officeDocument/2006/math">
+                      <m:r>
+                        <a:rPr lang="en-US" altLang="zh-TW" b="0" i="1" smtClean="0">
+                          <a:latin typeface="Cambria Math"/>
+                        </a:rPr>
+                        <m:t>𝑥</m:t>
+                      </m:r>
+                    </m:oMath>
+                  </m:oMathPara>
+                </a14:m>
+                <a:endParaRPr lang="zh-TW" altLang="en-US" dirty="0"/>
+              </a:p>
+            </p:txBody>
+          </p:sp>
+        </mc:Choice>
+        <mc:Fallback>
+          <p:sp>
+            <p:nvSpPr>
+              <p:cNvPr id="46" name="流程圖: 接點 45"/>
+              <p:cNvSpPr>
+                <a:spLocks noRot="1" noChangeAspect="1" noMove="1" noResize="1" noEditPoints="1" noAdjustHandles="1" noChangeArrowheads="1" noChangeShapeType="1" noTextEdit="1"/>
+              </p:cNvSpPr>
+              <p:nvPr/>
+            </p:nvSpPr>
+            <p:spPr>
+              <a:xfrm>
+                <a:off x="8247168" y="4976112"/>
+                <a:ext cx="589086" cy="589086"/>
+              </a:xfrm>
+              <a:prstGeom prst="flowChartConnector">
+                <a:avLst/>
+              </a:prstGeom>
+              <a:blipFill rotWithShape="1">
+                <a:blip r:embed="rId16"/>
+                <a:stretch>
+                  <a:fillRect/>
+                </a:stretch>
+              </a:blipFill>
+            </p:spPr>
+            <p:txBody>
+              <a:bodyPr/>
+              <a:lstStyle/>
+              <a:p>
+                <a:r>
+                  <a:rPr lang="zh-TW" altLang="en-US">
+                    <a:noFill/>
+                  </a:rPr>
+                  <a:t> </a:t>
+                </a:r>
+              </a:p>
+            </p:txBody>
+          </p:sp>
+        </mc:Fallback>
+      </mc:AlternateContent>
+      <p:cxnSp>
+        <p:nvCxnSpPr>
+          <p:cNvPr id="65" name="直線接點 64"/>
+          <p:cNvCxnSpPr>
+            <a:stCxn id="30" idx="5"/>
+            <a:endCxn id="46" idx="0"/>
+          </p:cNvCxnSpPr>
+          <p:nvPr/>
+        </p:nvCxnSpPr>
+        <p:spPr>
+          <a:xfrm>
+            <a:off x="8105116" y="4154594"/>
+            <a:ext cx="436595" cy="821518"/>
+          </a:xfrm>
+          <a:prstGeom prst="line">
+            <a:avLst/>
+          </a:prstGeom>
+        </p:spPr>
+        <p:style>
+          <a:lnRef idx="1">
+            <a:schemeClr val="accent1"/>
+          </a:lnRef>
+          <a:fillRef idx="0">
+            <a:schemeClr val="accent1"/>
+          </a:fillRef>
+          <a:effectRef idx="0">
+            <a:schemeClr val="accent1"/>
+          </a:effectRef>
+          <a:fontRef idx="minor">
+            <a:schemeClr val="tx1"/>
+          </a:fontRef>
+        </p:style>
+      </p:cxnSp>
+      <p:cxnSp>
+        <p:nvCxnSpPr>
+          <p:cNvPr id="69" name="直線接點 68"/>
+          <p:cNvCxnSpPr>
+            <a:stCxn id="30" idx="3"/>
+            <a:endCxn id="43" idx="0"/>
+          </p:cNvCxnSpPr>
+          <p:nvPr/>
+        </p:nvCxnSpPr>
+        <p:spPr>
+          <a:xfrm flipH="1">
+            <a:off x="7460248" y="4154594"/>
+            <a:ext cx="228322" cy="821518"/>
+          </a:xfrm>
+          <a:prstGeom prst="line">
+            <a:avLst/>
+          </a:prstGeom>
+        </p:spPr>
+        <p:style>
+          <a:lnRef idx="1">
+            <a:schemeClr val="accent1"/>
+          </a:lnRef>
+          <a:fillRef idx="0">
+            <a:schemeClr val="accent1"/>
+          </a:fillRef>
+          <a:effectRef idx="0">
+            <a:schemeClr val="accent1"/>
+          </a:effectRef>
+          <a:fontRef idx="minor">
+            <a:schemeClr val="tx1"/>
+          </a:fontRef>
+        </p:style>
+      </p:cxnSp>
+      <p:cxnSp>
+        <p:nvCxnSpPr>
+          <p:cNvPr id="73" name="直線接點 72"/>
+          <p:cNvCxnSpPr>
+            <a:stCxn id="28" idx="3"/>
+            <a:endCxn id="44" idx="0"/>
+          </p:cNvCxnSpPr>
+          <p:nvPr/>
+        </p:nvCxnSpPr>
+        <p:spPr>
+          <a:xfrm flipH="1">
+            <a:off x="5780178" y="4154594"/>
+            <a:ext cx="91233" cy="821518"/>
+          </a:xfrm>
+          <a:prstGeom prst="line">
+            <a:avLst/>
+          </a:prstGeom>
+        </p:spPr>
+        <p:style>
+          <a:lnRef idx="1">
+            <a:schemeClr val="accent1"/>
+          </a:lnRef>
+          <a:fillRef idx="0">
+            <a:schemeClr val="accent1"/>
+          </a:fillRef>
+          <a:effectRef idx="0">
+            <a:schemeClr val="accent1"/>
+          </a:effectRef>
+          <a:fontRef idx="minor">
+            <a:schemeClr val="tx1"/>
+          </a:fontRef>
+        </p:style>
+      </p:cxnSp>
+      <p:cxnSp>
+        <p:nvCxnSpPr>
+          <p:cNvPr id="75" name="直線接點 74"/>
+          <p:cNvCxnSpPr>
+            <a:stCxn id="28" idx="5"/>
+            <a:endCxn id="45" idx="0"/>
+          </p:cNvCxnSpPr>
+          <p:nvPr/>
+        </p:nvCxnSpPr>
+        <p:spPr>
+          <a:xfrm>
+            <a:off x="6287957" y="4154594"/>
+            <a:ext cx="380813" cy="821518"/>
+          </a:xfrm>
+          <a:prstGeom prst="line">
+            <a:avLst/>
+          </a:prstGeom>
+        </p:spPr>
+        <p:style>
+          <a:lnRef idx="1">
+            <a:schemeClr val="accent1"/>
+          </a:lnRef>
+          <a:fillRef idx="0">
+            <a:schemeClr val="accent1"/>
+          </a:fillRef>
+          <a:effectRef idx="0">
+            <a:schemeClr val="accent1"/>
+          </a:effectRef>
+          <a:fontRef idx="minor">
+            <a:schemeClr val="tx1"/>
+          </a:fontRef>
+        </p:style>
+      </p:cxnSp>
+      <p:cxnSp>
+        <p:nvCxnSpPr>
+          <p:cNvPr id="90" name="直線接點 89"/>
+          <p:cNvCxnSpPr>
+            <a:stCxn id="20" idx="3"/>
+            <a:endCxn id="40" idx="0"/>
+          </p:cNvCxnSpPr>
+          <p:nvPr/>
+        </p:nvCxnSpPr>
+        <p:spPr>
+          <a:xfrm flipH="1">
+            <a:off x="2228477" y="4154594"/>
+            <a:ext cx="380813" cy="821518"/>
+          </a:xfrm>
+          <a:prstGeom prst="line">
+            <a:avLst/>
+          </a:prstGeom>
+        </p:spPr>
+        <p:style>
+          <a:lnRef idx="1">
+            <a:schemeClr val="accent1"/>
+          </a:lnRef>
+          <a:fillRef idx="0">
+            <a:schemeClr val="accent1"/>
+          </a:fillRef>
+          <a:effectRef idx="0">
+            <a:schemeClr val="accent1"/>
+          </a:effectRef>
+          <a:fontRef idx="minor">
+            <a:schemeClr val="tx1"/>
+          </a:fontRef>
+        </p:style>
+      </p:cxnSp>
+      <p:cxnSp>
+        <p:nvCxnSpPr>
+          <p:cNvPr id="94" name="直線接點 93"/>
+          <p:cNvCxnSpPr>
+            <a:stCxn id="20" idx="5"/>
+            <a:endCxn id="41" idx="0"/>
+          </p:cNvCxnSpPr>
+          <p:nvPr/>
+        </p:nvCxnSpPr>
+        <p:spPr>
+          <a:xfrm>
+            <a:off x="3025836" y="4154594"/>
+            <a:ext cx="227132" cy="821518"/>
+          </a:xfrm>
+          <a:prstGeom prst="line">
+            <a:avLst/>
+          </a:prstGeom>
+        </p:spPr>
+        <p:style>
+          <a:lnRef idx="1">
+            <a:schemeClr val="accent1"/>
+          </a:lnRef>
+          <a:fillRef idx="0">
+            <a:schemeClr val="accent1"/>
+          </a:fillRef>
+          <a:effectRef idx="0">
+            <a:schemeClr val="accent1"/>
+          </a:effectRef>
+          <a:fontRef idx="minor">
+            <a:schemeClr val="tx1"/>
+          </a:fontRef>
+        </p:style>
+      </p:cxnSp>
+      <p:cxnSp>
+        <p:nvCxnSpPr>
+          <p:cNvPr id="104" name="直線接點 103"/>
+          <p:cNvCxnSpPr>
+            <a:stCxn id="23" idx="3"/>
+            <a:endCxn id="39" idx="0"/>
+          </p:cNvCxnSpPr>
+          <p:nvPr/>
+        </p:nvCxnSpPr>
+        <p:spPr>
+          <a:xfrm flipH="1">
+            <a:off x="4131602" y="4154594"/>
+            <a:ext cx="262131" cy="821518"/>
+          </a:xfrm>
+          <a:prstGeom prst="line">
+            <a:avLst/>
+          </a:prstGeom>
+        </p:spPr>
+        <p:style>
+          <a:lnRef idx="1">
+            <a:schemeClr val="accent1"/>
+          </a:lnRef>
+          <a:fillRef idx="0">
+            <a:schemeClr val="accent1"/>
+          </a:fillRef>
+          <a:effectRef idx="0">
+            <a:schemeClr val="accent1"/>
+          </a:effectRef>
+          <a:fontRef idx="minor">
+            <a:schemeClr val="tx1"/>
+          </a:fontRef>
+        </p:style>
+      </p:cxnSp>
+      <p:cxnSp>
+        <p:nvCxnSpPr>
+          <p:cNvPr id="106" name="直線接點 105"/>
+          <p:cNvCxnSpPr>
+            <a:stCxn id="23" idx="5"/>
+            <a:endCxn id="42" idx="0"/>
+          </p:cNvCxnSpPr>
+          <p:nvPr/>
+        </p:nvCxnSpPr>
+        <p:spPr>
+          <a:xfrm>
+            <a:off x="4810279" y="4154594"/>
+            <a:ext cx="312511" cy="821518"/>
+          </a:xfrm>
+          <a:prstGeom prst="line">
+            <a:avLst/>
+          </a:prstGeom>
+        </p:spPr>
+        <p:style>
+          <a:lnRef idx="1">
+            <a:schemeClr val="accent1"/>
+          </a:lnRef>
+          <a:fillRef idx="0">
+            <a:schemeClr val="accent1"/>
+          </a:fillRef>
+          <a:effectRef idx="0">
+            <a:schemeClr val="accent1"/>
+          </a:effectRef>
+          <a:fontRef idx="minor">
+            <a:schemeClr val="tx1"/>
+          </a:fontRef>
+        </p:style>
+      </p:cxnSp>
     </p:spTree>
     <p:extLst>
       <p:ext uri="{BB962C8B-B14F-4D97-AF65-F5344CB8AC3E}">
@@ -6578,9 +8100,13 @@
           <a:bodyPr/>
           <a:lstStyle/>
           <a:p>
-            <a:pPr lvl="0"/>
-            <a:r>
-              <a:rPr lang="zh-TW" altLang="zh-TW" dirty="0"/>
+            <a:pPr lvl="0" algn="ctr"/>
+            <a:r>
+              <a:rPr lang="en-US" altLang="zh-TW" dirty="0" smtClean="0"/>
+              <a:t>	</a:t>
+            </a:r>
+            <a:r>
+              <a:rPr lang="zh-TW" altLang="zh-TW" dirty="0" smtClean="0"/>
               <a:t>研究</a:t>
             </a:r>
             <a:r>
@@ -6591,25 +8117,6 @@
               <a:rPr lang="en-US" altLang="zh-TW" dirty="0" smtClean="0"/>
               <a:t>1</a:t>
             </a:r>
-            <a:endParaRPr lang="zh-TW" altLang="en-US" dirty="0"/>
-          </a:p>
-        </p:txBody>
-      </p:sp>
-      <p:sp>
-        <p:nvSpPr>
-          <p:cNvPr id="3" name="內容版面配置區 2"/>
-          <p:cNvSpPr>
-            <a:spLocks noGrp="1"/>
-          </p:cNvSpPr>
-          <p:nvPr>
-            <p:ph idx="1"/>
-          </p:nvPr>
-        </p:nvSpPr>
-        <p:spPr/>
-        <p:txBody>
-          <a:bodyPr/>
-          <a:lstStyle/>
-          <a:p>
             <a:endParaRPr lang="zh-TW" altLang="en-US" dirty="0"/>
           </a:p>
         </p:txBody>
@@ -6635,7 +8142,7 @@
         </p:blipFill>
         <p:spPr bwMode="auto">
           <a:xfrm>
-            <a:off x="677007" y="1283119"/>
+            <a:off x="967154" y="1283117"/>
             <a:ext cx="8616462" cy="4722027"/>
           </a:xfrm>
           <a:prstGeom prst="rect">
@@ -6728,8 +8235,13 @@
           <a:bodyPr/>
           <a:lstStyle/>
           <a:p>
-            <a:r>
-              <a:rPr lang="zh-TW" altLang="zh-TW" dirty="0"/>
+            <a:pPr algn="ctr"/>
+            <a:r>
+              <a:rPr lang="en-US" altLang="zh-TW" dirty="0" smtClean="0"/>
+              <a:t>	</a:t>
+            </a:r>
+            <a:r>
+              <a:rPr lang="zh-TW" altLang="zh-TW" dirty="0" smtClean="0"/>
               <a:t>研究</a:t>
             </a:r>
             <a:r>
@@ -6741,25 +8253,6 @@
               <a:t>2</a:t>
             </a:r>
             <a:endParaRPr lang="zh-TW" altLang="en-US" dirty="0"/>
-          </a:p>
-        </p:txBody>
-      </p:sp>
-      <p:sp>
-        <p:nvSpPr>
-          <p:cNvPr id="3" name="內容版面配置區 2"/>
-          <p:cNvSpPr>
-            <a:spLocks noGrp="1"/>
-          </p:cNvSpPr>
-          <p:nvPr>
-            <p:ph idx="1"/>
-          </p:nvPr>
-        </p:nvSpPr>
-        <p:spPr/>
-        <p:txBody>
-          <a:bodyPr/>
-          <a:lstStyle/>
-          <a:p>
-            <a:endParaRPr lang="zh-TW" altLang="en-US"/>
           </a:p>
         </p:txBody>
       </p:sp>
@@ -6784,7 +8277,7 @@
         </p:blipFill>
         <p:spPr bwMode="auto">
           <a:xfrm>
-            <a:off x="738554" y="1226474"/>
+            <a:off x="1002323" y="1226472"/>
             <a:ext cx="8836269" cy="4681957"/>
           </a:xfrm>
           <a:prstGeom prst="rect">
@@ -6879,6 +8372,7 @@
           </a:bodyPr>
           <a:lstStyle/>
           <a:p>
+            <a:pPr algn="ctr"/>
             <a:r>
               <a:rPr lang="zh-TW" altLang="en-US" sz="4800" dirty="0"/>
               <a:t>結論</a:t>
@@ -6908,47 +8402,115 @@
           </a:bodyPr>
           <a:lstStyle/>
           <a:p>
-            <a:pPr marL="457200" lvl="1" indent="0">
+            <a:pPr marL="457200" lvl="1" indent="0" algn="ctr">
               <a:buNone/>
             </a:pPr>
             <a:r>
+              <a:rPr lang="en-US" altLang="zh-TW" sz="3200" b="1" dirty="0" smtClean="0"/>
+              <a:t>	</a:t>
+            </a:r>
+            <a:r>
+              <a:rPr lang="zh-TW" altLang="zh-TW" sz="3200" b="1" dirty="0" smtClean="0"/>
+              <a:t>質數</a:t>
+            </a:r>
+            <a:r>
               <a:rPr lang="zh-TW" altLang="zh-TW" sz="3200" b="1" dirty="0"/>
-              <a:t>質數間的關係</a:t>
-            </a:r>
-          </a:p>
-          <a:p>
-            <a:pPr marL="0" indent="0">
+              <a:t>間的關係</a:t>
+            </a:r>
+          </a:p>
+          <a:p>
+            <a:pPr marL="0" indent="0" algn="ctr">
               <a:buNone/>
             </a:pPr>
             <a:r>
+              <a:rPr lang="en-US" altLang="zh-TW" sz="3200" dirty="0" smtClean="0"/>
+              <a:t>	</a:t>
+            </a:r>
+            <a:r>
+              <a:rPr lang="zh-TW" altLang="zh-TW" sz="3200" dirty="0" smtClean="0"/>
+              <a:t>在</a:t>
+            </a:r>
+            <a:r>
               <a:rPr lang="zh-TW" altLang="zh-TW" sz="3200" dirty="0"/>
-              <a:t>在質數間的關係，同樣尾數的質數之間通常會遵守一定的關係式，而且尾數相加等於</a:t>
-            </a:r>
-            <a:r>
-              <a:rPr lang="en-US" altLang="zh-TW" sz="3200" dirty="0"/>
-              <a:t>10</a:t>
+              <a:t>質數間的關係，同樣尾數的質數之間</a:t>
+            </a:r>
+            <a:r>
+              <a:rPr lang="zh-TW" altLang="zh-TW" sz="3200" dirty="0" smtClean="0"/>
+              <a:t>通常</a:t>
+            </a:r>
+            <a:r>
+              <a:rPr lang="en-US" altLang="zh-TW" sz="3200" dirty="0" smtClean="0"/>
+              <a:t>	</a:t>
+            </a:r>
+            <a:r>
+              <a:rPr lang="zh-TW" altLang="zh-TW" sz="3200" dirty="0" smtClean="0"/>
+              <a:t>會</a:t>
             </a:r>
             <a:r>
               <a:rPr lang="zh-TW" altLang="zh-TW" sz="3200" dirty="0"/>
-              <a:t>之質數通常也會遵守一樣的規律。</a:t>
-            </a:r>
-          </a:p>
-          <a:p>
-            <a:pPr marL="457200" lvl="1" indent="0">
+              <a:t>遵守一定的關係式，而且尾數相加等於</a:t>
+            </a:r>
+            <a:r>
+              <a:rPr lang="en-US" altLang="zh-TW" sz="3200" dirty="0" smtClean="0"/>
+              <a:t>10	</a:t>
+            </a:r>
+            <a:r>
+              <a:rPr lang="zh-TW" altLang="zh-TW" sz="3200" dirty="0" smtClean="0"/>
+              <a:t>之</a:t>
+            </a:r>
+            <a:r>
+              <a:rPr lang="zh-TW" altLang="zh-TW" sz="3200" dirty="0"/>
+              <a:t>質數通常也會遵守一樣的規律。</a:t>
+            </a:r>
+          </a:p>
+          <a:p>
+            <a:pPr marL="457200" lvl="1" indent="0" algn="ctr">
               <a:buNone/>
             </a:pPr>
             <a:r>
+              <a:rPr lang="en-US" altLang="zh-TW" sz="3200" b="1" dirty="0" smtClean="0"/>
+              <a:t>	</a:t>
+            </a:r>
+            <a:r>
+              <a:rPr lang="zh-TW" altLang="zh-TW" sz="3200" b="1" dirty="0" smtClean="0"/>
+              <a:t>單一</a:t>
+            </a:r>
+            <a:r>
               <a:rPr lang="zh-TW" altLang="zh-TW" sz="3200" b="1" dirty="0"/>
-              <a:t>單一質數各次方間之關係</a:t>
-            </a:r>
-          </a:p>
-          <a:p>
-            <a:pPr marL="0" indent="0">
+              <a:t>質數各次方間之關係</a:t>
+            </a:r>
+          </a:p>
+          <a:p>
+            <a:pPr marL="0" indent="0" algn="ctr">
               <a:buNone/>
             </a:pPr>
             <a:r>
+              <a:rPr lang="en-US" altLang="zh-TW" sz="3200" dirty="0" smtClean="0"/>
+              <a:t>	</a:t>
+            </a:r>
+            <a:r>
+              <a:rPr lang="zh-TW" altLang="zh-TW" sz="3200" dirty="0" smtClean="0"/>
+              <a:t>在</a:t>
+            </a:r>
+            <a:r>
               <a:rPr lang="zh-TW" altLang="zh-TW" sz="3200" dirty="0"/>
-              <a:t>在質數各次方間之關係，其循環個數成等比數列，且公比為質數本身。</a:t>
+              <a:t>質數各次方間之關係，其循環個數成</a:t>
+            </a:r>
+            <a:r>
+              <a:rPr lang="zh-TW" altLang="zh-TW" sz="3200" dirty="0" smtClean="0"/>
+              <a:t>等比</a:t>
+            </a:r>
+            <a:r>
+              <a:rPr lang="en-US" altLang="zh-TW" sz="3200" dirty="0" smtClean="0"/>
+              <a:t>	</a:t>
+            </a:r>
+            <a:r>
+              <a:rPr lang="zh-TW" altLang="zh-TW" sz="3200" dirty="0" smtClean="0"/>
+              <a:t>數列</a:t>
+            </a:r>
+            <a:r>
+              <a:rPr lang="zh-TW" altLang="zh-TW" sz="3200" dirty="0"/>
+              <a:t>，且公比為質數本身。</a:t>
             </a:r>
           </a:p>
           <a:p>
@@ -7003,6 +8565,7 @@
           </a:bodyPr>
           <a:lstStyle/>
           <a:p>
+            <a:pPr algn="ctr"/>
             <a:r>
               <a:rPr lang="zh-TW" altLang="en-US" sz="4800" dirty="0" smtClean="0"/>
               <a:t>聯絡方式</a:t>
@@ -7028,16 +8591,36 @@
           </a:bodyPr>
           <a:lstStyle/>
           <a:p>
-            <a:pPr marL="0" indent="0">
+            <a:pPr marL="0" indent="0" algn="ctr">
               <a:buNone/>
             </a:pPr>
             <a:r>
+              <a:rPr lang="en-US" altLang="zh-TW" sz="7200" dirty="0" smtClean="0"/>
+              <a:t>	</a:t>
+            </a:r>
+            <a:r>
+              <a:rPr lang="zh-TW" altLang="en-US" sz="7200" dirty="0" smtClean="0"/>
+              <a:t>上</a:t>
+            </a:r>
+            <a:r>
               <a:rPr lang="zh-TW" altLang="en-US" sz="7200" dirty="0"/>
-              <a:t>上各</a:t>
+              <a:t>各</a:t>
             </a:r>
             <a:r>
               <a:rPr lang="zh-TW" altLang="en-US" sz="7200" dirty="0" smtClean="0"/>
-              <a:t>大平台找</a:t>
+              <a:t>大</a:t>
+            </a:r>
+            <a:r>
+              <a:rPr lang="zh-TW" altLang="en-US" sz="7200" dirty="0" smtClean="0"/>
+              <a:t>平台</a:t>
+            </a:r>
+            <a:r>
+              <a:rPr lang="en-US" altLang="zh-TW" sz="7200" dirty="0" smtClean="0"/>
+              <a:t>	</a:t>
+            </a:r>
+            <a:r>
+              <a:rPr lang="zh-TW" altLang="en-US" sz="7200" dirty="0" smtClean="0"/>
+              <a:t>找</a:t>
             </a:r>
             <a:r>
               <a:rPr lang="en-US" altLang="zh-TW" sz="7200" dirty="0" smtClean="0"/>
@@ -7092,6 +8675,7 @@
           <a:bodyPr/>
           <a:lstStyle/>
           <a:p>
+            <a:pPr algn="ctr"/>
             <a:r>
               <a:rPr lang="zh-TW" altLang="en-US" dirty="0"/>
               <a:t>感謝</a:t>
@@ -7243,6 +8827,11 @@
           </a:bodyPr>
           <a:lstStyle/>
           <a:p>
+            <a:pPr algn="ctr"/>
+            <a:r>
+              <a:rPr lang="en-US" altLang="zh-TW" sz="4800" dirty="0" smtClean="0"/>
+              <a:t>	</a:t>
+            </a:r>
             <a:r>
               <a:rPr lang="zh-TW" altLang="en-US" sz="4800" dirty="0" smtClean="0"/>
               <a:t>自我介紹</a:t>
@@ -7268,86 +8857,92 @@
           </a:bodyPr>
           <a:lstStyle/>
           <a:p>
-            <a:r>
-              <a:rPr lang="zh-TW" altLang="en-US" sz="3200" dirty="0" smtClean="0"/>
+            <a:pPr lvl="1" algn="ctr"/>
+            <a:r>
+              <a:rPr lang="zh-TW" altLang="en-US" sz="3000" dirty="0" smtClean="0"/>
               <a:t>本名</a:t>
             </a:r>
             <a:r>
-              <a:rPr lang="en-US" altLang="zh-TW" sz="3200" dirty="0" smtClean="0"/>
+              <a:rPr lang="en-US" altLang="zh-TW" sz="3000" dirty="0" smtClean="0"/>
               <a:t>:</a:t>
             </a:r>
             <a:r>
-              <a:rPr lang="zh-TW" altLang="en-US" sz="3200" dirty="0" smtClean="0"/>
+              <a:rPr lang="zh-TW" altLang="en-US" sz="3000" dirty="0" smtClean="0"/>
               <a:t>古珉和</a:t>
             </a:r>
-            <a:endParaRPr lang="en-US" altLang="zh-TW" sz="3200" dirty="0" smtClean="0"/>
-          </a:p>
-          <a:p>
-            <a:r>
-              <a:rPr lang="zh-TW" altLang="en-US" sz="3200" dirty="0"/>
+            <a:endParaRPr lang="en-US" altLang="zh-TW" sz="3000" dirty="0" smtClean="0"/>
+          </a:p>
+          <a:p>
+            <a:pPr lvl="1" algn="ctr"/>
+            <a:r>
+              <a:rPr lang="zh-TW" altLang="en-US" sz="3000" dirty="0"/>
               <a:t>網名</a:t>
             </a:r>
             <a:r>
-              <a:rPr lang="en-US" altLang="zh-TW" sz="3200" dirty="0"/>
+              <a:rPr lang="en-US" altLang="zh-TW" sz="3000" dirty="0"/>
               <a:t>:googleak28282</a:t>
             </a:r>
-            <a:endParaRPr lang="en-US" altLang="zh-TW" sz="3200" dirty="0" smtClean="0"/>
-          </a:p>
-          <a:p>
-            <a:r>
-              <a:rPr lang="zh-TW" altLang="en-US" sz="3200" dirty="0" smtClean="0"/>
+            <a:endParaRPr lang="en-US" altLang="zh-TW" sz="3000" dirty="0" smtClean="0"/>
+          </a:p>
+          <a:p>
+            <a:pPr lvl="1" algn="ctr"/>
+            <a:r>
+              <a:rPr lang="zh-TW" altLang="en-US" sz="3000" dirty="0" smtClean="0"/>
               <a:t>臺南一中</a:t>
             </a:r>
             <a:r>
-              <a:rPr lang="en-US" altLang="zh-TW" sz="3200" dirty="0" smtClean="0"/>
+              <a:rPr lang="en-US" altLang="zh-TW" sz="3000" dirty="0" smtClean="0"/>
               <a:t>107</a:t>
             </a:r>
             <a:r>
-              <a:rPr lang="zh-TW" altLang="en-US" sz="3200" dirty="0" smtClean="0"/>
+              <a:rPr lang="zh-TW" altLang="en-US" sz="3000" dirty="0" smtClean="0"/>
               <a:t>級數理資優班</a:t>
             </a:r>
-            <a:endParaRPr lang="en-US" altLang="zh-TW" sz="3200" dirty="0" smtClean="0"/>
-          </a:p>
-          <a:p>
-            <a:r>
-              <a:rPr lang="zh-TW" altLang="en-US" sz="3200" dirty="0"/>
+            <a:endParaRPr lang="en-US" altLang="zh-TW" sz="3000" dirty="0" smtClean="0"/>
+          </a:p>
+          <a:p>
+            <a:pPr lvl="1" algn="ctr"/>
+            <a:r>
+              <a:rPr lang="zh-TW" altLang="en-US" sz="3000" dirty="0"/>
               <a:t>蒼翼的奇術師資訊組</a:t>
             </a:r>
             <a:r>
-              <a:rPr lang="zh-TW" altLang="en-US" sz="3200" dirty="0" smtClean="0"/>
+              <a:rPr lang="zh-TW" altLang="en-US" sz="3000" dirty="0" smtClean="0"/>
               <a:t>成員</a:t>
             </a:r>
-            <a:endParaRPr lang="en-US" altLang="zh-TW" sz="3200" dirty="0" smtClean="0"/>
-          </a:p>
-          <a:p>
-            <a:r>
-              <a:rPr lang="en-US" altLang="zh-TW" sz="3200" dirty="0" smtClean="0"/>
+            <a:endParaRPr lang="en-US" altLang="zh-TW" sz="3000" dirty="0" smtClean="0"/>
+          </a:p>
+          <a:p>
+            <a:pPr lvl="1" algn="ctr"/>
+            <a:r>
+              <a:rPr lang="en-US" altLang="zh-TW" sz="3000" dirty="0" smtClean="0"/>
               <a:t>2017</a:t>
             </a:r>
             <a:r>
-              <a:rPr lang="zh-TW" altLang="en-US" sz="3200" dirty="0" smtClean="0"/>
+              <a:rPr lang="zh-TW" altLang="en-US" sz="3000" dirty="0" smtClean="0"/>
               <a:t>高中資訊學術聯展紀錄組</a:t>
             </a:r>
-            <a:endParaRPr lang="en-US" altLang="zh-TW" sz="3200" dirty="0" smtClean="0"/>
-          </a:p>
-          <a:p>
-            <a:r>
-              <a:rPr lang="en-US" altLang="zh-TW" sz="3200" dirty="0" smtClean="0"/>
+            <a:endParaRPr lang="en-US" altLang="zh-TW" sz="3000" dirty="0" smtClean="0"/>
+          </a:p>
+          <a:p>
+            <a:pPr lvl="1" algn="ctr"/>
+            <a:r>
+              <a:rPr lang="en-US" altLang="zh-TW" sz="3000" dirty="0" smtClean="0"/>
               <a:t>2016,2017 </a:t>
             </a:r>
             <a:r>
-              <a:rPr lang="zh-TW" altLang="en-US" sz="3200" dirty="0" smtClean="0"/>
+              <a:rPr lang="zh-TW" altLang="en-US" sz="3000" dirty="0" smtClean="0"/>
               <a:t>學生計算機年會</a:t>
             </a:r>
             <a:r>
-              <a:rPr lang="en-US" altLang="zh-TW" sz="3200" dirty="0" smtClean="0"/>
+              <a:rPr lang="en-US" altLang="zh-TW" sz="3000" dirty="0" smtClean="0"/>
               <a:t>(SITCON)</a:t>
             </a:r>
             <a:r>
-              <a:rPr lang="zh-TW" altLang="en-US" sz="3200" dirty="0" smtClean="0"/>
+              <a:rPr lang="zh-TW" altLang="en-US" sz="3000" dirty="0" smtClean="0"/>
               <a:t>會眾</a:t>
             </a:r>
-            <a:endParaRPr lang="en-US" altLang="zh-TW" sz="3200" dirty="0" smtClean="0"/>
+            <a:endParaRPr lang="en-US" altLang="zh-TW" sz="3000" dirty="0" smtClean="0"/>
           </a:p>
         </p:txBody>
       </p:sp>
@@ -7404,8 +8999,16 @@
           <a:lstStyle/>
           <a:p>
             <a:r>
+              <a:rPr lang="en-US" altLang="zh-TW" dirty="0" smtClean="0"/>
+              <a:t>	</a:t>
+            </a:r>
+            <a:r>
               <a:rPr lang="zh-TW" altLang="en-US" dirty="0" smtClean="0"/>
-              <a:t>研究動機</a:t>
+              <a:t>研究</a:t>
+            </a:r>
+            <a:r>
+              <a:rPr lang="zh-TW" altLang="en-US" dirty="0" smtClean="0"/>
+              <a:t>動機</a:t>
             </a:r>
             <a:endParaRPr lang="zh-TW" altLang="en-US" dirty="0"/>
           </a:p>
@@ -7426,12 +9029,36 @@
           <a:bodyPr/>
           <a:lstStyle/>
           <a:p>
-            <a:pPr marL="0" indent="0">
+            <a:pPr marL="0" indent="0" algn="ctr">
               <a:buNone/>
             </a:pPr>
             <a:r>
+              <a:rPr lang="en-US" altLang="zh-TW" sz="2800" dirty="0" smtClean="0"/>
+              <a:t>	</a:t>
+            </a:r>
+            <a:r>
+              <a:rPr lang="zh-TW" altLang="en-US" sz="2800" dirty="0" smtClean="0"/>
+              <a:t>本</a:t>
+            </a:r>
+            <a:r>
               <a:rPr lang="zh-TW" altLang="en-US" sz="2800" dirty="0"/>
-              <a:t>本篇的研究動機為，在參加青年程式設計競賽時，有一題目其要求為求解 </a:t>
+              <a:t>篇的研究動機為，在參加青年程式設計競賽時</a:t>
+            </a:r>
+            <a:r>
+              <a:rPr lang="zh-TW" altLang="en-US" sz="2800" dirty="0" smtClean="0"/>
+              <a:t>，</a:t>
+            </a:r>
+            <a:r>
+              <a:rPr lang="en-US" altLang="zh-TW" sz="2800" dirty="0" smtClean="0"/>
+              <a:t>	</a:t>
+            </a:r>
+            <a:r>
+              <a:rPr lang="zh-TW" altLang="en-US" sz="2800" dirty="0" smtClean="0"/>
+              <a:t>有</a:t>
+            </a:r>
+            <a:r>
+              <a:rPr lang="zh-TW" altLang="en-US" sz="2800" dirty="0"/>
+              <a:t>一題目其要求為求解 </a:t>
             </a:r>
             <a:r>
               <a:rPr lang="en-US" altLang="zh-TW" sz="2800" dirty="0"/>
@@ -7450,6 +9077,38 @@
               <a:t>項對 </a:t>
             </a:r>
             <a:r>
+              <a:rPr lang="en-US" altLang="zh-TW" sz="2800" dirty="0" smtClean="0"/>
+              <a:t>	</a:t>
+            </a:r>
+            <a:r>
+              <a:rPr lang="zh-TW" altLang="en-US" sz="2800" dirty="0" smtClean="0"/>
+              <a:t>的 </a:t>
+            </a:r>
+            <a:r>
+              <a:rPr lang="en-US" altLang="zh-TW" sz="2800" dirty="0"/>
+              <a:t>k </a:t>
+            </a:r>
+            <a:r>
+              <a:rPr lang="zh-TW" altLang="en-US" sz="2800" dirty="0"/>
+              <a:t>次方取餘數之值，而此要 求之解法必須</a:t>
+            </a:r>
+            <a:r>
+              <a:rPr lang="zh-TW" altLang="en-US" sz="2800" dirty="0" smtClean="0"/>
+              <a:t>假定</a:t>
+            </a:r>
+            <a:r>
+              <a:rPr lang="en-US" altLang="zh-TW" sz="2800" dirty="0" smtClean="0"/>
+              <a:t>	</a:t>
+            </a:r>
+            <a:r>
+              <a:rPr lang="zh-TW" altLang="en-US" sz="2800" dirty="0" smtClean="0"/>
+              <a:t>費</a:t>
+            </a:r>
+            <a:r>
+              <a:rPr lang="zh-TW" altLang="en-US" sz="2800" dirty="0"/>
+              <a:t>波納契數列對 </a:t>
+            </a:r>
+            <a:r>
               <a:rPr lang="en-US" altLang="zh-TW" sz="2800" dirty="0"/>
               <a:t>2 </a:t>
             </a:r>
@@ -7463,23 +9122,71 @@
             </a:r>
             <a:r>
               <a:rPr lang="zh-TW" altLang="en-US" sz="2800" dirty="0"/>
-              <a:t>次方取餘數之值，而此要 求之解法必須假定費波納契數列對 </a:t>
-            </a:r>
-            <a:r>
-              <a:rPr lang="en-US" altLang="zh-TW" sz="2800" dirty="0"/>
-              <a:t>2 </a:t>
+              <a:t>次方取餘數之值會循環，</a:t>
+            </a:r>
+            <a:r>
+              <a:rPr lang="zh-TW" altLang="en-US" sz="2800" dirty="0" smtClean="0"/>
+              <a:t>而</a:t>
+            </a:r>
+            <a:r>
+              <a:rPr lang="en-US" altLang="zh-TW" sz="2800" dirty="0" smtClean="0"/>
+              <a:t>	</a:t>
+            </a:r>
+            <a:r>
+              <a:rPr lang="zh-TW" altLang="en-US" sz="2800" dirty="0" smtClean="0"/>
+              <a:t>筆者</a:t>
             </a:r>
             <a:r>
               <a:rPr lang="zh-TW" altLang="en-US" sz="2800" dirty="0"/>
-              <a:t>的 </a:t>
-            </a:r>
-            <a:r>
-              <a:rPr lang="en-US" altLang="zh-TW" sz="2800" dirty="0"/>
-              <a:t>k </a:t>
+              <a:t>突然萌生了一個想法，既然最小質數之循環</a:t>
+            </a:r>
+            <a:r>
+              <a:rPr lang="zh-TW" altLang="en-US" sz="2800" dirty="0" smtClean="0"/>
+              <a:t>規</a:t>
+            </a:r>
+            <a:r>
+              <a:rPr lang="en-US" altLang="zh-TW" sz="2800" dirty="0" smtClean="0"/>
+              <a:t>	</a:t>
+            </a:r>
+            <a:r>
+              <a:rPr lang="zh-TW" altLang="en-US" sz="2800" dirty="0" smtClean="0"/>
+              <a:t>律</a:t>
             </a:r>
             <a:r>
               <a:rPr lang="zh-TW" altLang="en-US" sz="2800" dirty="0"/>
-              <a:t>次方取餘數之值會循環，而筆者突然萌生了一個想法，既然最小質數之循環規律存在，且已經被證 明為正且質數之間時常有類似的性質，那其他質數有無類似的循環規律，即成為了一個值得研究之議題，於是就開始此議題之研究</a:t>
+              <a:t>存在，且已經被證 明為正且質數之間時常有</a:t>
+            </a:r>
+            <a:r>
+              <a:rPr lang="zh-TW" altLang="en-US" sz="2800" dirty="0" smtClean="0"/>
+              <a:t>類似</a:t>
+            </a:r>
+            <a:r>
+              <a:rPr lang="en-US" altLang="zh-TW" sz="2800" dirty="0" smtClean="0"/>
+              <a:t>	</a:t>
+            </a:r>
+            <a:r>
+              <a:rPr lang="zh-TW" altLang="en-US" sz="2800" dirty="0" smtClean="0"/>
+              <a:t>的</a:t>
+            </a:r>
+            <a:r>
+              <a:rPr lang="zh-TW" altLang="en-US" sz="2800" dirty="0"/>
+              <a:t>性質，那其他質數有無類似的循環規律，即</a:t>
+            </a:r>
+            <a:r>
+              <a:rPr lang="zh-TW" altLang="en-US" sz="2800" dirty="0" smtClean="0"/>
+              <a:t>成為</a:t>
+            </a:r>
+            <a:r>
+              <a:rPr lang="en-US" altLang="zh-TW" sz="2800" dirty="0" smtClean="0"/>
+              <a:t>	</a:t>
+            </a:r>
+            <a:r>
+              <a:rPr lang="zh-TW" altLang="en-US" sz="2800" dirty="0" smtClean="0"/>
+              <a:t>了</a:t>
+            </a:r>
+            <a:r>
+              <a:rPr lang="zh-TW" altLang="en-US" sz="2800" dirty="0"/>
+              <a:t>一個值得研究之議題，於是就開始此議題之研究</a:t>
             </a:r>
             <a:r>
               <a:rPr lang="zh-TW" altLang="en-US" dirty="0"/>
@@ -7599,6 +9306,7 @@
           </a:bodyPr>
           <a:lstStyle/>
           <a:p>
+            <a:pPr algn="ctr"/>
             <a:r>
               <a:rPr lang="zh-TW" altLang="en-US" sz="4800" dirty="0" smtClean="0"/>
               <a:t>先備知識</a:t>
@@ -7632,53 +9340,53 @@
           </a:bodyPr>
           <a:lstStyle/>
           <a:p>
-            <a:r>
-              <a:rPr lang="en-US" altLang="zh-TW" sz="3200" dirty="0" smtClean="0"/>
+            <a:pPr lvl="1" algn="ctr"/>
+            <a:r>
+              <a:rPr lang="en-US" altLang="zh-TW" sz="3000" dirty="0" smtClean="0"/>
               <a:t>=</a:t>
             </a:r>
             <a:r>
-              <a:rPr lang="zh-TW" altLang="en-US" sz="3200" dirty="0" smtClean="0"/>
+              <a:rPr lang="zh-TW" altLang="en-US" sz="3000" dirty="0" smtClean="0"/>
               <a:t>費氏數列</a:t>
             </a:r>
-            <a:endParaRPr lang="en-US" altLang="zh-TW" sz="3200" dirty="0" smtClean="0"/>
-          </a:p>
-          <a:p>
-            <a:r>
-              <a:rPr lang="en-US" altLang="zh-TW" sz="3200" dirty="0" smtClean="0"/>
+            <a:endParaRPr lang="en-US" altLang="zh-TW" sz="3000" dirty="0" smtClean="0"/>
+          </a:p>
+          <a:p>
+            <a:pPr lvl="1" algn="ctr"/>
+            <a:r>
+              <a:rPr lang="en-US" altLang="zh-TW" sz="3000" dirty="0" smtClean="0"/>
               <a:t>=</a:t>
             </a:r>
             <a:r>
-              <a:rPr lang="zh-TW" altLang="en-US" sz="3200" dirty="0" smtClean="0"/>
+              <a:rPr lang="zh-TW" altLang="en-US" sz="3000" dirty="0" smtClean="0"/>
               <a:t>費波納契數列</a:t>
             </a:r>
-            <a:endParaRPr lang="en-US" altLang="zh-TW" sz="3200" dirty="0" smtClean="0"/>
-          </a:p>
-          <a:p>
-            <a:r>
-              <a:rPr lang="en-US" altLang="zh-TW" sz="3200" dirty="0"/>
+            <a:endParaRPr lang="en-US" altLang="zh-TW" sz="3000" dirty="0" smtClean="0"/>
+          </a:p>
+          <a:p>
+            <a:pPr lvl="1" algn="ctr"/>
+            <a:r>
+              <a:rPr lang="en-US" altLang="zh-TW" sz="3000" dirty="0"/>
               <a:t>=0, 1, 1, 2, 3, 5, 8, 13, 21, 34, 55, 89, 144, 233, 377, </a:t>
             </a:r>
             <a:r>
-              <a:rPr lang="en-US" altLang="zh-TW" sz="3200" dirty="0" smtClean="0"/>
+              <a:rPr lang="en-US" altLang="zh-TW" sz="3000" dirty="0" smtClean="0"/>
               <a:t>610…</a:t>
             </a:r>
-            <a:endParaRPr lang="en-US" altLang="zh-TW" sz="3200" dirty="0"/>
-          </a:p>
-          <a:p>
-            <a:r>
-              <a:rPr lang="en-US" altLang="zh-TW" sz="3200" dirty="0" smtClean="0"/>
-              <a:t>S</a:t>
-            </a:r>
-            <a:r>
-              <a:rPr lang="en-US" altLang="zh-TW" sz="3200" dirty="0" smtClean="0"/>
-              <a:t>={a</a:t>
+            <a:endParaRPr lang="en-US" altLang="zh-TW" sz="3000" dirty="0"/>
+          </a:p>
+          <a:p>
+            <a:pPr lvl="1" algn="ctr"/>
+            <a:r>
+              <a:rPr lang="en-US" altLang="zh-TW" sz="3000" dirty="0" smtClean="0"/>
+              <a:t>S={a</a:t>
             </a:r>
             <a:r>
               <a:rPr lang="en-US" altLang="zh-TW" dirty="0" smtClean="0"/>
               <a:t>n</a:t>
             </a:r>
             <a:r>
-              <a:rPr lang="en-US" altLang="zh-TW" sz="3200" dirty="0" smtClean="0"/>
+              <a:rPr lang="en-US" altLang="zh-TW" sz="3000" dirty="0" smtClean="0"/>
               <a:t>| a</a:t>
             </a:r>
             <a:r>
@@ -7686,7 +9394,7 @@
               <a:t>n</a:t>
             </a:r>
             <a:r>
-              <a:rPr lang="en-US" altLang="zh-TW" sz="3200" dirty="0" smtClean="0"/>
+              <a:rPr lang="en-US" altLang="zh-TW" sz="3000" dirty="0" smtClean="0"/>
               <a:t>=a</a:t>
             </a:r>
             <a:r>
@@ -7694,7 +9402,7 @@
               <a:t>n-1</a:t>
             </a:r>
             <a:r>
-              <a:rPr lang="en-US" altLang="zh-TW" sz="3200" dirty="0" smtClean="0"/>
+              <a:rPr lang="en-US" altLang="zh-TW" sz="3000" dirty="0" smtClean="0"/>
               <a:t>+a</a:t>
             </a:r>
             <a:r>
@@ -7702,7 +9410,7 @@
               <a:t>n-2</a:t>
             </a:r>
             <a:r>
-              <a:rPr lang="en-US" altLang="zh-TW" sz="3200" dirty="0" smtClean="0"/>
+              <a:rPr lang="en-US" altLang="zh-TW" sz="3000" dirty="0" smtClean="0"/>
               <a:t>, n&gt;=3}</a:t>
             </a:r>
             <a:endParaRPr lang="en-US" altLang="zh-TW" dirty="0" smtClean="0"/>
@@ -7763,6 +9471,7 @@
           </a:bodyPr>
           <a:lstStyle/>
           <a:p>
+            <a:pPr algn="ctr"/>
             <a:r>
               <a:rPr lang="zh-TW" altLang="en-US" sz="4800" dirty="0"/>
               <a:t>先備</a:t>
@@ -7783,8 +9492,8 @@
           </a:p>
         </p:txBody>
       </p:sp>
-      <mc:AlternateContent xmlns:mc="http://schemas.openxmlformats.org/markup-compatibility/2006" xmlns:a14="http://schemas.microsoft.com/office/drawing/2010/main">
-        <mc:Choice Requires="a14">
+      <mc:AlternateContent xmlns:mc="http://schemas.openxmlformats.org/markup-compatibility/2006">
+        <mc:Choice xmlns:a14="http://schemas.microsoft.com/office/drawing/2010/main" Requires="a14">
           <p:sp>
             <p:nvSpPr>
               <p:cNvPr id="3" name="內容版面配置區 2"/>
@@ -7802,26 +9511,28 @@
               </a:bodyPr>
               <a:lstStyle/>
               <a:p>
+                <a:pPr lvl="1" algn="ctr"/>
                 <a:r>
-                  <a:rPr lang="zh-TW" altLang="en-US" sz="3200" dirty="0" smtClean="0"/>
+                  <a:rPr lang="zh-TW" altLang="en-US" sz="3000" dirty="0" smtClean="0"/>
                   <a:t>就是取餘數</a:t>
                 </a:r>
-                <a:endParaRPr lang="en-US" altLang="zh-TW" sz="3200" dirty="0" smtClean="0"/>
+                <a:endParaRPr lang="en-US" altLang="zh-TW" sz="3000" dirty="0" smtClean="0"/>
               </a:p>
               <a:p>
+                <a:pPr lvl="1" algn="ctr"/>
                 <a14:m>
                   <m:oMath xmlns:m="http://schemas.openxmlformats.org/officeDocument/2006/math">
                     <m:r>
                       <m:rPr>
                         <m:sty m:val="p"/>
                       </m:rPr>
-                      <a:rPr lang="en-US" altLang="zh-TW" sz="3200">
+                      <a:rPr lang="en-US" altLang="zh-TW" sz="3000">
                         <a:latin typeface="Cambria Math"/>
                       </a:rPr>
                       <m:t>a</m:t>
                     </m:r>
                     <m:r>
-                      <a:rPr lang="en-US" altLang="zh-TW" sz="3200">
+                      <a:rPr lang="en-US" altLang="zh-TW" sz="3000">
                         <a:latin typeface="Cambria Math"/>
                       </a:rPr>
                       <m:t>+</m:t>
@@ -7830,13 +9541,13 @@
                       <m:rPr>
                         <m:sty m:val="p"/>
                       </m:rPr>
-                      <a:rPr lang="en-US" altLang="zh-TW" sz="3200">
+                      <a:rPr lang="en-US" altLang="zh-TW" sz="3000">
                         <a:latin typeface="Cambria Math"/>
                       </a:rPr>
                       <m:t>b</m:t>
                     </m:r>
                     <m:r>
-                      <a:rPr lang="en-US" altLang="zh-TW" sz="3200">
+                      <a:rPr lang="en-US" altLang="zh-TW" sz="3000">
                         <a:latin typeface="Cambria Math"/>
                       </a:rPr>
                       <m:t>≡</m:t>
@@ -7845,13 +9556,13 @@
                       <m:rPr>
                         <m:sty m:val="p"/>
                       </m:rPr>
-                      <a:rPr lang="en-US" altLang="zh-TW" sz="3200">
+                      <a:rPr lang="en-US" altLang="zh-TW" sz="3000">
                         <a:latin typeface="Cambria Math"/>
                       </a:rPr>
                       <m:t>c</m:t>
                     </m:r>
                     <m:r>
-                      <a:rPr lang="en-US" altLang="zh-TW" sz="3200">
+                      <a:rPr lang="en-US" altLang="zh-TW" sz="3000">
                         <a:latin typeface="Cambria Math"/>
                       </a:rPr>
                       <m:t>+</m:t>
@@ -7860,7 +9571,7 @@
                       <m:rPr>
                         <m:sty m:val="p"/>
                       </m:rPr>
-                      <a:rPr lang="en-US" altLang="zh-TW" sz="3200">
+                      <a:rPr lang="en-US" altLang="zh-TW" sz="3000">
                         <a:latin typeface="Cambria Math"/>
                       </a:rPr>
                       <m:t>d</m:t>
@@ -7868,7 +9579,7 @@
                     <m:d>
                       <m:dPr>
                         <m:ctrlPr>
-                          <a:rPr lang="en-US" altLang="zh-TW" sz="3200" i="1">
+                          <a:rPr lang="en-US" altLang="zh-TW" sz="3000" i="1">
                             <a:latin typeface="Cambria Math"/>
                           </a:rPr>
                         </m:ctrlPr>
@@ -7878,13 +9589,13 @@
                           <m:rPr>
                             <m:sty m:val="p"/>
                           </m:rPr>
-                          <a:rPr lang="en-US" altLang="zh-TW" sz="3200">
+                          <a:rPr lang="en-US" altLang="zh-TW" sz="3000">
                             <a:latin typeface="Cambria Math"/>
                           </a:rPr>
                           <m:t>mod</m:t>
                         </m:r>
                         <m:r>
-                          <a:rPr lang="en-US" altLang="zh-TW" sz="3200">
+                          <a:rPr lang="en-US" altLang="zh-TW" sz="3000">
                             <a:latin typeface="Cambria Math"/>
                           </a:rPr>
                           <m:t> </m:t>
@@ -7893,7 +9604,7 @@
                           <m:rPr>
                             <m:sty m:val="p"/>
                           </m:rPr>
-                          <a:rPr lang="en-US" altLang="zh-TW" sz="3200">
+                          <a:rPr lang="en-US" altLang="zh-TW" sz="3000">
                             <a:latin typeface="Cambria Math"/>
                           </a:rPr>
                           <m:t>m</m:t>
@@ -7902,9 +9613,10 @@
                     </m:d>
                   </m:oMath>
                 </a14:m>
-                <a:endParaRPr lang="en-US" altLang="zh-TW" sz="3200" dirty="0" smtClean="0"/>
+                <a:endParaRPr lang="en-US" altLang="zh-TW" sz="3000" dirty="0" smtClean="0"/>
               </a:p>
               <a:p>
+                <a:pPr algn="ctr"/>
                 <a14:m>
                   <m:oMath xmlns:m="http://schemas.openxmlformats.org/officeDocument/2006/math">
                     <m:r>
@@ -8001,6 +9713,7 @@
                 <a:endParaRPr lang="zh-TW" altLang="zh-TW" sz="3200" dirty="0"/>
               </a:p>
               <a:p>
+                <a:pPr algn="ctr"/>
                 <a14:m>
                   <m:oMath xmlns:m="http://schemas.openxmlformats.org/officeDocument/2006/math">
                     <m:r>
@@ -8100,7 +9813,7 @@
             </p:txBody>
           </p:sp>
         </mc:Choice>
-        <mc:Fallback xmlns="">
+        <mc:Fallback>
           <p:sp>
             <p:nvSpPr>
               <p:cNvPr id="3" name="內容版面配置區 2"/>
@@ -8115,7 +9828,7 @@
               <a:blipFill rotWithShape="1">
                 <a:blip r:embed="rId2"/>
                 <a:stretch>
-                  <a:fillRect l="-1064" t="-2041"/>
+                  <a:fillRect t="-2041"/>
                 </a:stretch>
               </a:blipFill>
             </p:spPr>
@@ -8193,6 +9906,7 @@
           </a:bodyPr>
           <a:lstStyle/>
           <a:p>
+            <a:pPr algn="ctr"/>
             <a:r>
               <a:rPr lang="zh-HK" altLang="zh-TW" sz="4800" dirty="0"/>
               <a:t>演算法設計</a:t>
@@ -8232,7 +9946,7 @@
             <a:avLst/>
           </a:prstGeom>
           <a:noFill/>
-          <a:ln>
+          <a:ln w="19050">
             <a:solidFill>
               <a:schemeClr val="tx1"/>
             </a:solidFill>
@@ -8293,41 +10007,6 @@
       </p:sp>
       <p:sp>
         <p:nvSpPr>
-          <p:cNvPr id="7" name="文字方塊 6"/>
-          <p:cNvSpPr txBox="1"/>
-          <p:nvPr/>
-        </p:nvSpPr>
-        <p:spPr>
-          <a:xfrm>
-            <a:off x="3991459" y="2497014"/>
-            <a:ext cx="1661993" cy="2708032"/>
-          </a:xfrm>
-          <a:prstGeom prst="rect">
-            <a:avLst/>
-          </a:prstGeom>
-          <a:noFill/>
-          <a:ln>
-            <a:solidFill>
-              <a:schemeClr val="tx1"/>
-            </a:solidFill>
-          </a:ln>
-        </p:spPr>
-        <p:txBody>
-          <a:bodyPr vert="eaVert" wrap="square" rtlCol="0">
-            <a:spAutoFit/>
-          </a:bodyPr>
-          <a:lstStyle/>
-          <a:p>
-            <a:r>
-              <a:rPr lang="zh-TW" altLang="en-US" sz="4800" dirty="0" smtClean="0"/>
-              <a:t>快速冪次方模運算</a:t>
-            </a:r>
-            <a:endParaRPr lang="zh-TW" altLang="en-US" sz="4800" dirty="0"/>
-          </a:p>
-        </p:txBody>
-      </p:sp>
-      <p:sp>
-        <p:nvSpPr>
           <p:cNvPr id="8" name="向右箭號 7"/>
           <p:cNvSpPr/>
           <p:nvPr/>
@@ -8381,7 +10060,7 @@
             <a:avLst/>
           </a:prstGeom>
           <a:noFill/>
-          <a:ln>
+          <a:ln w="19050">
             <a:solidFill>
               <a:schemeClr val="tx1"/>
             </a:solidFill>
@@ -8398,6 +10077,108 @@
               <a:t>輸出</a:t>
             </a:r>
             <a:endParaRPr lang="zh-TW" altLang="en-US" sz="4800" dirty="0"/>
+          </a:p>
+        </p:txBody>
+      </p:sp>
+      <p:sp>
+        <p:nvSpPr>
+          <p:cNvPr id="4" name="文字方塊 3"/>
+          <p:cNvSpPr txBox="1"/>
+          <p:nvPr/>
+        </p:nvSpPr>
+        <p:spPr>
+          <a:xfrm>
+            <a:off x="3886200" y="2497014"/>
+            <a:ext cx="1318846" cy="369332"/>
+          </a:xfrm>
+          <a:prstGeom prst="rect">
+            <a:avLst/>
+          </a:prstGeom>
+          <a:noFill/>
+        </p:spPr>
+        <p:txBody>
+          <a:bodyPr wrap="square" rtlCol="0">
+            <a:spAutoFit/>
+          </a:bodyPr>
+          <a:lstStyle/>
+          <a:p>
+            <a:endParaRPr lang="zh-TW" altLang="en-US" dirty="0"/>
+          </a:p>
+        </p:txBody>
+      </p:sp>
+      <p:sp>
+        <p:nvSpPr>
+          <p:cNvPr id="10" name="文字方塊 9"/>
+          <p:cNvSpPr txBox="1"/>
+          <p:nvPr/>
+        </p:nvSpPr>
+        <p:spPr>
+          <a:xfrm>
+            <a:off x="3912577" y="2497014"/>
+            <a:ext cx="923330" cy="2708032"/>
+          </a:xfrm>
+          <a:prstGeom prst="rect">
+            <a:avLst/>
+          </a:prstGeom>
+          <a:noFill/>
+          <a:ln w="19050">
+            <a:solidFill>
+              <a:schemeClr val="tx1"/>
+            </a:solidFill>
+          </a:ln>
+        </p:spPr>
+        <p:txBody>
+          <a:bodyPr vert="eaVert" wrap="square" rtlCol="0">
+            <a:spAutoFit/>
+          </a:bodyPr>
+          <a:lstStyle/>
+          <a:p>
+            <a:r>
+              <a:rPr lang="zh-TW" altLang="en-US" sz="4800" dirty="0" smtClean="0"/>
+              <a:t>快速冪次</a:t>
+            </a:r>
+            <a:endParaRPr lang="zh-TW" altLang="en-US" sz="4800" dirty="0"/>
+          </a:p>
+        </p:txBody>
+      </p:sp>
+      <p:sp>
+        <p:nvSpPr>
+          <p:cNvPr id="12" name="文字方塊 11"/>
+          <p:cNvSpPr txBox="1"/>
+          <p:nvPr/>
+        </p:nvSpPr>
+        <p:spPr>
+          <a:xfrm>
+            <a:off x="4835907" y="2497014"/>
+            <a:ext cx="923330" cy="2708032"/>
+          </a:xfrm>
+          <a:prstGeom prst="rect">
+            <a:avLst/>
+          </a:prstGeom>
+          <a:noFill/>
+          <a:ln w="19050">
+            <a:solidFill>
+              <a:schemeClr val="tx1"/>
+            </a:solidFill>
+          </a:ln>
+        </p:spPr>
+        <p:txBody>
+          <a:bodyPr vert="eaVert" wrap="square" rtlCol="0">
+            <a:spAutoFit/>
+          </a:bodyPr>
+          <a:lstStyle>
+            <a:defPPr>
+              <a:defRPr lang="zh-TW"/>
+            </a:defPPr>
+            <a:lvl1pPr>
+              <a:defRPr sz="4800"/>
+            </a:lvl1pPr>
+          </a:lstStyle>
+          <a:p>
+            <a:r>
+              <a:rPr lang="zh-TW" altLang="en-US" dirty="0"/>
+              <a:t>方模運算</a:t>
+            </a:r>
           </a:p>
         </p:txBody>
       </p:sp>
@@ -8602,7 +10383,7 @@
         </p:blipFill>
         <p:spPr>
           <a:xfrm>
-            <a:off x="1995853" y="877471"/>
+            <a:off x="2303584" y="859887"/>
             <a:ext cx="6356838" cy="5271176"/>
           </a:xfrm>
         </p:spPr>
@@ -8878,7 +10659,7 @@
   <a:extraClrSchemeLst/>
   <a:extLst>
     <a:ext uri="{05A4C25C-085E-4340-85A3-A5531E510DB2}">
-      <thm15:themeFamily xmlns="" xmlns:thm15="http://schemas.microsoft.com/office/thememl/2012/main" name="Facet" id="{C0C680CD-088A-49FC-A102-D699147F32B2}" vid="{CFBC31BA-B70F-4F30-BCAA-4F3011E16C4D}"/>
+      <thm15:themeFamily xmlns:thm15="http://schemas.microsoft.com/office/thememl/2012/main" xmlns="" name="Facet" id="{C0C680CD-088A-49FC-A102-D699147F32B2}" vid="{CFBC31BA-B70F-4F30-BCAA-4F3011E16C4D}"/>
     </a:ext>
   </a:extLst>
 </a:theme>

--- a/二維線段樹.pptx
+++ b/二維線段樹.pptx
@@ -14,12 +14,13 @@
     <p:sldId id="260" r:id="rId8"/>
     <p:sldId id="261" r:id="rId9"/>
     <p:sldId id="267" r:id="rId10"/>
-    <p:sldId id="262" r:id="rId11"/>
-    <p:sldId id="263" r:id="rId12"/>
-    <p:sldId id="264" r:id="rId13"/>
-    <p:sldId id="265" r:id="rId14"/>
-    <p:sldId id="266" r:id="rId15"/>
-    <p:sldId id="268" r:id="rId16"/>
+    <p:sldId id="271" r:id="rId11"/>
+    <p:sldId id="262" r:id="rId12"/>
+    <p:sldId id="263" r:id="rId13"/>
+    <p:sldId id="264" r:id="rId14"/>
+    <p:sldId id="265" r:id="rId15"/>
+    <p:sldId id="266" r:id="rId16"/>
+    <p:sldId id="268" r:id="rId17"/>
   </p:sldIdLst>
   <p:sldSz cx="12192000" cy="6858000"/>
   <p:notesSz cx="6858000" cy="9144000"/>
@@ -120,7 +121,7 @@
   </p:defaultTextStyle>
   <p:extLst>
     <p:ext uri="{EFAFB233-063F-42B5-8137-9DF3F51BA10A}">
-      <p15:sldGuideLst xmlns:p15="http://schemas.microsoft.com/office/powerpoint/2012/main" xmlns=""/>
+      <p15:sldGuideLst xmlns="" xmlns:p15="http://schemas.microsoft.com/office/powerpoint/2012/main"/>
     </p:ext>
   </p:extLst>
 </p:presentation>
@@ -5961,6 +5962,1458 @@
         </p:nvSpPr>
         <p:spPr/>
         <p:txBody>
+          <a:bodyPr/>
+          <a:lstStyle/>
+          <a:p>
+            <a:pPr algn="ctr"/>
+            <a:r>
+              <a:rPr lang="en-US" altLang="zh-HK" dirty="0"/>
+              <a:t>	</a:t>
+            </a:r>
+            <a:r>
+              <a:rPr lang="zh-HK" altLang="zh-TW" dirty="0"/>
+              <a:t>演算法設計說明</a:t>
+            </a:r>
+            <a:r>
+              <a:rPr lang="en-US" altLang="zh-HK" dirty="0"/>
+              <a:t>3-</a:t>
+            </a:r>
+            <a:r>
+              <a:rPr lang="zh-TW" altLang="en-US" dirty="0"/>
+              <a:t>快速冪算法</a:t>
+            </a:r>
+          </a:p>
+        </p:txBody>
+      </p:sp>
+      <mc:AlternateContent xmlns:mc="http://schemas.openxmlformats.org/markup-compatibility/2006">
+        <mc:Choice xmlns:a14="http://schemas.microsoft.com/office/drawing/2010/main" Requires="a14">
+          <p:sp>
+            <p:nvSpPr>
+              <p:cNvPr id="4" name="流程圖: 接點 3"/>
+              <p:cNvSpPr/>
+              <p:nvPr/>
+            </p:nvSpPr>
+            <p:spPr>
+              <a:xfrm>
+                <a:off x="5398477" y="1749669"/>
+                <a:ext cx="536331" cy="509954"/>
+              </a:xfrm>
+              <a:prstGeom prst="flowChartConnector">
+                <a:avLst/>
+              </a:prstGeom>
+            </p:spPr>
+            <p:style>
+              <a:lnRef idx="2">
+                <a:schemeClr val="accent1">
+                  <a:shade val="50000"/>
+                </a:schemeClr>
+              </a:lnRef>
+              <a:fillRef idx="1">
+                <a:schemeClr val="accent1"/>
+              </a:fillRef>
+              <a:effectRef idx="0">
+                <a:schemeClr val="accent1"/>
+              </a:effectRef>
+              <a:fontRef idx="minor">
+                <a:schemeClr val="lt1"/>
+              </a:fontRef>
+            </p:style>
+            <p:txBody>
+              <a:bodyPr rtlCol="0" anchor="ctr"/>
+              <a:lstStyle/>
+              <a:p>
+                <a:pPr algn="ctr"/>
+                <a14:m>
+                  <m:oMathPara xmlns:m="http://schemas.openxmlformats.org/officeDocument/2006/math">
+                    <m:oMathParaPr>
+                      <m:jc m:val="center"/>
+                    </m:oMathParaPr>
+                    <m:oMath xmlns:m="http://schemas.openxmlformats.org/officeDocument/2006/math">
+                      <m:sSup>
+                        <m:sSupPr>
+                          <m:ctrlPr>
+                            <a:rPr lang="en-US" altLang="zh-TW" i="1" smtClean="0">
+                              <a:latin typeface="Cambria Math"/>
+                            </a:rPr>
+                          </m:ctrlPr>
+                        </m:sSupPr>
+                        <m:e>
+                          <m:r>
+                            <a:rPr lang="en-US" altLang="zh-TW" b="0" i="1" smtClean="0">
+                              <a:latin typeface="Cambria Math"/>
+                            </a:rPr>
+                            <m:t>𝑥</m:t>
+                          </m:r>
+                        </m:e>
+                        <m:sup>
+                          <m:r>
+                            <a:rPr lang="en-US" altLang="zh-TW" b="0" i="1" smtClean="0">
+                              <a:latin typeface="Cambria Math"/>
+                            </a:rPr>
+                            <m:t>8</m:t>
+                          </m:r>
+                        </m:sup>
+                      </m:sSup>
+                    </m:oMath>
+                  </m:oMathPara>
+                </a14:m>
+                <a:endParaRPr lang="zh-TW" altLang="en-US" dirty="0"/>
+              </a:p>
+            </p:txBody>
+          </p:sp>
+        </mc:Choice>
+        <mc:Fallback>
+          <p:sp>
+            <p:nvSpPr>
+              <p:cNvPr id="4" name="流程圖: 接點 3"/>
+              <p:cNvSpPr>
+                <a:spLocks noRot="1" noChangeAspect="1" noMove="1" noResize="1" noEditPoints="1" noAdjustHandles="1" noChangeArrowheads="1" noChangeShapeType="1" noTextEdit="1"/>
+              </p:cNvSpPr>
+              <p:nvPr/>
+            </p:nvSpPr>
+            <p:spPr>
+              <a:xfrm>
+                <a:off x="5398477" y="1749669"/>
+                <a:ext cx="536331" cy="509954"/>
+              </a:xfrm>
+              <a:prstGeom prst="flowChartConnector">
+                <a:avLst/>
+              </a:prstGeom>
+              <a:blipFill rotWithShape="1">
+                <a:blip r:embed="rId2"/>
+                <a:stretch>
+                  <a:fillRect/>
+                </a:stretch>
+              </a:blipFill>
+            </p:spPr>
+            <p:txBody>
+              <a:bodyPr/>
+              <a:lstStyle/>
+              <a:p>
+                <a:r>
+                  <a:rPr lang="zh-TW" altLang="en-US">
+                    <a:noFill/>
+                  </a:rPr>
+                  <a:t> </a:t>
+                </a:r>
+              </a:p>
+            </p:txBody>
+          </p:sp>
+        </mc:Fallback>
+      </mc:AlternateContent>
+      <mc:AlternateContent xmlns:mc="http://schemas.openxmlformats.org/markup-compatibility/2006">
+        <mc:Choice xmlns:a14="http://schemas.microsoft.com/office/drawing/2010/main" Requires="a14">
+          <p:sp>
+            <p:nvSpPr>
+              <p:cNvPr id="6" name="流程圖: 接點 5"/>
+              <p:cNvSpPr/>
+              <p:nvPr/>
+            </p:nvSpPr>
+            <p:spPr>
+              <a:xfrm>
+                <a:off x="3789484" y="3223846"/>
+                <a:ext cx="536331" cy="509954"/>
+              </a:xfrm>
+              <a:prstGeom prst="flowChartConnector">
+                <a:avLst/>
+              </a:prstGeom>
+            </p:spPr>
+            <p:style>
+              <a:lnRef idx="2">
+                <a:schemeClr val="accent1">
+                  <a:shade val="50000"/>
+                </a:schemeClr>
+              </a:lnRef>
+              <a:fillRef idx="1">
+                <a:schemeClr val="accent1"/>
+              </a:fillRef>
+              <a:effectRef idx="0">
+                <a:schemeClr val="accent1"/>
+              </a:effectRef>
+              <a:fontRef idx="minor">
+                <a:schemeClr val="lt1"/>
+              </a:fontRef>
+            </p:style>
+            <p:txBody>
+              <a:bodyPr rtlCol="0" anchor="ctr"/>
+              <a:lstStyle/>
+              <a:p>
+                <a:pPr algn="ctr"/>
+                <a14:m>
+                  <m:oMathPara xmlns:m="http://schemas.openxmlformats.org/officeDocument/2006/math">
+                    <m:oMathParaPr>
+                      <m:jc m:val="center"/>
+                    </m:oMathParaPr>
+                    <m:oMath xmlns:m="http://schemas.openxmlformats.org/officeDocument/2006/math">
+                      <m:r>
+                        <a:rPr lang="en-US" altLang="zh-TW" i="1" smtClean="0">
+                          <a:latin typeface="Cambria Math"/>
+                        </a:rPr>
+                        <m:t>𝑥</m:t>
+                      </m:r>
+                    </m:oMath>
+                  </m:oMathPara>
+                </a14:m>
+                <a:endParaRPr lang="zh-TW" altLang="en-US" dirty="0"/>
+              </a:p>
+            </p:txBody>
+          </p:sp>
+        </mc:Choice>
+        <mc:Fallback>
+          <p:sp>
+            <p:nvSpPr>
+              <p:cNvPr id="6" name="流程圖: 接點 5"/>
+              <p:cNvSpPr>
+                <a:spLocks noRot="1" noChangeAspect="1" noMove="1" noResize="1" noEditPoints="1" noAdjustHandles="1" noChangeArrowheads="1" noChangeShapeType="1" noTextEdit="1"/>
+              </p:cNvSpPr>
+              <p:nvPr/>
+            </p:nvSpPr>
+            <p:spPr>
+              <a:xfrm>
+                <a:off x="3789484" y="3223846"/>
+                <a:ext cx="536331" cy="509954"/>
+              </a:xfrm>
+              <a:prstGeom prst="flowChartConnector">
+                <a:avLst/>
+              </a:prstGeom>
+              <a:blipFill rotWithShape="1">
+                <a:blip r:embed="rId3"/>
+                <a:stretch>
+                  <a:fillRect/>
+                </a:stretch>
+              </a:blipFill>
+            </p:spPr>
+            <p:txBody>
+              <a:bodyPr/>
+              <a:lstStyle/>
+              <a:p>
+                <a:r>
+                  <a:rPr lang="zh-TW" altLang="en-US">
+                    <a:noFill/>
+                  </a:rPr>
+                  <a:t> </a:t>
+                </a:r>
+              </a:p>
+            </p:txBody>
+          </p:sp>
+        </mc:Fallback>
+      </mc:AlternateContent>
+      <mc:AlternateContent xmlns:mc="http://schemas.openxmlformats.org/markup-compatibility/2006">
+        <mc:Choice xmlns:a14="http://schemas.microsoft.com/office/drawing/2010/main" Requires="a14">
+          <p:sp>
+            <p:nvSpPr>
+              <p:cNvPr id="7" name="流程圖: 接點 6"/>
+              <p:cNvSpPr/>
+              <p:nvPr/>
+            </p:nvSpPr>
+            <p:spPr>
+              <a:xfrm>
+                <a:off x="4862146" y="3223846"/>
+                <a:ext cx="536331" cy="509954"/>
+              </a:xfrm>
+              <a:prstGeom prst="flowChartConnector">
+                <a:avLst/>
+              </a:prstGeom>
+            </p:spPr>
+            <p:style>
+              <a:lnRef idx="2">
+                <a:schemeClr val="accent1">
+                  <a:shade val="50000"/>
+                </a:schemeClr>
+              </a:lnRef>
+              <a:fillRef idx="1">
+                <a:schemeClr val="accent1"/>
+              </a:fillRef>
+              <a:effectRef idx="0">
+                <a:schemeClr val="accent1"/>
+              </a:effectRef>
+              <a:fontRef idx="minor">
+                <a:schemeClr val="lt1"/>
+              </a:fontRef>
+            </p:style>
+            <p:txBody>
+              <a:bodyPr rtlCol="0" anchor="ctr"/>
+              <a:lstStyle/>
+              <a:p>
+                <a:pPr algn="ctr"/>
+                <a14:m>
+                  <m:oMathPara xmlns:m="http://schemas.openxmlformats.org/officeDocument/2006/math">
+                    <m:oMathParaPr>
+                      <m:jc m:val="center"/>
+                    </m:oMathParaPr>
+                    <m:oMath xmlns:m="http://schemas.openxmlformats.org/officeDocument/2006/math">
+                      <m:r>
+                        <a:rPr lang="en-US" altLang="zh-TW" i="1" smtClean="0">
+                          <a:latin typeface="Cambria Math"/>
+                        </a:rPr>
+                        <m:t>𝑥</m:t>
+                      </m:r>
+                    </m:oMath>
+                  </m:oMathPara>
+                </a14:m>
+                <a:endParaRPr lang="zh-TW" altLang="en-US" dirty="0"/>
+              </a:p>
+            </p:txBody>
+          </p:sp>
+        </mc:Choice>
+        <mc:Fallback>
+          <p:sp>
+            <p:nvSpPr>
+              <p:cNvPr id="7" name="流程圖: 接點 6"/>
+              <p:cNvSpPr>
+                <a:spLocks noRot="1" noChangeAspect="1" noMove="1" noResize="1" noEditPoints="1" noAdjustHandles="1" noChangeArrowheads="1" noChangeShapeType="1" noTextEdit="1"/>
+              </p:cNvSpPr>
+              <p:nvPr/>
+            </p:nvSpPr>
+            <p:spPr>
+              <a:xfrm>
+                <a:off x="4862146" y="3223846"/>
+                <a:ext cx="536331" cy="509954"/>
+              </a:xfrm>
+              <a:prstGeom prst="flowChartConnector">
+                <a:avLst/>
+              </a:prstGeom>
+              <a:blipFill rotWithShape="1">
+                <a:blip r:embed="rId4"/>
+                <a:stretch>
+                  <a:fillRect/>
+                </a:stretch>
+              </a:blipFill>
+            </p:spPr>
+            <p:txBody>
+              <a:bodyPr/>
+              <a:lstStyle/>
+              <a:p>
+                <a:r>
+                  <a:rPr lang="zh-TW" altLang="en-US">
+                    <a:noFill/>
+                  </a:rPr>
+                  <a:t> </a:t>
+                </a:r>
+              </a:p>
+            </p:txBody>
+          </p:sp>
+        </mc:Fallback>
+      </mc:AlternateContent>
+      <mc:AlternateContent xmlns:mc="http://schemas.openxmlformats.org/markup-compatibility/2006">
+        <mc:Choice xmlns:a14="http://schemas.microsoft.com/office/drawing/2010/main" Requires="a14">
+          <p:sp>
+            <p:nvSpPr>
+              <p:cNvPr id="8" name="流程圖: 接點 7"/>
+              <p:cNvSpPr/>
+              <p:nvPr/>
+            </p:nvSpPr>
+            <p:spPr>
+              <a:xfrm>
+                <a:off x="5934808" y="3223846"/>
+                <a:ext cx="536331" cy="509954"/>
+              </a:xfrm>
+              <a:prstGeom prst="flowChartConnector">
+                <a:avLst/>
+              </a:prstGeom>
+            </p:spPr>
+            <p:style>
+              <a:lnRef idx="2">
+                <a:schemeClr val="accent1">
+                  <a:shade val="50000"/>
+                </a:schemeClr>
+              </a:lnRef>
+              <a:fillRef idx="1">
+                <a:schemeClr val="accent1"/>
+              </a:fillRef>
+              <a:effectRef idx="0">
+                <a:schemeClr val="accent1"/>
+              </a:effectRef>
+              <a:fontRef idx="minor">
+                <a:schemeClr val="lt1"/>
+              </a:fontRef>
+            </p:style>
+            <p:txBody>
+              <a:bodyPr rtlCol="0" anchor="ctr"/>
+              <a:lstStyle/>
+              <a:p>
+                <a:pPr algn="ctr"/>
+                <a14:m>
+                  <m:oMathPara xmlns:m="http://schemas.openxmlformats.org/officeDocument/2006/math">
+                    <m:oMathParaPr>
+                      <m:jc m:val="center"/>
+                    </m:oMathParaPr>
+                    <m:oMath xmlns:m="http://schemas.openxmlformats.org/officeDocument/2006/math">
+                      <m:r>
+                        <a:rPr lang="en-US" altLang="zh-TW" i="1" smtClean="0">
+                          <a:latin typeface="Cambria Math"/>
+                        </a:rPr>
+                        <m:t>𝑥</m:t>
+                      </m:r>
+                    </m:oMath>
+                  </m:oMathPara>
+                </a14:m>
+                <a:endParaRPr lang="zh-TW" altLang="en-US" dirty="0"/>
+              </a:p>
+            </p:txBody>
+          </p:sp>
+        </mc:Choice>
+        <mc:Fallback>
+          <p:sp>
+            <p:nvSpPr>
+              <p:cNvPr id="8" name="流程圖: 接點 7"/>
+              <p:cNvSpPr>
+                <a:spLocks noRot="1" noChangeAspect="1" noMove="1" noResize="1" noEditPoints="1" noAdjustHandles="1" noChangeArrowheads="1" noChangeShapeType="1" noTextEdit="1"/>
+              </p:cNvSpPr>
+              <p:nvPr/>
+            </p:nvSpPr>
+            <p:spPr>
+              <a:xfrm>
+                <a:off x="5934808" y="3223846"/>
+                <a:ext cx="536331" cy="509954"/>
+              </a:xfrm>
+              <a:prstGeom prst="flowChartConnector">
+                <a:avLst/>
+              </a:prstGeom>
+              <a:blipFill rotWithShape="1">
+                <a:blip r:embed="rId5"/>
+                <a:stretch>
+                  <a:fillRect/>
+                </a:stretch>
+              </a:blipFill>
+            </p:spPr>
+            <p:txBody>
+              <a:bodyPr/>
+              <a:lstStyle/>
+              <a:p>
+                <a:r>
+                  <a:rPr lang="zh-TW" altLang="en-US">
+                    <a:noFill/>
+                  </a:rPr>
+                  <a:t> </a:t>
+                </a:r>
+              </a:p>
+            </p:txBody>
+          </p:sp>
+        </mc:Fallback>
+      </mc:AlternateContent>
+      <mc:AlternateContent xmlns:mc="http://schemas.openxmlformats.org/markup-compatibility/2006">
+        <mc:Choice xmlns:a14="http://schemas.microsoft.com/office/drawing/2010/main" Requires="a14">
+          <p:sp>
+            <p:nvSpPr>
+              <p:cNvPr id="9" name="流程圖: 接點 8"/>
+              <p:cNvSpPr/>
+              <p:nvPr/>
+            </p:nvSpPr>
+            <p:spPr>
+              <a:xfrm>
+                <a:off x="8080132" y="3223846"/>
+                <a:ext cx="536331" cy="509954"/>
+              </a:xfrm>
+              <a:prstGeom prst="flowChartConnector">
+                <a:avLst/>
+              </a:prstGeom>
+            </p:spPr>
+            <p:style>
+              <a:lnRef idx="2">
+                <a:schemeClr val="accent1">
+                  <a:shade val="50000"/>
+                </a:schemeClr>
+              </a:lnRef>
+              <a:fillRef idx="1">
+                <a:schemeClr val="accent1"/>
+              </a:fillRef>
+              <a:effectRef idx="0">
+                <a:schemeClr val="accent1"/>
+              </a:effectRef>
+              <a:fontRef idx="minor">
+                <a:schemeClr val="lt1"/>
+              </a:fontRef>
+            </p:style>
+            <p:txBody>
+              <a:bodyPr rtlCol="0" anchor="ctr"/>
+              <a:lstStyle/>
+              <a:p>
+                <a:pPr algn="ctr"/>
+                <a14:m>
+                  <m:oMathPara xmlns:m="http://schemas.openxmlformats.org/officeDocument/2006/math">
+                    <m:oMathParaPr>
+                      <m:jc m:val="center"/>
+                    </m:oMathParaPr>
+                    <m:oMath xmlns:m="http://schemas.openxmlformats.org/officeDocument/2006/math">
+                      <m:r>
+                        <a:rPr lang="en-US" altLang="zh-TW" i="1" smtClean="0">
+                          <a:latin typeface="Cambria Math"/>
+                        </a:rPr>
+                        <m:t>𝑥</m:t>
+                      </m:r>
+                    </m:oMath>
+                  </m:oMathPara>
+                </a14:m>
+                <a:endParaRPr lang="zh-TW" altLang="en-US" dirty="0"/>
+              </a:p>
+            </p:txBody>
+          </p:sp>
+        </mc:Choice>
+        <mc:Fallback>
+          <p:sp>
+            <p:nvSpPr>
+              <p:cNvPr id="9" name="流程圖: 接點 8"/>
+              <p:cNvSpPr>
+                <a:spLocks noRot="1" noChangeAspect="1" noMove="1" noResize="1" noEditPoints="1" noAdjustHandles="1" noChangeArrowheads="1" noChangeShapeType="1" noTextEdit="1"/>
+              </p:cNvSpPr>
+              <p:nvPr/>
+            </p:nvSpPr>
+            <p:spPr>
+              <a:xfrm>
+                <a:off x="8080132" y="3223846"/>
+                <a:ext cx="536331" cy="509954"/>
+              </a:xfrm>
+              <a:prstGeom prst="flowChartConnector">
+                <a:avLst/>
+              </a:prstGeom>
+              <a:blipFill rotWithShape="1">
+                <a:blip r:embed="rId6"/>
+                <a:stretch>
+                  <a:fillRect/>
+                </a:stretch>
+              </a:blipFill>
+            </p:spPr>
+            <p:txBody>
+              <a:bodyPr/>
+              <a:lstStyle/>
+              <a:p>
+                <a:r>
+                  <a:rPr lang="zh-TW" altLang="en-US">
+                    <a:noFill/>
+                  </a:rPr>
+                  <a:t> </a:t>
+                </a:r>
+              </a:p>
+            </p:txBody>
+          </p:sp>
+        </mc:Fallback>
+      </mc:AlternateContent>
+      <mc:AlternateContent xmlns:mc="http://schemas.openxmlformats.org/markup-compatibility/2006">
+        <mc:Choice xmlns:a14="http://schemas.microsoft.com/office/drawing/2010/main" Requires="a14">
+          <p:sp>
+            <p:nvSpPr>
+              <p:cNvPr id="10" name="流程圖: 接點 9"/>
+              <p:cNvSpPr/>
+              <p:nvPr/>
+            </p:nvSpPr>
+            <p:spPr>
+              <a:xfrm>
+                <a:off x="7007470" y="3223846"/>
+                <a:ext cx="536331" cy="509954"/>
+              </a:xfrm>
+              <a:prstGeom prst="flowChartConnector">
+                <a:avLst/>
+              </a:prstGeom>
+            </p:spPr>
+            <p:style>
+              <a:lnRef idx="2">
+                <a:schemeClr val="accent1">
+                  <a:shade val="50000"/>
+                </a:schemeClr>
+              </a:lnRef>
+              <a:fillRef idx="1">
+                <a:schemeClr val="accent1"/>
+              </a:fillRef>
+              <a:effectRef idx="0">
+                <a:schemeClr val="accent1"/>
+              </a:effectRef>
+              <a:fontRef idx="minor">
+                <a:schemeClr val="lt1"/>
+              </a:fontRef>
+            </p:style>
+            <p:txBody>
+              <a:bodyPr rtlCol="0" anchor="ctr"/>
+              <a:lstStyle/>
+              <a:p>
+                <a:pPr algn="ctr"/>
+                <a14:m>
+                  <m:oMathPara xmlns:m="http://schemas.openxmlformats.org/officeDocument/2006/math">
+                    <m:oMathParaPr>
+                      <m:jc m:val="center"/>
+                    </m:oMathParaPr>
+                    <m:oMath xmlns:m="http://schemas.openxmlformats.org/officeDocument/2006/math">
+                      <m:r>
+                        <a:rPr lang="en-US" altLang="zh-TW" i="1" smtClean="0">
+                          <a:latin typeface="Cambria Math"/>
+                        </a:rPr>
+                        <m:t>𝑥</m:t>
+                      </m:r>
+                    </m:oMath>
+                  </m:oMathPara>
+                </a14:m>
+                <a:endParaRPr lang="zh-TW" altLang="en-US" dirty="0"/>
+              </a:p>
+            </p:txBody>
+          </p:sp>
+        </mc:Choice>
+        <mc:Fallback>
+          <p:sp>
+            <p:nvSpPr>
+              <p:cNvPr id="10" name="流程圖: 接點 9"/>
+              <p:cNvSpPr>
+                <a:spLocks noRot="1" noChangeAspect="1" noMove="1" noResize="1" noEditPoints="1" noAdjustHandles="1" noChangeArrowheads="1" noChangeShapeType="1" noTextEdit="1"/>
+              </p:cNvSpPr>
+              <p:nvPr/>
+            </p:nvSpPr>
+            <p:spPr>
+              <a:xfrm>
+                <a:off x="7007470" y="3223846"/>
+                <a:ext cx="536331" cy="509954"/>
+              </a:xfrm>
+              <a:prstGeom prst="flowChartConnector">
+                <a:avLst/>
+              </a:prstGeom>
+              <a:blipFill rotWithShape="1">
+                <a:blip r:embed="rId7"/>
+                <a:stretch>
+                  <a:fillRect/>
+                </a:stretch>
+              </a:blipFill>
+            </p:spPr>
+            <p:txBody>
+              <a:bodyPr/>
+              <a:lstStyle/>
+              <a:p>
+                <a:r>
+                  <a:rPr lang="zh-TW" altLang="en-US">
+                    <a:noFill/>
+                  </a:rPr>
+                  <a:t> </a:t>
+                </a:r>
+              </a:p>
+            </p:txBody>
+          </p:sp>
+        </mc:Fallback>
+      </mc:AlternateContent>
+      <mc:AlternateContent xmlns:mc="http://schemas.openxmlformats.org/markup-compatibility/2006">
+        <mc:Choice xmlns:a14="http://schemas.microsoft.com/office/drawing/2010/main" Requires="a14">
+          <p:sp>
+            <p:nvSpPr>
+              <p:cNvPr id="11" name="流程圖: 接點 10"/>
+              <p:cNvSpPr/>
+              <p:nvPr/>
+            </p:nvSpPr>
+            <p:spPr>
+              <a:xfrm>
+                <a:off x="9152794" y="3223846"/>
+                <a:ext cx="536331" cy="509954"/>
+              </a:xfrm>
+              <a:prstGeom prst="flowChartConnector">
+                <a:avLst/>
+              </a:prstGeom>
+            </p:spPr>
+            <p:style>
+              <a:lnRef idx="2">
+                <a:schemeClr val="accent1">
+                  <a:shade val="50000"/>
+                </a:schemeClr>
+              </a:lnRef>
+              <a:fillRef idx="1">
+                <a:schemeClr val="accent1"/>
+              </a:fillRef>
+              <a:effectRef idx="0">
+                <a:schemeClr val="accent1"/>
+              </a:effectRef>
+              <a:fontRef idx="minor">
+                <a:schemeClr val="lt1"/>
+              </a:fontRef>
+            </p:style>
+            <p:txBody>
+              <a:bodyPr rtlCol="0" anchor="ctr"/>
+              <a:lstStyle/>
+              <a:p>
+                <a:pPr algn="ctr"/>
+                <a14:m>
+                  <m:oMathPara xmlns:m="http://schemas.openxmlformats.org/officeDocument/2006/math">
+                    <m:oMathParaPr>
+                      <m:jc m:val="center"/>
+                    </m:oMathParaPr>
+                    <m:oMath xmlns:m="http://schemas.openxmlformats.org/officeDocument/2006/math">
+                      <m:r>
+                        <a:rPr lang="en-US" altLang="zh-TW" i="1" smtClean="0">
+                          <a:latin typeface="Cambria Math"/>
+                        </a:rPr>
+                        <m:t>𝑥</m:t>
+                      </m:r>
+                    </m:oMath>
+                  </m:oMathPara>
+                </a14:m>
+                <a:endParaRPr lang="zh-TW" altLang="en-US" dirty="0"/>
+              </a:p>
+            </p:txBody>
+          </p:sp>
+        </mc:Choice>
+        <mc:Fallback>
+          <p:sp>
+            <p:nvSpPr>
+              <p:cNvPr id="11" name="流程圖: 接點 10"/>
+              <p:cNvSpPr>
+                <a:spLocks noRot="1" noChangeAspect="1" noMove="1" noResize="1" noEditPoints="1" noAdjustHandles="1" noChangeArrowheads="1" noChangeShapeType="1" noTextEdit="1"/>
+              </p:cNvSpPr>
+              <p:nvPr/>
+            </p:nvSpPr>
+            <p:spPr>
+              <a:xfrm>
+                <a:off x="9152794" y="3223846"/>
+                <a:ext cx="536331" cy="509954"/>
+              </a:xfrm>
+              <a:prstGeom prst="flowChartConnector">
+                <a:avLst/>
+              </a:prstGeom>
+              <a:blipFill rotWithShape="1">
+                <a:blip r:embed="rId8"/>
+                <a:stretch>
+                  <a:fillRect/>
+                </a:stretch>
+              </a:blipFill>
+            </p:spPr>
+            <p:txBody>
+              <a:bodyPr/>
+              <a:lstStyle/>
+              <a:p>
+                <a:r>
+                  <a:rPr lang="zh-TW" altLang="en-US">
+                    <a:noFill/>
+                  </a:rPr>
+                  <a:t> </a:t>
+                </a:r>
+              </a:p>
+            </p:txBody>
+          </p:sp>
+        </mc:Fallback>
+      </mc:AlternateContent>
+      <mc:AlternateContent xmlns:mc="http://schemas.openxmlformats.org/markup-compatibility/2006">
+        <mc:Choice xmlns:a14="http://schemas.microsoft.com/office/drawing/2010/main" Requires="a14">
+          <p:sp>
+            <p:nvSpPr>
+              <p:cNvPr id="12" name="流程圖: 接點 11"/>
+              <p:cNvSpPr/>
+              <p:nvPr/>
+            </p:nvSpPr>
+            <p:spPr>
+              <a:xfrm>
+                <a:off x="2716822" y="3223846"/>
+                <a:ext cx="536331" cy="509954"/>
+              </a:xfrm>
+              <a:prstGeom prst="flowChartConnector">
+                <a:avLst/>
+              </a:prstGeom>
+            </p:spPr>
+            <p:style>
+              <a:lnRef idx="2">
+                <a:schemeClr val="accent1">
+                  <a:shade val="50000"/>
+                </a:schemeClr>
+              </a:lnRef>
+              <a:fillRef idx="1">
+                <a:schemeClr val="accent1"/>
+              </a:fillRef>
+              <a:effectRef idx="0">
+                <a:schemeClr val="accent1"/>
+              </a:effectRef>
+              <a:fontRef idx="minor">
+                <a:schemeClr val="lt1"/>
+              </a:fontRef>
+            </p:style>
+            <p:txBody>
+              <a:bodyPr rtlCol="0" anchor="ctr"/>
+              <a:lstStyle/>
+              <a:p>
+                <a:pPr algn="ctr"/>
+                <a14:m>
+                  <m:oMathPara xmlns:m="http://schemas.openxmlformats.org/officeDocument/2006/math">
+                    <m:oMathParaPr>
+                      <m:jc m:val="center"/>
+                    </m:oMathParaPr>
+                    <m:oMath xmlns:m="http://schemas.openxmlformats.org/officeDocument/2006/math">
+                      <m:r>
+                        <a:rPr lang="en-US" altLang="zh-TW" i="1" smtClean="0">
+                          <a:latin typeface="Cambria Math"/>
+                        </a:rPr>
+                        <m:t>𝑥</m:t>
+                      </m:r>
+                    </m:oMath>
+                  </m:oMathPara>
+                </a14:m>
+                <a:endParaRPr lang="zh-TW" altLang="en-US" dirty="0"/>
+              </a:p>
+            </p:txBody>
+          </p:sp>
+        </mc:Choice>
+        <mc:Fallback>
+          <p:sp>
+            <p:nvSpPr>
+              <p:cNvPr id="12" name="流程圖: 接點 11"/>
+              <p:cNvSpPr>
+                <a:spLocks noRot="1" noChangeAspect="1" noMove="1" noResize="1" noEditPoints="1" noAdjustHandles="1" noChangeArrowheads="1" noChangeShapeType="1" noTextEdit="1"/>
+              </p:cNvSpPr>
+              <p:nvPr/>
+            </p:nvSpPr>
+            <p:spPr>
+              <a:xfrm>
+                <a:off x="2716822" y="3223846"/>
+                <a:ext cx="536331" cy="509954"/>
+              </a:xfrm>
+              <a:prstGeom prst="flowChartConnector">
+                <a:avLst/>
+              </a:prstGeom>
+              <a:blipFill rotWithShape="1">
+                <a:blip r:embed="rId9"/>
+                <a:stretch>
+                  <a:fillRect/>
+                </a:stretch>
+              </a:blipFill>
+            </p:spPr>
+            <p:txBody>
+              <a:bodyPr/>
+              <a:lstStyle/>
+              <a:p>
+                <a:r>
+                  <a:rPr lang="zh-TW" altLang="en-US">
+                    <a:noFill/>
+                  </a:rPr>
+                  <a:t> </a:t>
+                </a:r>
+              </a:p>
+            </p:txBody>
+          </p:sp>
+        </mc:Fallback>
+      </mc:AlternateContent>
+      <mc:AlternateContent xmlns:mc="http://schemas.openxmlformats.org/markup-compatibility/2006">
+        <mc:Choice xmlns:a14="http://schemas.microsoft.com/office/drawing/2010/main" Requires="a14">
+          <p:sp>
+            <p:nvSpPr>
+              <p:cNvPr id="13" name="流程圖: 接點 12"/>
+              <p:cNvSpPr/>
+              <p:nvPr/>
+            </p:nvSpPr>
+            <p:spPr>
+              <a:xfrm>
+                <a:off x="1670540" y="3223846"/>
+                <a:ext cx="536331" cy="509954"/>
+              </a:xfrm>
+              <a:prstGeom prst="flowChartConnector">
+                <a:avLst/>
+              </a:prstGeom>
+            </p:spPr>
+            <p:style>
+              <a:lnRef idx="2">
+                <a:schemeClr val="accent1">
+                  <a:shade val="50000"/>
+                </a:schemeClr>
+              </a:lnRef>
+              <a:fillRef idx="1">
+                <a:schemeClr val="accent1"/>
+              </a:fillRef>
+              <a:effectRef idx="0">
+                <a:schemeClr val="accent1"/>
+              </a:effectRef>
+              <a:fontRef idx="minor">
+                <a:schemeClr val="lt1"/>
+              </a:fontRef>
+            </p:style>
+            <p:txBody>
+              <a:bodyPr rtlCol="0" anchor="ctr"/>
+              <a:lstStyle/>
+              <a:p>
+                <a:pPr algn="ctr"/>
+                <a14:m>
+                  <m:oMathPara xmlns:m="http://schemas.openxmlformats.org/officeDocument/2006/math">
+                    <m:oMathParaPr>
+                      <m:jc m:val="center"/>
+                    </m:oMathParaPr>
+                    <m:oMath xmlns:m="http://schemas.openxmlformats.org/officeDocument/2006/math">
+                      <m:r>
+                        <a:rPr lang="en-US" altLang="zh-TW" i="1" smtClean="0">
+                          <a:latin typeface="Cambria Math"/>
+                        </a:rPr>
+                        <m:t>𝑥</m:t>
+                      </m:r>
+                    </m:oMath>
+                  </m:oMathPara>
+                </a14:m>
+                <a:endParaRPr lang="zh-TW" altLang="en-US" dirty="0"/>
+              </a:p>
+            </p:txBody>
+          </p:sp>
+        </mc:Choice>
+        <mc:Fallback>
+          <p:sp>
+            <p:nvSpPr>
+              <p:cNvPr id="13" name="流程圖: 接點 12"/>
+              <p:cNvSpPr>
+                <a:spLocks noRot="1" noChangeAspect="1" noMove="1" noResize="1" noEditPoints="1" noAdjustHandles="1" noChangeArrowheads="1" noChangeShapeType="1" noTextEdit="1"/>
+              </p:cNvSpPr>
+              <p:nvPr/>
+            </p:nvSpPr>
+            <p:spPr>
+              <a:xfrm>
+                <a:off x="1670540" y="3223846"/>
+                <a:ext cx="536331" cy="509954"/>
+              </a:xfrm>
+              <a:prstGeom prst="flowChartConnector">
+                <a:avLst/>
+              </a:prstGeom>
+              <a:blipFill rotWithShape="1">
+                <a:blip r:embed="rId10"/>
+                <a:stretch>
+                  <a:fillRect/>
+                </a:stretch>
+              </a:blipFill>
+            </p:spPr>
+            <p:txBody>
+              <a:bodyPr/>
+              <a:lstStyle/>
+              <a:p>
+                <a:r>
+                  <a:rPr lang="zh-TW" altLang="en-US">
+                    <a:noFill/>
+                  </a:rPr>
+                  <a:t> </a:t>
+                </a:r>
+              </a:p>
+            </p:txBody>
+          </p:sp>
+        </mc:Fallback>
+      </mc:AlternateContent>
+      <p:cxnSp>
+        <p:nvCxnSpPr>
+          <p:cNvPr id="15" name="直線接點 14"/>
+          <p:cNvCxnSpPr>
+            <a:stCxn id="13" idx="6"/>
+            <a:endCxn id="12" idx="2"/>
+          </p:cNvCxnSpPr>
+          <p:nvPr/>
+        </p:nvCxnSpPr>
+        <p:spPr>
+          <a:xfrm>
+            <a:off x="2206871" y="3478823"/>
+            <a:ext cx="509951" cy="0"/>
+          </a:xfrm>
+          <a:prstGeom prst="line">
+            <a:avLst/>
+          </a:prstGeom>
+        </p:spPr>
+        <p:style>
+          <a:lnRef idx="1">
+            <a:schemeClr val="accent1"/>
+          </a:lnRef>
+          <a:fillRef idx="0">
+            <a:schemeClr val="accent1"/>
+          </a:fillRef>
+          <a:effectRef idx="0">
+            <a:schemeClr val="accent1"/>
+          </a:effectRef>
+          <a:fontRef idx="minor">
+            <a:schemeClr val="tx1"/>
+          </a:fontRef>
+        </p:style>
+      </p:cxnSp>
+      <p:cxnSp>
+        <p:nvCxnSpPr>
+          <p:cNvPr id="17" name="直線接點 16"/>
+          <p:cNvCxnSpPr>
+            <a:stCxn id="12" idx="6"/>
+            <a:endCxn id="6" idx="2"/>
+          </p:cNvCxnSpPr>
+          <p:nvPr/>
+        </p:nvCxnSpPr>
+        <p:spPr>
+          <a:xfrm>
+            <a:off x="3253153" y="3478823"/>
+            <a:ext cx="536331" cy="0"/>
+          </a:xfrm>
+          <a:prstGeom prst="line">
+            <a:avLst/>
+          </a:prstGeom>
+        </p:spPr>
+        <p:style>
+          <a:lnRef idx="1">
+            <a:schemeClr val="accent1"/>
+          </a:lnRef>
+          <a:fillRef idx="0">
+            <a:schemeClr val="accent1"/>
+          </a:fillRef>
+          <a:effectRef idx="0">
+            <a:schemeClr val="accent1"/>
+          </a:effectRef>
+          <a:fontRef idx="minor">
+            <a:schemeClr val="tx1"/>
+          </a:fontRef>
+        </p:style>
+      </p:cxnSp>
+      <p:cxnSp>
+        <p:nvCxnSpPr>
+          <p:cNvPr id="18" name="直線接點 17"/>
+          <p:cNvCxnSpPr>
+            <a:stCxn id="13" idx="0"/>
+            <a:endCxn id="4" idx="4"/>
+          </p:cNvCxnSpPr>
+          <p:nvPr/>
+        </p:nvCxnSpPr>
+        <p:spPr>
+          <a:xfrm flipV="1">
+            <a:off x="1938706" y="2259623"/>
+            <a:ext cx="3727937" cy="964223"/>
+          </a:xfrm>
+          <a:prstGeom prst="line">
+            <a:avLst/>
+          </a:prstGeom>
+        </p:spPr>
+        <p:style>
+          <a:lnRef idx="1">
+            <a:schemeClr val="accent1"/>
+          </a:lnRef>
+          <a:fillRef idx="0">
+            <a:schemeClr val="accent1"/>
+          </a:fillRef>
+          <a:effectRef idx="0">
+            <a:schemeClr val="accent1"/>
+          </a:effectRef>
+          <a:fontRef idx="minor">
+            <a:schemeClr val="tx1"/>
+          </a:fontRef>
+        </p:style>
+      </p:cxnSp>
+      <p:cxnSp>
+        <p:nvCxnSpPr>
+          <p:cNvPr id="19" name="直線接點 18"/>
+          <p:cNvCxnSpPr>
+            <a:stCxn id="11" idx="2"/>
+            <a:endCxn id="9" idx="6"/>
+          </p:cNvCxnSpPr>
+          <p:nvPr/>
+        </p:nvCxnSpPr>
+        <p:spPr>
+          <a:xfrm flipH="1">
+            <a:off x="8616463" y="3478823"/>
+            <a:ext cx="536331" cy="0"/>
+          </a:xfrm>
+          <a:prstGeom prst="line">
+            <a:avLst/>
+          </a:prstGeom>
+        </p:spPr>
+        <p:style>
+          <a:lnRef idx="1">
+            <a:schemeClr val="accent1"/>
+          </a:lnRef>
+          <a:fillRef idx="0">
+            <a:schemeClr val="accent1"/>
+          </a:fillRef>
+          <a:effectRef idx="0">
+            <a:schemeClr val="accent1"/>
+          </a:effectRef>
+          <a:fontRef idx="minor">
+            <a:schemeClr val="tx1"/>
+          </a:fontRef>
+        </p:style>
+      </p:cxnSp>
+      <p:cxnSp>
+        <p:nvCxnSpPr>
+          <p:cNvPr id="20" name="直線接點 19"/>
+          <p:cNvCxnSpPr>
+            <a:stCxn id="9" idx="2"/>
+            <a:endCxn id="10" idx="6"/>
+          </p:cNvCxnSpPr>
+          <p:nvPr/>
+        </p:nvCxnSpPr>
+        <p:spPr>
+          <a:xfrm flipH="1">
+            <a:off x="7543801" y="3478823"/>
+            <a:ext cx="536331" cy="0"/>
+          </a:xfrm>
+          <a:prstGeom prst="line">
+            <a:avLst/>
+          </a:prstGeom>
+        </p:spPr>
+        <p:style>
+          <a:lnRef idx="1">
+            <a:schemeClr val="accent1"/>
+          </a:lnRef>
+          <a:fillRef idx="0">
+            <a:schemeClr val="accent1"/>
+          </a:fillRef>
+          <a:effectRef idx="0">
+            <a:schemeClr val="accent1"/>
+          </a:effectRef>
+          <a:fontRef idx="minor">
+            <a:schemeClr val="tx1"/>
+          </a:fontRef>
+        </p:style>
+      </p:cxnSp>
+      <p:cxnSp>
+        <p:nvCxnSpPr>
+          <p:cNvPr id="21" name="直線接點 20"/>
+          <p:cNvCxnSpPr>
+            <a:stCxn id="8" idx="6"/>
+            <a:endCxn id="10" idx="2"/>
+          </p:cNvCxnSpPr>
+          <p:nvPr/>
+        </p:nvCxnSpPr>
+        <p:spPr>
+          <a:xfrm>
+            <a:off x="6471139" y="3478823"/>
+            <a:ext cx="536331" cy="0"/>
+          </a:xfrm>
+          <a:prstGeom prst="line">
+            <a:avLst/>
+          </a:prstGeom>
+        </p:spPr>
+        <p:style>
+          <a:lnRef idx="1">
+            <a:schemeClr val="accent1"/>
+          </a:lnRef>
+          <a:fillRef idx="0">
+            <a:schemeClr val="accent1"/>
+          </a:fillRef>
+          <a:effectRef idx="0">
+            <a:schemeClr val="accent1"/>
+          </a:effectRef>
+          <a:fontRef idx="minor">
+            <a:schemeClr val="tx1"/>
+          </a:fontRef>
+        </p:style>
+      </p:cxnSp>
+      <p:cxnSp>
+        <p:nvCxnSpPr>
+          <p:cNvPr id="22" name="直線接點 21"/>
+          <p:cNvCxnSpPr>
+            <a:stCxn id="7" idx="6"/>
+            <a:endCxn id="8" idx="2"/>
+          </p:cNvCxnSpPr>
+          <p:nvPr/>
+        </p:nvCxnSpPr>
+        <p:spPr>
+          <a:xfrm>
+            <a:off x="5398477" y="3478823"/>
+            <a:ext cx="536331" cy="0"/>
+          </a:xfrm>
+          <a:prstGeom prst="line">
+            <a:avLst/>
+          </a:prstGeom>
+        </p:spPr>
+        <p:style>
+          <a:lnRef idx="1">
+            <a:schemeClr val="accent1"/>
+          </a:lnRef>
+          <a:fillRef idx="0">
+            <a:schemeClr val="accent1"/>
+          </a:fillRef>
+          <a:effectRef idx="0">
+            <a:schemeClr val="accent1"/>
+          </a:effectRef>
+          <a:fontRef idx="minor">
+            <a:schemeClr val="tx1"/>
+          </a:fontRef>
+        </p:style>
+      </p:cxnSp>
+      <p:cxnSp>
+        <p:nvCxnSpPr>
+          <p:cNvPr id="23" name="直線接點 22"/>
+          <p:cNvCxnSpPr>
+            <a:stCxn id="6" idx="6"/>
+            <a:endCxn id="7" idx="2"/>
+          </p:cNvCxnSpPr>
+          <p:nvPr/>
+        </p:nvCxnSpPr>
+        <p:spPr>
+          <a:xfrm>
+            <a:off x="4325815" y="3478823"/>
+            <a:ext cx="536331" cy="0"/>
+          </a:xfrm>
+          <a:prstGeom prst="line">
+            <a:avLst/>
+          </a:prstGeom>
+        </p:spPr>
+        <p:style>
+          <a:lnRef idx="1">
+            <a:schemeClr val="accent1"/>
+          </a:lnRef>
+          <a:fillRef idx="0">
+            <a:schemeClr val="accent1"/>
+          </a:fillRef>
+          <a:effectRef idx="0">
+            <a:schemeClr val="accent1"/>
+          </a:effectRef>
+          <a:fontRef idx="minor">
+            <a:schemeClr val="tx1"/>
+          </a:fontRef>
+        </p:style>
+      </p:cxnSp>
+      <p:cxnSp>
+        <p:nvCxnSpPr>
+          <p:cNvPr id="36" name="直線接點 35"/>
+          <p:cNvCxnSpPr>
+            <a:stCxn id="6" idx="0"/>
+            <a:endCxn id="4" idx="4"/>
+          </p:cNvCxnSpPr>
+          <p:nvPr/>
+        </p:nvCxnSpPr>
+        <p:spPr>
+          <a:xfrm flipV="1">
+            <a:off x="4057650" y="2259623"/>
+            <a:ext cx="1608993" cy="964223"/>
+          </a:xfrm>
+          <a:prstGeom prst="line">
+            <a:avLst/>
+          </a:prstGeom>
+        </p:spPr>
+        <p:style>
+          <a:lnRef idx="1">
+            <a:schemeClr val="accent1"/>
+          </a:lnRef>
+          <a:fillRef idx="0">
+            <a:schemeClr val="accent1"/>
+          </a:fillRef>
+          <a:effectRef idx="0">
+            <a:schemeClr val="accent1"/>
+          </a:effectRef>
+          <a:fontRef idx="minor">
+            <a:schemeClr val="tx1"/>
+          </a:fontRef>
+        </p:style>
+      </p:cxnSp>
+      <p:cxnSp>
+        <p:nvCxnSpPr>
+          <p:cNvPr id="37" name="直線接點 36"/>
+          <p:cNvCxnSpPr>
+            <a:stCxn id="4" idx="4"/>
+            <a:endCxn id="7" idx="0"/>
+          </p:cNvCxnSpPr>
+          <p:nvPr/>
+        </p:nvCxnSpPr>
+        <p:spPr>
+          <a:xfrm flipH="1">
+            <a:off x="5130312" y="2259623"/>
+            <a:ext cx="536331" cy="964223"/>
+          </a:xfrm>
+          <a:prstGeom prst="line">
+            <a:avLst/>
+          </a:prstGeom>
+        </p:spPr>
+        <p:style>
+          <a:lnRef idx="1">
+            <a:schemeClr val="accent1"/>
+          </a:lnRef>
+          <a:fillRef idx="0">
+            <a:schemeClr val="accent1"/>
+          </a:fillRef>
+          <a:effectRef idx="0">
+            <a:schemeClr val="accent1"/>
+          </a:effectRef>
+          <a:fontRef idx="minor">
+            <a:schemeClr val="tx1"/>
+          </a:fontRef>
+        </p:style>
+      </p:cxnSp>
+      <p:cxnSp>
+        <p:nvCxnSpPr>
+          <p:cNvPr id="38" name="直線接點 37"/>
+          <p:cNvCxnSpPr>
+            <a:stCxn id="8" idx="0"/>
+            <a:endCxn id="4" idx="4"/>
+          </p:cNvCxnSpPr>
+          <p:nvPr/>
+        </p:nvCxnSpPr>
+        <p:spPr>
+          <a:xfrm flipH="1" flipV="1">
+            <a:off x="5666643" y="2259623"/>
+            <a:ext cx="536331" cy="964223"/>
+          </a:xfrm>
+          <a:prstGeom prst="line">
+            <a:avLst/>
+          </a:prstGeom>
+        </p:spPr>
+        <p:style>
+          <a:lnRef idx="1">
+            <a:schemeClr val="accent1"/>
+          </a:lnRef>
+          <a:fillRef idx="0">
+            <a:schemeClr val="accent1"/>
+          </a:fillRef>
+          <a:effectRef idx="0">
+            <a:schemeClr val="accent1"/>
+          </a:effectRef>
+          <a:fontRef idx="minor">
+            <a:schemeClr val="tx1"/>
+          </a:fontRef>
+        </p:style>
+      </p:cxnSp>
+      <p:cxnSp>
+        <p:nvCxnSpPr>
+          <p:cNvPr id="39" name="直線接點 38"/>
+          <p:cNvCxnSpPr>
+            <a:stCxn id="4" idx="4"/>
+            <a:endCxn id="10" idx="0"/>
+          </p:cNvCxnSpPr>
+          <p:nvPr/>
+        </p:nvCxnSpPr>
+        <p:spPr>
+          <a:xfrm>
+            <a:off x="5666643" y="2259623"/>
+            <a:ext cx="1608993" cy="964223"/>
+          </a:xfrm>
+          <a:prstGeom prst="line">
+            <a:avLst/>
+          </a:prstGeom>
+        </p:spPr>
+        <p:style>
+          <a:lnRef idx="1">
+            <a:schemeClr val="accent1"/>
+          </a:lnRef>
+          <a:fillRef idx="0">
+            <a:schemeClr val="accent1"/>
+          </a:fillRef>
+          <a:effectRef idx="0">
+            <a:schemeClr val="accent1"/>
+          </a:effectRef>
+          <a:fontRef idx="minor">
+            <a:schemeClr val="tx1"/>
+          </a:fontRef>
+        </p:style>
+      </p:cxnSp>
+      <p:cxnSp>
+        <p:nvCxnSpPr>
+          <p:cNvPr id="40" name="直線接點 39"/>
+          <p:cNvCxnSpPr>
+            <a:stCxn id="12" idx="0"/>
+            <a:endCxn id="4" idx="4"/>
+          </p:cNvCxnSpPr>
+          <p:nvPr/>
+        </p:nvCxnSpPr>
+        <p:spPr>
+          <a:xfrm flipV="1">
+            <a:off x="2984988" y="2259623"/>
+            <a:ext cx="2681655" cy="964223"/>
+          </a:xfrm>
+          <a:prstGeom prst="line">
+            <a:avLst/>
+          </a:prstGeom>
+        </p:spPr>
+        <p:style>
+          <a:lnRef idx="1">
+            <a:schemeClr val="accent1"/>
+          </a:lnRef>
+          <a:fillRef idx="0">
+            <a:schemeClr val="accent1"/>
+          </a:fillRef>
+          <a:effectRef idx="0">
+            <a:schemeClr val="accent1"/>
+          </a:effectRef>
+          <a:fontRef idx="minor">
+            <a:schemeClr val="tx1"/>
+          </a:fontRef>
+        </p:style>
+      </p:cxnSp>
+      <p:cxnSp>
+        <p:nvCxnSpPr>
+          <p:cNvPr id="51" name="直線接點 50"/>
+          <p:cNvCxnSpPr>
+            <a:stCxn id="4" idx="4"/>
+            <a:endCxn id="11" idx="0"/>
+          </p:cNvCxnSpPr>
+          <p:nvPr/>
+        </p:nvCxnSpPr>
+        <p:spPr>
+          <a:xfrm>
+            <a:off x="5666643" y="2259623"/>
+            <a:ext cx="3754317" cy="964223"/>
+          </a:xfrm>
+          <a:prstGeom prst="line">
+            <a:avLst/>
+          </a:prstGeom>
+        </p:spPr>
+        <p:style>
+          <a:lnRef idx="1">
+            <a:schemeClr val="accent1"/>
+          </a:lnRef>
+          <a:fillRef idx="0">
+            <a:schemeClr val="accent1"/>
+          </a:fillRef>
+          <a:effectRef idx="0">
+            <a:schemeClr val="accent1"/>
+          </a:effectRef>
+          <a:fontRef idx="minor">
+            <a:schemeClr val="tx1"/>
+          </a:fontRef>
+        </p:style>
+      </p:cxnSp>
+      <p:cxnSp>
+        <p:nvCxnSpPr>
+          <p:cNvPr id="52" name="直線接點 51"/>
+          <p:cNvCxnSpPr>
+            <a:stCxn id="9" idx="0"/>
+            <a:endCxn id="4" idx="4"/>
+          </p:cNvCxnSpPr>
+          <p:nvPr/>
+        </p:nvCxnSpPr>
+        <p:spPr>
+          <a:xfrm flipH="1" flipV="1">
+            <a:off x="5666643" y="2259623"/>
+            <a:ext cx="2681655" cy="964223"/>
+          </a:xfrm>
+          <a:prstGeom prst="line">
+            <a:avLst/>
+          </a:prstGeom>
+        </p:spPr>
+        <p:style>
+          <a:lnRef idx="1">
+            <a:schemeClr val="accent1"/>
+          </a:lnRef>
+          <a:fillRef idx="0">
+            <a:schemeClr val="accent1"/>
+          </a:fillRef>
+          <a:effectRef idx="0">
+            <a:schemeClr val="accent1"/>
+          </a:effectRef>
+          <a:fontRef idx="minor">
+            <a:schemeClr val="tx1"/>
+          </a:fontRef>
+        </p:style>
+      </p:cxnSp>
+    </p:spTree>
+    <p:extLst>
+      <p:ext uri="{BB962C8B-B14F-4D97-AF65-F5344CB8AC3E}">
+        <p14:creationId xmlns:p14="http://schemas.microsoft.com/office/powerpoint/2010/main" val="2979090346"/>
+      </p:ext>
+    </p:extLst>
+  </p:cSld>
+  <p:clrMapOvr>
+    <a:masterClrMapping/>
+  </p:clrMapOvr>
+</p:sld>
+</file>
+
+<file path=ppt/slides/slide11.xml><?xml version="1.0" encoding="utf-8"?>
+<p:sld xmlns:a="http://schemas.openxmlformats.org/drawingml/2006/main" xmlns:r="http://schemas.openxmlformats.org/officeDocument/2006/relationships" xmlns:p="http://schemas.openxmlformats.org/presentationml/2006/main">
+  <p:cSld>
+    <p:spTree>
+      <p:nvGrpSpPr>
+        <p:cNvPr id="1" name=""/>
+        <p:cNvGrpSpPr/>
+        <p:nvPr/>
+      </p:nvGrpSpPr>
+      <p:grpSpPr>
+        <a:xfrm>
+          <a:off x="0" y="0"/>
+          <a:ext cx="0" cy="0"/>
+          <a:chOff x="0" y="0"/>
+          <a:chExt cx="0" cy="0"/>
+        </a:xfrm>
+      </p:grpSpPr>
+      <p:sp>
+        <p:nvSpPr>
+          <p:cNvPr id="2" name="標題 1"/>
+          <p:cNvSpPr>
+            <a:spLocks noGrp="1"/>
+          </p:cNvSpPr>
+          <p:nvPr>
+            <p:ph type="title"/>
+          </p:nvPr>
+        </p:nvSpPr>
+        <p:spPr/>
+        <p:txBody>
           <a:bodyPr>
             <a:normAutofit/>
           </a:bodyPr>
@@ -5973,11 +7426,7 @@
             </a:r>
             <a:r>
               <a:rPr lang="zh-HK" altLang="zh-TW" sz="4800" dirty="0" smtClean="0"/>
-              <a:t>演算法</a:t>
-            </a:r>
-            <a:r>
-              <a:rPr lang="zh-HK" altLang="zh-TW" sz="4800" dirty="0" smtClean="0"/>
-              <a:t>設計說明</a:t>
+              <a:t>演算法設計說明</a:t>
             </a:r>
             <a:r>
               <a:rPr lang="en-US" altLang="zh-HK" sz="4800" dirty="0"/>
@@ -5998,8 +7447,8 @@
           </a:p>
         </p:txBody>
       </p:sp>
-      <mc:AlternateContent xmlns:mc="http://schemas.openxmlformats.org/markup-compatibility/2006">
-        <mc:Choice xmlns:a14="http://schemas.microsoft.com/office/drawing/2010/main" Requires="a14">
+      <mc:AlternateContent xmlns:mc="http://schemas.openxmlformats.org/markup-compatibility/2006" xmlns:a14="http://schemas.microsoft.com/office/drawing/2010/main">
+        <mc:Choice Requires="a14">
           <p:sp>
             <p:nvSpPr>
               <p:cNvPr id="9" name="流程圖: 接點 8"/>
@@ -6075,7 +7524,7 @@
             </p:txBody>
           </p:sp>
         </mc:Choice>
-        <mc:Fallback>
+        <mc:Fallback xmlns="">
           <p:sp>
             <p:nvSpPr>
               <p:cNvPr id="9" name="流程圖: 接點 8"/>
@@ -6114,8 +7563,8 @@
           </p:sp>
         </mc:Fallback>
       </mc:AlternateContent>
-      <mc:AlternateContent xmlns:mc="http://schemas.openxmlformats.org/markup-compatibility/2006">
-        <mc:Choice xmlns:a14="http://schemas.microsoft.com/office/drawing/2010/main" Requires="a14">
+      <mc:AlternateContent xmlns:mc="http://schemas.openxmlformats.org/markup-compatibility/2006" xmlns:a14="http://schemas.microsoft.com/office/drawing/2010/main">
+        <mc:Choice Requires="a14">
           <p:sp>
             <p:nvSpPr>
               <p:cNvPr id="12" name="流程圖: 接點 11"/>
@@ -6191,7 +7640,7 @@
             </p:txBody>
           </p:sp>
         </mc:Choice>
-        <mc:Fallback>
+        <mc:Fallback xmlns="">
           <p:sp>
             <p:nvSpPr>
               <p:cNvPr id="12" name="流程圖: 接點 11"/>
@@ -6263,8 +7712,8 @@
           </a:fontRef>
         </p:style>
       </p:cxnSp>
-      <mc:AlternateContent xmlns:mc="http://schemas.openxmlformats.org/markup-compatibility/2006">
-        <mc:Choice xmlns:a14="http://schemas.microsoft.com/office/drawing/2010/main" Requires="a14">
+      <mc:AlternateContent xmlns:mc="http://schemas.openxmlformats.org/markup-compatibility/2006" xmlns:a14="http://schemas.microsoft.com/office/drawing/2010/main">
+        <mc:Choice Requires="a14">
           <p:sp>
             <p:nvSpPr>
               <p:cNvPr id="17" name="流程圖: 接點 16"/>
@@ -6340,7 +7789,7 @@
             </p:txBody>
           </p:sp>
         </mc:Choice>
-        <mc:Fallback>
+        <mc:Fallback xmlns="">
           <p:sp>
             <p:nvSpPr>
               <p:cNvPr id="17" name="流程圖: 接點 16"/>
@@ -6412,8 +7861,8 @@
           </a:fontRef>
         </p:style>
       </p:cxnSp>
-      <mc:AlternateContent xmlns:mc="http://schemas.openxmlformats.org/markup-compatibility/2006">
-        <mc:Choice xmlns:a14="http://schemas.microsoft.com/office/drawing/2010/main" Requires="a14">
+      <mc:AlternateContent xmlns:mc="http://schemas.openxmlformats.org/markup-compatibility/2006" xmlns:a14="http://schemas.microsoft.com/office/drawing/2010/main">
+        <mc:Choice Requires="a14">
           <p:sp>
             <p:nvSpPr>
               <p:cNvPr id="20" name="流程圖: 接點 19"/>
@@ -6489,7 +7938,7 @@
             </p:txBody>
           </p:sp>
         </mc:Choice>
-        <mc:Fallback>
+        <mc:Fallback xmlns="">
           <p:sp>
             <p:nvSpPr>
               <p:cNvPr id="20" name="流程圖: 接點 19"/>
@@ -6561,8 +8010,8 @@
           </a:fontRef>
         </p:style>
       </p:cxnSp>
-      <mc:AlternateContent xmlns:mc="http://schemas.openxmlformats.org/markup-compatibility/2006">
-        <mc:Choice xmlns:a14="http://schemas.microsoft.com/office/drawing/2010/main" Requires="a14">
+      <mc:AlternateContent xmlns:mc="http://schemas.openxmlformats.org/markup-compatibility/2006" xmlns:a14="http://schemas.microsoft.com/office/drawing/2010/main">
+        <mc:Choice Requires="a14">
           <p:sp>
             <p:nvSpPr>
               <p:cNvPr id="23" name="流程圖: 接點 22"/>
@@ -6638,7 +8087,7 @@
             </p:txBody>
           </p:sp>
         </mc:Choice>
-        <mc:Fallback>
+        <mc:Fallback xmlns="">
           <p:sp>
             <p:nvSpPr>
               <p:cNvPr id="23" name="流程圖: 接點 22"/>
@@ -6710,8 +8159,8 @@
           </a:fontRef>
         </p:style>
       </p:cxnSp>
-      <mc:AlternateContent xmlns:mc="http://schemas.openxmlformats.org/markup-compatibility/2006">
-        <mc:Choice xmlns:a14="http://schemas.microsoft.com/office/drawing/2010/main" Requires="a14">
+      <mc:AlternateContent xmlns:mc="http://schemas.openxmlformats.org/markup-compatibility/2006" xmlns:a14="http://schemas.microsoft.com/office/drawing/2010/main">
+        <mc:Choice Requires="a14">
           <p:sp>
             <p:nvSpPr>
               <p:cNvPr id="28" name="流程圖: 接點 27"/>
@@ -6787,7 +8236,7 @@
             </p:txBody>
           </p:sp>
         </mc:Choice>
-        <mc:Fallback>
+        <mc:Fallback xmlns="">
           <p:sp>
             <p:nvSpPr>
               <p:cNvPr id="28" name="流程圖: 接點 27"/>
@@ -6859,8 +8308,8 @@
           </a:fontRef>
         </p:style>
       </p:cxnSp>
-      <mc:AlternateContent xmlns:mc="http://schemas.openxmlformats.org/markup-compatibility/2006">
-        <mc:Choice xmlns:a14="http://schemas.microsoft.com/office/drawing/2010/main" Requires="a14">
+      <mc:AlternateContent xmlns:mc="http://schemas.openxmlformats.org/markup-compatibility/2006" xmlns:a14="http://schemas.microsoft.com/office/drawing/2010/main">
+        <mc:Choice Requires="a14">
           <p:sp>
             <p:nvSpPr>
               <p:cNvPr id="30" name="流程圖: 接點 29"/>
@@ -6936,7 +8385,7 @@
             </p:txBody>
           </p:sp>
         </mc:Choice>
-        <mc:Fallback>
+        <mc:Fallback xmlns="">
           <p:sp>
             <p:nvSpPr>
               <p:cNvPr id="30" name="流程圖: 接點 29"/>
@@ -7008,8 +8457,8 @@
           </a:fontRef>
         </p:style>
       </p:cxnSp>
-      <mc:AlternateContent xmlns:mc="http://schemas.openxmlformats.org/markup-compatibility/2006">
-        <mc:Choice xmlns:a14="http://schemas.microsoft.com/office/drawing/2010/main" Requires="a14">
+      <mc:AlternateContent xmlns:mc="http://schemas.openxmlformats.org/markup-compatibility/2006" xmlns:a14="http://schemas.microsoft.com/office/drawing/2010/main">
+        <mc:Choice Requires="a14">
           <p:sp>
             <p:nvSpPr>
               <p:cNvPr id="39" name="流程圖: 接點 38"/>
@@ -7066,7 +8515,7 @@
             </p:txBody>
           </p:sp>
         </mc:Choice>
-        <mc:Fallback>
+        <mc:Fallback xmlns="">
           <p:sp>
             <p:nvSpPr>
               <p:cNvPr id="39" name="流程圖: 接點 38"/>
@@ -7105,8 +8554,8 @@
           </p:sp>
         </mc:Fallback>
       </mc:AlternateContent>
-      <mc:AlternateContent xmlns:mc="http://schemas.openxmlformats.org/markup-compatibility/2006">
-        <mc:Choice xmlns:a14="http://schemas.microsoft.com/office/drawing/2010/main" Requires="a14">
+      <mc:AlternateContent xmlns:mc="http://schemas.openxmlformats.org/markup-compatibility/2006" xmlns:a14="http://schemas.microsoft.com/office/drawing/2010/main">
+        <mc:Choice Requires="a14">
           <p:sp>
             <p:nvSpPr>
               <p:cNvPr id="40" name="流程圖: 接點 39"/>
@@ -7163,7 +8612,7 @@
             </p:txBody>
           </p:sp>
         </mc:Choice>
-        <mc:Fallback>
+        <mc:Fallback xmlns="">
           <p:sp>
             <p:nvSpPr>
               <p:cNvPr id="40" name="流程圖: 接點 39"/>
@@ -7202,8 +8651,8 @@
           </p:sp>
         </mc:Fallback>
       </mc:AlternateContent>
-      <mc:AlternateContent xmlns:mc="http://schemas.openxmlformats.org/markup-compatibility/2006">
-        <mc:Choice xmlns:a14="http://schemas.microsoft.com/office/drawing/2010/main" Requires="a14">
+      <mc:AlternateContent xmlns:mc="http://schemas.openxmlformats.org/markup-compatibility/2006" xmlns:a14="http://schemas.microsoft.com/office/drawing/2010/main">
+        <mc:Choice Requires="a14">
           <p:sp>
             <p:nvSpPr>
               <p:cNvPr id="41" name="流程圖: 接點 40"/>
@@ -7260,7 +8709,7 @@
             </p:txBody>
           </p:sp>
         </mc:Choice>
-        <mc:Fallback>
+        <mc:Fallback xmlns="">
           <p:sp>
             <p:nvSpPr>
               <p:cNvPr id="41" name="流程圖: 接點 40"/>
@@ -7299,8 +8748,8 @@
           </p:sp>
         </mc:Fallback>
       </mc:AlternateContent>
-      <mc:AlternateContent xmlns:mc="http://schemas.openxmlformats.org/markup-compatibility/2006">
-        <mc:Choice xmlns:a14="http://schemas.microsoft.com/office/drawing/2010/main" Requires="a14">
+      <mc:AlternateContent xmlns:mc="http://schemas.openxmlformats.org/markup-compatibility/2006" xmlns:a14="http://schemas.microsoft.com/office/drawing/2010/main">
+        <mc:Choice Requires="a14">
           <p:sp>
             <p:nvSpPr>
               <p:cNvPr id="42" name="流程圖: 接點 41"/>
@@ -7357,7 +8806,7 @@
             </p:txBody>
           </p:sp>
         </mc:Choice>
-        <mc:Fallback>
+        <mc:Fallback xmlns="">
           <p:sp>
             <p:nvSpPr>
               <p:cNvPr id="42" name="流程圖: 接點 41"/>
@@ -7396,8 +8845,8 @@
           </p:sp>
         </mc:Fallback>
       </mc:AlternateContent>
-      <mc:AlternateContent xmlns:mc="http://schemas.openxmlformats.org/markup-compatibility/2006">
-        <mc:Choice xmlns:a14="http://schemas.microsoft.com/office/drawing/2010/main" Requires="a14">
+      <mc:AlternateContent xmlns:mc="http://schemas.openxmlformats.org/markup-compatibility/2006" xmlns:a14="http://schemas.microsoft.com/office/drawing/2010/main">
+        <mc:Choice Requires="a14">
           <p:sp>
             <p:nvSpPr>
               <p:cNvPr id="43" name="流程圖: 接點 42"/>
@@ -7454,7 +8903,7 @@
             </p:txBody>
           </p:sp>
         </mc:Choice>
-        <mc:Fallback>
+        <mc:Fallback xmlns="">
           <p:sp>
             <p:nvSpPr>
               <p:cNvPr id="43" name="流程圖: 接點 42"/>
@@ -7493,8 +8942,8 @@
           </p:sp>
         </mc:Fallback>
       </mc:AlternateContent>
-      <mc:AlternateContent xmlns:mc="http://schemas.openxmlformats.org/markup-compatibility/2006">
-        <mc:Choice xmlns:a14="http://schemas.microsoft.com/office/drawing/2010/main" Requires="a14">
+      <mc:AlternateContent xmlns:mc="http://schemas.openxmlformats.org/markup-compatibility/2006" xmlns:a14="http://schemas.microsoft.com/office/drawing/2010/main">
+        <mc:Choice Requires="a14">
           <p:sp>
             <p:nvSpPr>
               <p:cNvPr id="44" name="流程圖: 接點 43"/>
@@ -7551,7 +9000,7 @@
             </p:txBody>
           </p:sp>
         </mc:Choice>
-        <mc:Fallback>
+        <mc:Fallback xmlns="">
           <p:sp>
             <p:nvSpPr>
               <p:cNvPr id="44" name="流程圖: 接點 43"/>
@@ -7590,8 +9039,8 @@
           </p:sp>
         </mc:Fallback>
       </mc:AlternateContent>
-      <mc:AlternateContent xmlns:mc="http://schemas.openxmlformats.org/markup-compatibility/2006">
-        <mc:Choice xmlns:a14="http://schemas.microsoft.com/office/drawing/2010/main" Requires="a14">
+      <mc:AlternateContent xmlns:mc="http://schemas.openxmlformats.org/markup-compatibility/2006" xmlns:a14="http://schemas.microsoft.com/office/drawing/2010/main">
+        <mc:Choice Requires="a14">
           <p:sp>
             <p:nvSpPr>
               <p:cNvPr id="45" name="流程圖: 接點 44"/>
@@ -7648,7 +9097,7 @@
             </p:txBody>
           </p:sp>
         </mc:Choice>
-        <mc:Fallback>
+        <mc:Fallback xmlns="">
           <p:sp>
             <p:nvSpPr>
               <p:cNvPr id="45" name="流程圖: 接點 44"/>
@@ -7687,8 +9136,8 @@
           </p:sp>
         </mc:Fallback>
       </mc:AlternateContent>
-      <mc:AlternateContent xmlns:mc="http://schemas.openxmlformats.org/markup-compatibility/2006">
-        <mc:Choice xmlns:a14="http://schemas.microsoft.com/office/drawing/2010/main" Requires="a14">
+      <mc:AlternateContent xmlns:mc="http://schemas.openxmlformats.org/markup-compatibility/2006" xmlns:a14="http://schemas.microsoft.com/office/drawing/2010/main">
+        <mc:Choice Requires="a14">
           <p:sp>
             <p:nvSpPr>
               <p:cNvPr id="46" name="流程圖: 接點 45"/>
@@ -7745,7 +9194,7 @@
             </p:txBody>
           </p:sp>
         </mc:Choice>
-        <mc:Fallback>
+        <mc:Fallback xmlns="">
           <p:sp>
             <p:nvSpPr>
               <p:cNvPr id="46" name="流程圖: 接點 45"/>
@@ -8068,7 +9517,7 @@
 </p:sld>
 </file>
 
-<file path=ppt/slides/slide11.xml><?xml version="1.0" encoding="utf-8"?>
+<file path=ppt/slides/slide12.xml><?xml version="1.0" encoding="utf-8"?>
 <p:sld xmlns:a="http://schemas.openxmlformats.org/drawingml/2006/main" xmlns:r="http://schemas.openxmlformats.org/officeDocument/2006/relationships" xmlns:p="http://schemas.openxmlformats.org/presentationml/2006/main">
   <p:cSld>
     <p:spTree>
@@ -8107,11 +9556,7 @@
             </a:r>
             <a:r>
               <a:rPr lang="zh-TW" altLang="zh-TW" dirty="0" smtClean="0"/>
-              <a:t>研究</a:t>
-            </a:r>
-            <a:r>
-              <a:rPr lang="zh-TW" altLang="zh-TW" dirty="0" smtClean="0"/>
-              <a:t>結果</a:t>
+              <a:t>研究結果</a:t>
             </a:r>
             <a:r>
               <a:rPr lang="en-US" altLang="zh-TW" dirty="0" smtClean="0"/>
@@ -8203,7 +9648,7 @@
 </p:sld>
 </file>
 
-<file path=ppt/slides/slide12.xml><?xml version="1.0" encoding="utf-8"?>
+<file path=ppt/slides/slide13.xml><?xml version="1.0" encoding="utf-8"?>
 <p:sld xmlns:a="http://schemas.openxmlformats.org/drawingml/2006/main" xmlns:r="http://schemas.openxmlformats.org/officeDocument/2006/relationships" xmlns:p="http://schemas.openxmlformats.org/presentationml/2006/main">
   <p:cSld>
     <p:spTree>
@@ -8242,11 +9687,7 @@
             </a:r>
             <a:r>
               <a:rPr lang="zh-TW" altLang="zh-TW" dirty="0" smtClean="0"/>
-              <a:t>研究</a:t>
-            </a:r>
-            <a:r>
-              <a:rPr lang="zh-TW" altLang="zh-TW" dirty="0" smtClean="0"/>
-              <a:t>結果</a:t>
+              <a:t>研究結果</a:t>
             </a:r>
             <a:r>
               <a:rPr lang="en-US" altLang="zh-TW" dirty="0" smtClean="0"/>
@@ -8338,199 +9779,6 @@
 </p:sld>
 </file>
 
-<file path=ppt/slides/slide13.xml><?xml version="1.0" encoding="utf-8"?>
-<p:sld xmlns:a="http://schemas.openxmlformats.org/drawingml/2006/main" xmlns:r="http://schemas.openxmlformats.org/officeDocument/2006/relationships" xmlns:p="http://schemas.openxmlformats.org/presentationml/2006/main">
-  <p:cSld>
-    <p:spTree>
-      <p:nvGrpSpPr>
-        <p:cNvPr id="1" name=""/>
-        <p:cNvGrpSpPr/>
-        <p:nvPr/>
-      </p:nvGrpSpPr>
-      <p:grpSpPr>
-        <a:xfrm>
-          <a:off x="0" y="0"/>
-          <a:ext cx="0" cy="0"/>
-          <a:chOff x="0" y="0"/>
-          <a:chExt cx="0" cy="0"/>
-        </a:xfrm>
-      </p:grpSpPr>
-      <p:sp>
-        <p:nvSpPr>
-          <p:cNvPr id="2" name="標題 1"/>
-          <p:cNvSpPr>
-            <a:spLocks noGrp="1"/>
-          </p:cNvSpPr>
-          <p:nvPr>
-            <p:ph type="title"/>
-          </p:nvPr>
-        </p:nvSpPr>
-        <p:spPr/>
-        <p:txBody>
-          <a:bodyPr>
-            <a:normAutofit/>
-          </a:bodyPr>
-          <a:lstStyle/>
-          <a:p>
-            <a:pPr algn="ctr"/>
-            <a:r>
-              <a:rPr lang="zh-TW" altLang="en-US" sz="4800" dirty="0"/>
-              <a:t>結論</a:t>
-            </a:r>
-          </a:p>
-        </p:txBody>
-      </p:sp>
-      <p:sp>
-        <p:nvSpPr>
-          <p:cNvPr id="3" name="內容版面配置區 2"/>
-          <p:cNvSpPr>
-            <a:spLocks noGrp="1"/>
-          </p:cNvSpPr>
-          <p:nvPr>
-            <p:ph idx="1"/>
-          </p:nvPr>
-        </p:nvSpPr>
-        <p:spPr>
-          <a:xfrm>
-            <a:off x="677334" y="1940789"/>
-            <a:ext cx="8596668" cy="3880773"/>
-          </a:xfrm>
-        </p:spPr>
-        <p:txBody>
-          <a:bodyPr>
-            <a:noAutofit/>
-          </a:bodyPr>
-          <a:lstStyle/>
-          <a:p>
-            <a:pPr marL="457200" lvl="1" indent="0" algn="ctr">
-              <a:buNone/>
-            </a:pPr>
-            <a:r>
-              <a:rPr lang="en-US" altLang="zh-TW" sz="3200" b="1" dirty="0" smtClean="0"/>
-              <a:t>	</a:t>
-            </a:r>
-            <a:r>
-              <a:rPr lang="zh-TW" altLang="zh-TW" sz="3200" b="1" dirty="0" smtClean="0"/>
-              <a:t>質數</a:t>
-            </a:r>
-            <a:r>
-              <a:rPr lang="zh-TW" altLang="zh-TW" sz="3200" b="1" dirty="0"/>
-              <a:t>間的關係</a:t>
-            </a:r>
-          </a:p>
-          <a:p>
-            <a:pPr marL="0" indent="0" algn="ctr">
-              <a:buNone/>
-            </a:pPr>
-            <a:r>
-              <a:rPr lang="en-US" altLang="zh-TW" sz="3200" dirty="0" smtClean="0"/>
-              <a:t>	</a:t>
-            </a:r>
-            <a:r>
-              <a:rPr lang="zh-TW" altLang="zh-TW" sz="3200" dirty="0" smtClean="0"/>
-              <a:t>在</a:t>
-            </a:r>
-            <a:r>
-              <a:rPr lang="zh-TW" altLang="zh-TW" sz="3200" dirty="0"/>
-              <a:t>質數間的關係，同樣尾數的質數之間</a:t>
-            </a:r>
-            <a:r>
-              <a:rPr lang="zh-TW" altLang="zh-TW" sz="3200" dirty="0" smtClean="0"/>
-              <a:t>通常</a:t>
-            </a:r>
-            <a:r>
-              <a:rPr lang="en-US" altLang="zh-TW" sz="3200" dirty="0" smtClean="0"/>
-              <a:t>	</a:t>
-            </a:r>
-            <a:r>
-              <a:rPr lang="zh-TW" altLang="zh-TW" sz="3200" dirty="0" smtClean="0"/>
-              <a:t>會</a:t>
-            </a:r>
-            <a:r>
-              <a:rPr lang="zh-TW" altLang="zh-TW" sz="3200" dirty="0"/>
-              <a:t>遵守一定的關係式，而且尾數相加等於</a:t>
-            </a:r>
-            <a:r>
-              <a:rPr lang="en-US" altLang="zh-TW" sz="3200" dirty="0" smtClean="0"/>
-              <a:t>10	</a:t>
-            </a:r>
-            <a:r>
-              <a:rPr lang="zh-TW" altLang="zh-TW" sz="3200" dirty="0" smtClean="0"/>
-              <a:t>之</a:t>
-            </a:r>
-            <a:r>
-              <a:rPr lang="zh-TW" altLang="zh-TW" sz="3200" dirty="0"/>
-              <a:t>質數通常也會遵守一樣的規律。</a:t>
-            </a:r>
-          </a:p>
-          <a:p>
-            <a:pPr marL="457200" lvl="1" indent="0" algn="ctr">
-              <a:buNone/>
-            </a:pPr>
-            <a:r>
-              <a:rPr lang="en-US" altLang="zh-TW" sz="3200" b="1" dirty="0" smtClean="0"/>
-              <a:t>	</a:t>
-            </a:r>
-            <a:r>
-              <a:rPr lang="zh-TW" altLang="zh-TW" sz="3200" b="1" dirty="0" smtClean="0"/>
-              <a:t>單一</a:t>
-            </a:r>
-            <a:r>
-              <a:rPr lang="zh-TW" altLang="zh-TW" sz="3200" b="1" dirty="0"/>
-              <a:t>質數各次方間之關係</a:t>
-            </a:r>
-          </a:p>
-          <a:p>
-            <a:pPr marL="0" indent="0" algn="ctr">
-              <a:buNone/>
-            </a:pPr>
-            <a:r>
-              <a:rPr lang="en-US" altLang="zh-TW" sz="3200" dirty="0" smtClean="0"/>
-              <a:t>	</a:t>
-            </a:r>
-            <a:r>
-              <a:rPr lang="zh-TW" altLang="zh-TW" sz="3200" dirty="0" smtClean="0"/>
-              <a:t>在</a:t>
-            </a:r>
-            <a:r>
-              <a:rPr lang="zh-TW" altLang="zh-TW" sz="3200" dirty="0"/>
-              <a:t>質數各次方間之關係，其循環個數成</a:t>
-            </a:r>
-            <a:r>
-              <a:rPr lang="zh-TW" altLang="zh-TW" sz="3200" dirty="0" smtClean="0"/>
-              <a:t>等比</a:t>
-            </a:r>
-            <a:r>
-              <a:rPr lang="en-US" altLang="zh-TW" sz="3200" dirty="0" smtClean="0"/>
-              <a:t>	</a:t>
-            </a:r>
-            <a:r>
-              <a:rPr lang="zh-TW" altLang="zh-TW" sz="3200" dirty="0" smtClean="0"/>
-              <a:t>數列</a:t>
-            </a:r>
-            <a:r>
-              <a:rPr lang="zh-TW" altLang="zh-TW" sz="3200" dirty="0"/>
-              <a:t>，且公比為質數本身。</a:t>
-            </a:r>
-          </a:p>
-          <a:p>
-            <a:endParaRPr lang="zh-TW" altLang="en-US" sz="3200" dirty="0"/>
-          </a:p>
-        </p:txBody>
-      </p:sp>
-    </p:spTree>
-    <p:extLst>
-      <p:ext uri="{BB962C8B-B14F-4D97-AF65-F5344CB8AC3E}">
-        <p14:creationId xmlns:p14="http://schemas.microsoft.com/office/powerpoint/2010/main" val="227770976"/>
-      </p:ext>
-    </p:extLst>
-  </p:cSld>
-  <p:clrMapOvr>
-    <a:masterClrMapping/>
-  </p:clrMapOvr>
-</p:sld>
-</file>
-
 <file path=ppt/slides/slide14.xml><?xml version="1.0" encoding="utf-8"?>
 <p:sld xmlns:a="http://schemas.openxmlformats.org/drawingml/2006/main" xmlns:r="http://schemas.openxmlformats.org/officeDocument/2006/relationships" xmlns:p="http://schemas.openxmlformats.org/presentationml/2006/main">
   <p:cSld>
@@ -8567,10 +9815,9 @@
           <a:p>
             <a:pPr algn="ctr"/>
             <a:r>
-              <a:rPr lang="zh-TW" altLang="en-US" sz="4800" dirty="0" smtClean="0"/>
-              <a:t>聯絡方式</a:t>
-            </a:r>
-            <a:endParaRPr lang="zh-TW" altLang="en-US" sz="4800" dirty="0"/>
+              <a:rPr lang="zh-TW" altLang="en-US" sz="4800" dirty="0"/>
+              <a:t>結論</a:t>
+            </a:r>
           </a:p>
         </p:txBody>
       </p:sp>
@@ -8584,6 +9831,174 @@
             <p:ph idx="1"/>
           </p:nvPr>
         </p:nvSpPr>
+        <p:spPr>
+          <a:xfrm>
+            <a:off x="677334" y="1940789"/>
+            <a:ext cx="8596668" cy="3880773"/>
+          </a:xfrm>
+        </p:spPr>
+        <p:txBody>
+          <a:bodyPr>
+            <a:noAutofit/>
+          </a:bodyPr>
+          <a:lstStyle/>
+          <a:p>
+            <a:pPr marL="457200" lvl="1" indent="0" algn="ctr">
+              <a:buNone/>
+            </a:pPr>
+            <a:r>
+              <a:rPr lang="en-US" altLang="zh-TW" sz="3200" b="1" dirty="0" smtClean="0"/>
+              <a:t>	</a:t>
+            </a:r>
+            <a:r>
+              <a:rPr lang="zh-TW" altLang="zh-TW" sz="3200" b="1" dirty="0" smtClean="0"/>
+              <a:t>質數</a:t>
+            </a:r>
+            <a:r>
+              <a:rPr lang="zh-TW" altLang="zh-TW" sz="3200" b="1" dirty="0"/>
+              <a:t>間的關係</a:t>
+            </a:r>
+          </a:p>
+          <a:p>
+            <a:pPr marL="0" indent="0" algn="ctr">
+              <a:buNone/>
+            </a:pPr>
+            <a:r>
+              <a:rPr lang="en-US" altLang="zh-TW" sz="3200" dirty="0" smtClean="0"/>
+              <a:t>	</a:t>
+            </a:r>
+            <a:r>
+              <a:rPr lang="zh-TW" altLang="zh-TW" sz="3200" dirty="0" smtClean="0"/>
+              <a:t>在</a:t>
+            </a:r>
+            <a:r>
+              <a:rPr lang="zh-TW" altLang="zh-TW" sz="3200" dirty="0"/>
+              <a:t>質數間的關係，同樣尾數的質數之間</a:t>
+            </a:r>
+            <a:r>
+              <a:rPr lang="zh-TW" altLang="zh-TW" sz="3200" dirty="0" smtClean="0"/>
+              <a:t>通常</a:t>
+            </a:r>
+            <a:r>
+              <a:rPr lang="en-US" altLang="zh-TW" sz="3200" dirty="0" smtClean="0"/>
+              <a:t>	</a:t>
+            </a:r>
+            <a:r>
+              <a:rPr lang="zh-TW" altLang="zh-TW" sz="3200" dirty="0" smtClean="0"/>
+              <a:t>會</a:t>
+            </a:r>
+            <a:r>
+              <a:rPr lang="zh-TW" altLang="zh-TW" sz="3200" dirty="0"/>
+              <a:t>遵守一定的關係式，而且尾數相加等於</a:t>
+            </a:r>
+            <a:r>
+              <a:rPr lang="en-US" altLang="zh-TW" sz="3200" dirty="0" smtClean="0"/>
+              <a:t>10	</a:t>
+            </a:r>
+            <a:r>
+              <a:rPr lang="zh-TW" altLang="zh-TW" sz="3200" dirty="0" smtClean="0"/>
+              <a:t>之</a:t>
+            </a:r>
+            <a:r>
+              <a:rPr lang="zh-TW" altLang="zh-TW" sz="3200" dirty="0"/>
+              <a:t>質數通常也會遵守一樣的規律。</a:t>
+            </a:r>
+          </a:p>
+          <a:p>
+            <a:pPr marL="457200" lvl="1" indent="0" algn="ctr">
+              <a:buNone/>
+            </a:pPr>
+            <a:r>
+              <a:rPr lang="en-US" altLang="zh-TW" sz="3200" b="1" dirty="0" smtClean="0"/>
+              <a:t>	</a:t>
+            </a:r>
+            <a:r>
+              <a:rPr lang="zh-TW" altLang="zh-TW" sz="3200" b="1" dirty="0" smtClean="0"/>
+              <a:t>單一</a:t>
+            </a:r>
+            <a:r>
+              <a:rPr lang="zh-TW" altLang="zh-TW" sz="3200" b="1" dirty="0"/>
+              <a:t>質數各次方間之關係</a:t>
+            </a:r>
+          </a:p>
+          <a:p>
+            <a:pPr marL="0" indent="0" algn="ctr">
+              <a:buNone/>
+            </a:pPr>
+            <a:r>
+              <a:rPr lang="en-US" altLang="zh-TW" sz="3200" dirty="0" smtClean="0"/>
+              <a:t>	</a:t>
+            </a:r>
+            <a:r>
+              <a:rPr lang="zh-TW" altLang="zh-TW" sz="3200" dirty="0" smtClean="0"/>
+              <a:t>在</a:t>
+            </a:r>
+            <a:r>
+              <a:rPr lang="zh-TW" altLang="zh-TW" sz="3200" dirty="0"/>
+              <a:t>質數各次方間之關係，其循環個數成</a:t>
+            </a:r>
+            <a:r>
+              <a:rPr lang="zh-TW" altLang="zh-TW" sz="3200" dirty="0" smtClean="0"/>
+              <a:t>等比</a:t>
+            </a:r>
+            <a:r>
+              <a:rPr lang="en-US" altLang="zh-TW" sz="3200" dirty="0" smtClean="0"/>
+              <a:t>	</a:t>
+            </a:r>
+            <a:r>
+              <a:rPr lang="zh-TW" altLang="zh-TW" sz="3200" dirty="0" smtClean="0"/>
+              <a:t>數列</a:t>
+            </a:r>
+            <a:r>
+              <a:rPr lang="zh-TW" altLang="zh-TW" sz="3200" dirty="0"/>
+              <a:t>，且公比為質數本身。</a:t>
+            </a:r>
+          </a:p>
+          <a:p>
+            <a:endParaRPr lang="zh-TW" altLang="en-US" sz="3200" dirty="0"/>
+          </a:p>
+        </p:txBody>
+      </p:sp>
+    </p:spTree>
+    <p:extLst>
+      <p:ext uri="{BB962C8B-B14F-4D97-AF65-F5344CB8AC3E}">
+        <p14:creationId xmlns:p14="http://schemas.microsoft.com/office/powerpoint/2010/main" val="227770976"/>
+      </p:ext>
+    </p:extLst>
+  </p:cSld>
+  <p:clrMapOvr>
+    <a:masterClrMapping/>
+  </p:clrMapOvr>
+</p:sld>
+</file>
+
+<file path=ppt/slides/slide15.xml><?xml version="1.0" encoding="utf-8"?>
+<p:sld xmlns:a="http://schemas.openxmlformats.org/drawingml/2006/main" xmlns:r="http://schemas.openxmlformats.org/officeDocument/2006/relationships" xmlns:p="http://schemas.openxmlformats.org/presentationml/2006/main">
+  <p:cSld>
+    <p:spTree>
+      <p:nvGrpSpPr>
+        <p:cNvPr id="1" name=""/>
+        <p:cNvGrpSpPr/>
+        <p:nvPr/>
+      </p:nvGrpSpPr>
+      <p:grpSpPr>
+        <a:xfrm>
+          <a:off x="0" y="0"/>
+          <a:ext cx="0" cy="0"/>
+          <a:chOff x="0" y="0"/>
+          <a:chExt cx="0" cy="0"/>
+        </a:xfrm>
+      </p:grpSpPr>
+      <p:sp>
+        <p:nvSpPr>
+          <p:cNvPr id="2" name="標題 1"/>
+          <p:cNvSpPr>
+            <a:spLocks noGrp="1"/>
+          </p:cNvSpPr>
+          <p:nvPr>
+            <p:ph type="title"/>
+          </p:nvPr>
+        </p:nvSpPr>
         <p:spPr/>
         <p:txBody>
           <a:bodyPr>
@@ -8591,6 +10006,32 @@
           </a:bodyPr>
           <a:lstStyle/>
           <a:p>
+            <a:pPr algn="ctr"/>
+            <a:r>
+              <a:rPr lang="zh-TW" altLang="en-US" sz="4800" dirty="0" smtClean="0"/>
+              <a:t>聯絡方式</a:t>
+            </a:r>
+            <a:endParaRPr lang="zh-TW" altLang="en-US" sz="4800" dirty="0"/>
+          </a:p>
+        </p:txBody>
+      </p:sp>
+      <p:sp>
+        <p:nvSpPr>
+          <p:cNvPr id="3" name="內容版面配置區 2"/>
+          <p:cNvSpPr>
+            <a:spLocks noGrp="1"/>
+          </p:cNvSpPr>
+          <p:nvPr>
+            <p:ph idx="1"/>
+          </p:nvPr>
+        </p:nvSpPr>
+        <p:spPr/>
+        <p:txBody>
+          <a:bodyPr>
+            <a:normAutofit/>
+          </a:bodyPr>
+          <a:lstStyle/>
+          <a:p>
             <a:pPr marL="0" indent="0" algn="ctr">
               <a:buNone/>
             </a:pPr>
@@ -8608,11 +10049,7 @@
             </a:r>
             <a:r>
               <a:rPr lang="zh-TW" altLang="en-US" sz="7200" dirty="0" smtClean="0"/>
-              <a:t>大</a:t>
-            </a:r>
-            <a:r>
-              <a:rPr lang="zh-TW" altLang="en-US" sz="7200" dirty="0" smtClean="0"/>
-              <a:t>平台</a:t>
+              <a:t>大平台</a:t>
             </a:r>
             <a:r>
               <a:rPr lang="en-US" altLang="zh-TW" sz="7200" dirty="0" smtClean="0"/>
@@ -8643,7 +10080,7 @@
 </p:sld>
 </file>
 
-<file path=ppt/slides/slide15.xml><?xml version="1.0" encoding="utf-8"?>
+<file path=ppt/slides/slide16.xml><?xml version="1.0" encoding="utf-8"?>
 <p:sld xmlns:a="http://schemas.openxmlformats.org/drawingml/2006/main" xmlns:r="http://schemas.openxmlformats.org/officeDocument/2006/relationships" xmlns:p="http://schemas.openxmlformats.org/presentationml/2006/main">
   <p:cSld>
     <p:spTree>
@@ -9004,11 +10441,7 @@
             </a:r>
             <a:r>
               <a:rPr lang="zh-TW" altLang="en-US" dirty="0" smtClean="0"/>
-              <a:t>研究</a:t>
-            </a:r>
-            <a:r>
-              <a:rPr lang="zh-TW" altLang="en-US" dirty="0" smtClean="0"/>
-              <a:t>動機</a:t>
+              <a:t>研究動機</a:t>
             </a:r>
             <a:endParaRPr lang="zh-TW" altLang="en-US" dirty="0"/>
           </a:p>
@@ -9492,8 +10925,8 @@
           </a:p>
         </p:txBody>
       </p:sp>
-      <mc:AlternateContent xmlns:mc="http://schemas.openxmlformats.org/markup-compatibility/2006">
-        <mc:Choice xmlns:a14="http://schemas.microsoft.com/office/drawing/2010/main" Requires="a14">
+      <mc:AlternateContent xmlns:mc="http://schemas.openxmlformats.org/markup-compatibility/2006" xmlns:a14="http://schemas.microsoft.com/office/drawing/2010/main">
+        <mc:Choice Requires="a14">
           <p:sp>
             <p:nvSpPr>
               <p:cNvPr id="3" name="內容版面配置區 2"/>
@@ -9813,7 +11246,7 @@
             </p:txBody>
           </p:sp>
         </mc:Choice>
-        <mc:Fallback>
+        <mc:Fallback xmlns="">
           <p:sp>
             <p:nvSpPr>
               <p:cNvPr id="3" name="內容版面配置區 2"/>
@@ -10659,7 +12092,7 @@
   <a:extraClrSchemeLst/>
   <a:extLst>
     <a:ext uri="{05A4C25C-085E-4340-85A3-A5531E510DB2}">
-      <thm15:themeFamily xmlns:thm15="http://schemas.microsoft.com/office/thememl/2012/main" xmlns="" name="Facet" id="{C0C680CD-088A-49FC-A102-D699147F32B2}" vid="{CFBC31BA-B70F-4F30-BCAA-4F3011E16C4D}"/>
+      <thm15:themeFamily xmlns="" xmlns:thm15="http://schemas.microsoft.com/office/thememl/2012/main" name="Facet" id="{C0C680CD-088A-49FC-A102-D699147F32B2}" vid="{CFBC31BA-B70F-4F30-BCAA-4F3011E16C4D}"/>
     </a:ext>
   </a:extLst>
 </a:theme>
